--- a/One_Slide_Talk.pptx
+++ b/One_Slide_Talk.pptx
@@ -234,7 +234,7 @@
           <a:p>
             <a:fld id="{5103D7F7-97BD-49D0-B9CE-923848E1B6BB}" type="datetimeFigureOut">
               <a:rPr lang="en-GB" smtClean="0"/>
-              <a:t>06/10/2021</a:t>
+              <a:t>09/10/2021</a:t>
             </a:fld>
             <a:endParaRPr lang="en-GB"/>
           </a:p>
@@ -399,7 +399,7 @@
           <a:p>
             <a:fld id="{A499F530-07A8-46BE-9947-7EAEE02BA5B0}" type="datetimeFigureOut">
               <a:rPr lang="en-GB" smtClean="0"/>
-              <a:t>06/10/2021</a:t>
+              <a:t>09/10/2021</a:t>
             </a:fld>
             <a:endParaRPr lang="en-GB"/>
           </a:p>
@@ -968,7 +968,7 @@
           <a:p>
             <a:fld id="{C47C3808-D0E5-4D15-A9FF-8BA6ECFFB88B}" type="datetimeFigureOut">
               <a:rPr lang="en-GB" smtClean="0"/>
-              <a:t>06/10/2021</a:t>
+              <a:t>09/10/2021</a:t>
             </a:fld>
             <a:endParaRPr lang="en-GB"/>
           </a:p>
@@ -1188,7 +1188,7 @@
           <a:p>
             <a:fld id="{C47C3808-D0E5-4D15-A9FF-8BA6ECFFB88B}" type="datetimeFigureOut">
               <a:rPr lang="en-GB" smtClean="0"/>
-              <a:t>06/10/2021</a:t>
+              <a:t>09/10/2021</a:t>
             </a:fld>
             <a:endParaRPr lang="en-GB"/>
           </a:p>
@@ -1484,7 +1484,7 @@
           <a:p>
             <a:fld id="{C47C3808-D0E5-4D15-A9FF-8BA6ECFFB88B}" type="datetimeFigureOut">
               <a:rPr lang="en-GB" smtClean="0"/>
-              <a:t>06/10/2021</a:t>
+              <a:t>09/10/2021</a:t>
             </a:fld>
             <a:endParaRPr lang="en-GB"/>
           </a:p>
@@ -1792,7 +1792,7 @@
           <a:p>
             <a:fld id="{C47C3808-D0E5-4D15-A9FF-8BA6ECFFB88B}" type="datetimeFigureOut">
               <a:rPr lang="en-GB" smtClean="0"/>
-              <a:t>06/10/2021</a:t>
+              <a:t>09/10/2021</a:t>
             </a:fld>
             <a:endParaRPr lang="en-GB"/>
           </a:p>
@@ -1934,7 +1934,7 @@
           <a:p>
             <a:fld id="{C47C3808-D0E5-4D15-A9FF-8BA6ECFFB88B}" type="datetimeFigureOut">
               <a:rPr lang="en-GB" smtClean="0"/>
-              <a:t>06/10/2021</a:t>
+              <a:t>09/10/2021</a:t>
             </a:fld>
             <a:endParaRPr lang="en-GB"/>
           </a:p>
@@ -2247,7 +2247,7 @@
           <a:p>
             <a:fld id="{C47C3808-D0E5-4D15-A9FF-8BA6ECFFB88B}" type="datetimeFigureOut">
               <a:rPr lang="en-GB" smtClean="0"/>
-              <a:t>06/10/2021</a:t>
+              <a:t>09/10/2021</a:t>
             </a:fld>
             <a:endParaRPr lang="en-GB"/>
           </a:p>
@@ -2515,7 +2515,7 @@
           <a:p>
             <a:fld id="{C47C3808-D0E5-4D15-A9FF-8BA6ECFFB88B}" type="datetimeFigureOut">
               <a:rPr lang="en-GB" smtClean="0"/>
-              <a:t>06/10/2021</a:t>
+              <a:t>09/10/2021</a:t>
             </a:fld>
             <a:endParaRPr lang="en-GB"/>
           </a:p>
@@ -2719,7 +2719,7 @@
             <a:fld id="{C47C3808-D0E5-4D15-A9FF-8BA6ECFFB88B}" type="datetimeFigureOut">
               <a:rPr lang="en-GB" smtClean="0"/>
               <a:pPr/>
-              <a:t>06/10/2021</a:t>
+              <a:t>09/10/2021</a:t>
             </a:fld>
             <a:endParaRPr lang="en-GB" dirty="0"/>
           </a:p>
@@ -3112,6 +3112,216 @@
       </p:grpSpPr>
       <p:sp>
         <p:nvSpPr>
+          <p:cNvPr id="14" name="Rectangle 13">
+            <a:extLst>
+              <a:ext uri="{FF2B5EF4-FFF2-40B4-BE49-F238E27FC236}">
+                <a16:creationId xmlns:a16="http://schemas.microsoft.com/office/drawing/2014/main" id="{3555594B-7BBD-4F00-8310-2C6043604CE0}"/>
+              </a:ext>
+            </a:extLst>
+          </p:cNvPr>
+          <p:cNvSpPr/>
+          <p:nvPr/>
+        </p:nvSpPr>
+        <p:spPr>
+          <a:xfrm>
+            <a:off x="-9275" y="1268760"/>
+            <a:ext cx="1484931" cy="414290"/>
+          </a:xfrm>
+          <a:prstGeom prst="rect">
+            <a:avLst/>
+          </a:prstGeom>
+          <a:solidFill>
+            <a:srgbClr val="5D9732"/>
+          </a:solidFill>
+          <a:ln>
+            <a:noFill/>
+          </a:ln>
+        </p:spPr>
+        <p:style>
+          <a:lnRef idx="2">
+            <a:schemeClr val="accent1">
+              <a:shade val="50000"/>
+            </a:schemeClr>
+          </a:lnRef>
+          <a:fillRef idx="1">
+            <a:schemeClr val="accent1"/>
+          </a:fillRef>
+          <a:effectRef idx="0">
+            <a:schemeClr val="accent1"/>
+          </a:effectRef>
+          <a:fontRef idx="minor">
+            <a:schemeClr val="lt1"/>
+          </a:fontRef>
+        </p:style>
+        <p:txBody>
+          <a:bodyPr rtlCol="0" anchor="ctr"/>
+          <a:lstStyle/>
+          <a:p>
+            <a:pPr algn="ctr"/>
+            <a:endParaRPr lang="en-GB"/>
+          </a:p>
+        </p:txBody>
+      </p:sp>
+      <p:sp>
+        <p:nvSpPr>
+          <p:cNvPr id="10" name="Isosceles Triangle 9">
+            <a:extLst>
+              <a:ext uri="{FF2B5EF4-FFF2-40B4-BE49-F238E27FC236}">
+                <a16:creationId xmlns:a16="http://schemas.microsoft.com/office/drawing/2014/main" id="{640A5933-342F-4B7D-8532-76289DBEB059}"/>
+              </a:ext>
+            </a:extLst>
+          </p:cNvPr>
+          <p:cNvSpPr/>
+          <p:nvPr/>
+        </p:nvSpPr>
+        <p:spPr>
+          <a:xfrm rot="10800000">
+            <a:off x="5130916" y="5630073"/>
+            <a:ext cx="176149" cy="225406"/>
+          </a:xfrm>
+          <a:prstGeom prst="triangle">
+            <a:avLst>
+              <a:gd name="adj" fmla="val 0"/>
+            </a:avLst>
+          </a:prstGeom>
+          <a:solidFill>
+            <a:srgbClr val="2D4818"/>
+          </a:solidFill>
+          <a:ln>
+            <a:noFill/>
+          </a:ln>
+        </p:spPr>
+        <p:style>
+          <a:lnRef idx="2">
+            <a:schemeClr val="accent1">
+              <a:shade val="50000"/>
+            </a:schemeClr>
+          </a:lnRef>
+          <a:fillRef idx="1">
+            <a:schemeClr val="accent1"/>
+          </a:fillRef>
+          <a:effectRef idx="0">
+            <a:schemeClr val="accent1"/>
+          </a:effectRef>
+          <a:fontRef idx="minor">
+            <a:schemeClr val="lt1"/>
+          </a:fontRef>
+        </p:style>
+        <p:txBody>
+          <a:bodyPr rtlCol="0" anchor="ctr"/>
+          <a:lstStyle/>
+          <a:p>
+            <a:pPr algn="ctr"/>
+            <a:endParaRPr lang="en-GB"/>
+          </a:p>
+        </p:txBody>
+      </p:sp>
+      <p:sp>
+        <p:nvSpPr>
+          <p:cNvPr id="7" name="Rectangle 6">
+            <a:extLst>
+              <a:ext uri="{FF2B5EF4-FFF2-40B4-BE49-F238E27FC236}">
+                <a16:creationId xmlns:a16="http://schemas.microsoft.com/office/drawing/2014/main" id="{70896136-20E3-4B39-A483-29B852B41795}"/>
+              </a:ext>
+            </a:extLst>
+          </p:cNvPr>
+          <p:cNvSpPr/>
+          <p:nvPr/>
+        </p:nvSpPr>
+        <p:spPr>
+          <a:xfrm>
+            <a:off x="5292080" y="5439218"/>
+            <a:ext cx="3851920" cy="1086126"/>
+          </a:xfrm>
+          <a:prstGeom prst="rect">
+            <a:avLst/>
+          </a:prstGeom>
+          <a:solidFill>
+            <a:srgbClr val="AECB98"/>
+          </a:solidFill>
+          <a:ln>
+            <a:noFill/>
+          </a:ln>
+        </p:spPr>
+        <p:style>
+          <a:lnRef idx="2">
+            <a:schemeClr val="accent3">
+              <a:shade val="50000"/>
+            </a:schemeClr>
+          </a:lnRef>
+          <a:fillRef idx="1">
+            <a:schemeClr val="accent3"/>
+          </a:fillRef>
+          <a:effectRef idx="0">
+            <a:schemeClr val="accent3"/>
+          </a:effectRef>
+          <a:fontRef idx="minor">
+            <a:schemeClr val="lt1"/>
+          </a:fontRef>
+        </p:style>
+        <p:txBody>
+          <a:bodyPr rtlCol="0" anchor="ctr"/>
+          <a:lstStyle/>
+          <a:p>
+            <a:pPr algn="ctr"/>
+            <a:endParaRPr lang="en-GB"/>
+          </a:p>
+        </p:txBody>
+      </p:sp>
+      <p:sp>
+        <p:nvSpPr>
+          <p:cNvPr id="8" name="Rectangle 7">
+            <a:extLst>
+              <a:ext uri="{FF2B5EF4-FFF2-40B4-BE49-F238E27FC236}">
+                <a16:creationId xmlns:a16="http://schemas.microsoft.com/office/drawing/2014/main" id="{E20BEDCC-2542-4D38-BB32-91880C3E3C09}"/>
+              </a:ext>
+            </a:extLst>
+          </p:cNvPr>
+          <p:cNvSpPr/>
+          <p:nvPr/>
+        </p:nvSpPr>
+        <p:spPr>
+          <a:xfrm>
+            <a:off x="5130916" y="5243676"/>
+            <a:ext cx="1457308" cy="386303"/>
+          </a:xfrm>
+          <a:prstGeom prst="rect">
+            <a:avLst/>
+          </a:prstGeom>
+          <a:solidFill>
+            <a:srgbClr val="5D9732"/>
+          </a:solidFill>
+          <a:ln>
+            <a:noFill/>
+          </a:ln>
+        </p:spPr>
+        <p:style>
+          <a:lnRef idx="2">
+            <a:schemeClr val="accent1">
+              <a:shade val="50000"/>
+            </a:schemeClr>
+          </a:lnRef>
+          <a:fillRef idx="1">
+            <a:schemeClr val="accent1"/>
+          </a:fillRef>
+          <a:effectRef idx="0">
+            <a:schemeClr val="accent1"/>
+          </a:effectRef>
+          <a:fontRef idx="minor">
+            <a:schemeClr val="lt1"/>
+          </a:fontRef>
+        </p:style>
+        <p:txBody>
+          <a:bodyPr rtlCol="0" anchor="ctr"/>
+          <a:lstStyle/>
+          <a:p>
+            <a:pPr algn="ctr"/>
+            <a:endParaRPr lang="en-GB"/>
+          </a:p>
+        </p:txBody>
+      </p:sp>
+      <p:sp>
+        <p:nvSpPr>
           <p:cNvPr id="9" name="Rectangle 8">
             <a:extLst>
               <a:ext uri="{FF2B5EF4-FFF2-40B4-BE49-F238E27FC236}">
@@ -3176,35 +3386,20 @@
         </p:nvSpPr>
         <p:spPr>
           <a:xfrm>
-            <a:off x="-9275" y="44625"/>
-            <a:ext cx="7596336" cy="1041502"/>
+            <a:off x="389571" y="44625"/>
+            <a:ext cx="7197490" cy="1041502"/>
           </a:xfrm>
         </p:spPr>
         <p:txBody>
           <a:bodyPr/>
           <a:lstStyle/>
           <a:p>
-            <a:pPr algn="ctr"/>
             <a:r>
               <a:rPr lang="en-GB" sz="3000" dirty="0">
                 <a:latin typeface="Alegreya Sans" panose="00000500000000000000" pitchFamily="2" charset="0"/>
                 <a:ea typeface="Malgun Gothic" panose="020B0503020000020004" pitchFamily="34" charset="-127"/>
               </a:rPr>
-              <a:t>EPSRC </a:t>
-            </a:r>
-            <a:r>
-              <a:rPr lang="en-GB" sz="3000" dirty="0" err="1">
-                <a:latin typeface="Alegreya Sans" panose="00000500000000000000" pitchFamily="2" charset="0"/>
-                <a:ea typeface="Malgun Gothic" panose="020B0503020000020004" pitchFamily="34" charset="-127"/>
-              </a:rPr>
-              <a:t>Center</a:t>
-            </a:r>
-            <a:r>
-              <a:rPr lang="en-GB" sz="3000" dirty="0">
-                <a:latin typeface="Alegreya Sans" panose="00000500000000000000" pitchFamily="2" charset="0"/>
-                <a:ea typeface="Malgun Gothic" panose="020B0503020000020004" pitchFamily="34" charset="-127"/>
-              </a:rPr>
-              <a:t> for Doctoral Training for </a:t>
+              <a:t>EPSRC Centre for Doctoral Training for </a:t>
             </a:r>
             <a:br>
               <a:rPr lang="en-GB" sz="3000" dirty="0">
@@ -3217,7 +3412,7 @@
                 <a:latin typeface="Alegreya Sans" panose="00000500000000000000" pitchFamily="2" charset="0"/>
                 <a:ea typeface="Malgun Gothic" panose="020B0503020000020004" pitchFamily="34" charset="-127"/>
               </a:rPr>
-              <a:t>Solid State Nanotechnology</a:t>
+              <a:t>Quantum Communication Systems</a:t>
             </a:r>
           </a:p>
         </p:txBody>
@@ -3286,7 +3481,7 @@
         </p:nvSpPr>
         <p:spPr>
           <a:xfrm>
-            <a:off x="1125703" y="6453336"/>
+            <a:off x="1832165" y="6452655"/>
             <a:ext cx="5479669" cy="531769"/>
           </a:xfrm>
         </p:spPr>
@@ -3296,7 +3491,7 @@
           </a:bodyPr>
           <a:lstStyle/>
           <a:p>
-            <a:pPr algn="r"/>
+            <a:pPr algn="ctr"/>
             <a:r>
               <a:rPr lang="en-GB" sz="2000" dirty="0">
                 <a:solidFill>
@@ -3309,11 +3504,20 @@
             <a:r>
               <a:rPr lang="en-GB" sz="2000" b="1" dirty="0">
                 <a:solidFill>
+                  <a:srgbClr val="AECB98"/>
+                </a:solidFill>
+                <a:latin typeface="Alegreya Sans" panose="00000500000000000000" pitchFamily="2" charset="0"/>
+              </a:rPr>
+              <a:t>|</a:t>
+            </a:r>
+            <a:r>
+              <a:rPr lang="en-GB" sz="2000" b="1" dirty="0">
+                <a:solidFill>
                   <a:schemeClr val="bg1"/>
                 </a:solidFill>
                 <a:latin typeface="Alegreya Sans" panose="00000500000000000000" pitchFamily="2" charset="0"/>
               </a:rPr>
-              <a:t>| </a:t>
+              <a:t> </a:t>
             </a:r>
             <a:r>
               <a:rPr lang="en-GB" sz="2000" dirty="0">
@@ -3345,11 +3549,20 @@
             <a:r>
               <a:rPr lang="en-GB" sz="2000" b="1" dirty="0">
                 <a:solidFill>
+                  <a:srgbClr val="AECB98"/>
+                </a:solidFill>
+                <a:latin typeface="Alegreya Sans" panose="00000500000000000000" pitchFamily="2" charset="0"/>
+              </a:rPr>
+              <a:t>|</a:t>
+            </a:r>
+            <a:r>
+              <a:rPr lang="en-GB" sz="2000" b="1" dirty="0">
+                <a:solidFill>
                   <a:schemeClr val="bg1"/>
                 </a:solidFill>
                 <a:latin typeface="Alegreya Sans" panose="00000500000000000000" pitchFamily="2" charset="0"/>
               </a:rPr>
-              <a:t>|  </a:t>
+              <a:t>  </a:t>
             </a:r>
             <a:r>
               <a:rPr lang="en-GB" sz="2000" dirty="0" err="1">
@@ -3372,55 +3585,6 @@
           </a:p>
           <a:p>
             <a:endParaRPr lang="en-GB" sz="2000" dirty="0"/>
-          </a:p>
-        </p:txBody>
-      </p:sp>
-      <p:sp>
-        <p:nvSpPr>
-          <p:cNvPr id="17" name="Title 1">
-            <a:extLst>
-              <a:ext uri="{FF2B5EF4-FFF2-40B4-BE49-F238E27FC236}">
-                <a16:creationId xmlns:a16="http://schemas.microsoft.com/office/drawing/2014/main" id="{141C8304-4C60-414C-9B1C-32FEA91FCD0A}"/>
-              </a:ext>
-            </a:extLst>
-          </p:cNvPr>
-          <p:cNvSpPr txBox="1">
-            <a:spLocks/>
-          </p:cNvSpPr>
-          <p:nvPr/>
-        </p:nvSpPr>
-        <p:spPr>
-          <a:xfrm>
-            <a:off x="368914" y="4018196"/>
-            <a:ext cx="6930516" cy="1500594"/>
-          </a:xfrm>
-          <a:prstGeom prst="rect">
-            <a:avLst/>
-          </a:prstGeom>
-        </p:spPr>
-        <p:txBody>
-          <a:bodyPr/>
-          <a:lstStyle>
-            <a:lvl1pPr algn="l" defTabSz="914400" rtl="0" eaLnBrk="1" latinLnBrk="0" hangingPunct="1">
-              <a:spcBef>
-                <a:spcPct val="0"/>
-              </a:spcBef>
-              <a:buNone/>
-              <a:defRPr sz="4000" kern="1200">
-                <a:solidFill>
-                  <a:schemeClr val="tx1"/>
-                </a:solidFill>
-                <a:latin typeface="Arial" pitchFamily="34" charset="0"/>
-                <a:ea typeface="+mj-ea"/>
-                <a:cs typeface="Arial" pitchFamily="34" charset="0"/>
-              </a:defRPr>
-            </a:lvl1pPr>
-          </a:lstStyle>
-          <a:p>
-            <a:endParaRPr lang="en-GB" dirty="0">
-              <a:latin typeface="Alegreya Sans" panose="00000500000000000000" pitchFamily="2" charset="0"/>
-              <a:ea typeface="Malgun Gothic" panose="020B0503020000020004" pitchFamily="34" charset="-127"/>
-            </a:endParaRPr>
           </a:p>
         </p:txBody>
       </p:sp>
@@ -3438,8 +3602,8 @@
         </p:nvSpPr>
         <p:spPr>
           <a:xfrm>
-            <a:off x="368914" y="1556792"/>
-            <a:ext cx="3194974" cy="646331"/>
+            <a:off x="389571" y="1291407"/>
+            <a:ext cx="5216668" cy="2985433"/>
           </a:xfrm>
           <a:prstGeom prst="rect">
             <a:avLst/>
@@ -3454,11 +3618,23 @@
           <a:p>
             <a:r>
               <a:rPr lang="en-GB" dirty="0">
-                <a:latin typeface="Malgun Gothic" panose="020B0503020000020004" pitchFamily="34" charset="-127"/>
+                <a:solidFill>
+                  <a:schemeClr val="bg1"/>
+                </a:solidFill>
+                <a:latin typeface="Alegreya Sans" panose="00000500000000000000" pitchFamily="2" charset="0"/>
                 <a:ea typeface="Malgun Gothic" panose="020B0503020000020004" pitchFamily="34" charset="-127"/>
               </a:rPr>
-              <a:t>Topics in:</a:t>
-            </a:r>
+              <a:t>Purpose</a:t>
+            </a:r>
+          </a:p>
+          <a:p>
+            <a:endParaRPr lang="en-GB" sz="800" dirty="0">
+              <a:solidFill>
+                <a:schemeClr val="bg1"/>
+              </a:solidFill>
+              <a:latin typeface="Alegreya Sans" panose="00000500000000000000" pitchFamily="2" charset="0"/>
+              <a:ea typeface="Malgun Gothic" panose="020B0503020000020004" pitchFamily="34" charset="-127"/>
+            </a:endParaRPr>
           </a:p>
           <a:p>
             <a:pPr marL="285750" indent="-285750">
@@ -3470,11 +3646,596 @@
             </a:pPr>
             <a:r>
               <a:rPr lang="en-GB" dirty="0">
-                <a:latin typeface="Malgun Gothic" panose="020B0503020000020004" pitchFamily="34" charset="-127"/>
+                <a:latin typeface="Alegreya Sans" panose="00000500000000000000" pitchFamily="2" charset="0"/>
                 <a:ea typeface="Malgun Gothic" panose="020B0503020000020004" pitchFamily="34" charset="-127"/>
               </a:rPr>
-              <a:t>	</a:t>
-            </a:r>
+              <a:t>Establish a </a:t>
+            </a:r>
+            <a:r>
+              <a:rPr lang="en-GB" dirty="0" err="1">
+                <a:latin typeface="Alegreya Sans" panose="00000500000000000000" pitchFamily="2" charset="0"/>
+                <a:ea typeface="Malgun Gothic" panose="020B0503020000020004" pitchFamily="34" charset="-127"/>
+              </a:rPr>
+              <a:t>QCom</a:t>
+            </a:r>
+            <a:r>
+              <a:rPr lang="en-GB" dirty="0">
+                <a:latin typeface="Alegreya Sans" panose="00000500000000000000" pitchFamily="2" charset="0"/>
+                <a:ea typeface="Malgun Gothic" panose="020B0503020000020004" pitchFamily="34" charset="-127"/>
+              </a:rPr>
+              <a:t> CDT research hub for engineers and physicists </a:t>
+            </a:r>
+          </a:p>
+          <a:p>
+            <a:pPr marL="285750" indent="-285750">
+              <a:buClr>
+                <a:srgbClr val="5D9732"/>
+              </a:buClr>
+              <a:buFont typeface="Wingdings" panose="05000000000000000000" pitchFamily="2" charset="2"/>
+              <a:buChar char="Ø"/>
+            </a:pPr>
+            <a:r>
+              <a:rPr lang="en-GB" dirty="0">
+                <a:latin typeface="Alegreya Sans" panose="00000500000000000000" pitchFamily="2" charset="0"/>
+                <a:ea typeface="Malgun Gothic" panose="020B0503020000020004" pitchFamily="34" charset="-127"/>
+              </a:rPr>
+              <a:t>Focused on the accelerated development of the latest quantum communication/encryption systems</a:t>
+            </a:r>
+          </a:p>
+          <a:p>
+            <a:pPr marL="285750" indent="-285750">
+              <a:buClr>
+                <a:srgbClr val="5D9732"/>
+              </a:buClr>
+              <a:buFont typeface="Wingdings" panose="05000000000000000000" pitchFamily="2" charset="2"/>
+              <a:buChar char="Ø"/>
+            </a:pPr>
+            <a:r>
+              <a:rPr lang="en-GB" dirty="0">
+                <a:latin typeface="Alegreya Sans" panose="00000500000000000000" pitchFamily="2" charset="0"/>
+                <a:ea typeface="Malgun Gothic" panose="020B0503020000020004" pitchFamily="34" charset="-127"/>
+              </a:rPr>
+              <a:t>Develop a skilled workforce with the capability to tackle new quantum technologies as they evolve</a:t>
+            </a:r>
+          </a:p>
+          <a:p>
+            <a:pPr marL="285750" indent="-285750">
+              <a:buClr>
+                <a:srgbClr val="5D9732"/>
+              </a:buClr>
+              <a:buFont typeface="Wingdings" panose="05000000000000000000" pitchFamily="2" charset="2"/>
+              <a:buChar char="Ø"/>
+            </a:pPr>
+            <a:r>
+              <a:rPr lang="en-GB" dirty="0">
+                <a:latin typeface="Alegreya Sans" panose="00000500000000000000" pitchFamily="2" charset="0"/>
+                <a:ea typeface="Malgun Gothic" panose="020B0503020000020004" pitchFamily="34" charset="-127"/>
+              </a:rPr>
+              <a:t>Why?</a:t>
+            </a:r>
+          </a:p>
+          <a:p>
+            <a:pPr marL="742950" lvl="1" indent="-285750">
+              <a:buClr>
+                <a:srgbClr val="5D9732"/>
+              </a:buClr>
+              <a:buFont typeface="Wingdings" panose="05000000000000000000" pitchFamily="2" charset="2"/>
+              <a:buChar char="Ø"/>
+            </a:pPr>
+            <a:endParaRPr lang="en-GB" dirty="0">
+              <a:latin typeface="Alegreya Sans" panose="00000500000000000000" pitchFamily="2" charset="0"/>
+              <a:ea typeface="Malgun Gothic" panose="020B0503020000020004" pitchFamily="34" charset="-127"/>
+            </a:endParaRPr>
+          </a:p>
+          <a:p>
+            <a:pPr marL="285750" indent="-285750">
+              <a:buClr>
+                <a:srgbClr val="5D9732"/>
+              </a:buClr>
+              <a:buFont typeface="Wingdings" panose="05000000000000000000" pitchFamily="2" charset="2"/>
+              <a:buChar char="Ø"/>
+            </a:pPr>
+            <a:endParaRPr lang="en-GB" dirty="0">
+              <a:latin typeface="Alegreya Sans" panose="00000500000000000000" pitchFamily="2" charset="0"/>
+              <a:ea typeface="Malgun Gothic" panose="020B0503020000020004" pitchFamily="34" charset="-127"/>
+            </a:endParaRPr>
+          </a:p>
+        </p:txBody>
+      </p:sp>
+      <p:sp>
+        <p:nvSpPr>
+          <p:cNvPr id="6" name="TextBox 5">
+            <a:extLst>
+              <a:ext uri="{FF2B5EF4-FFF2-40B4-BE49-F238E27FC236}">
+                <a16:creationId xmlns:a16="http://schemas.microsoft.com/office/drawing/2014/main" id="{C4FDFD66-A286-4499-A014-73C41B0C8D65}"/>
+              </a:ext>
+            </a:extLst>
+          </p:cNvPr>
+          <p:cNvSpPr txBox="1"/>
+          <p:nvPr/>
+        </p:nvSpPr>
+        <p:spPr>
+          <a:xfrm>
+            <a:off x="5251294" y="5229200"/>
+            <a:ext cx="1216551" cy="369332"/>
+          </a:xfrm>
+          <a:prstGeom prst="rect">
+            <a:avLst/>
+          </a:prstGeom>
+          <a:noFill/>
+        </p:spPr>
+        <p:txBody>
+          <a:bodyPr wrap="none" rtlCol="0">
+            <a:spAutoFit/>
+          </a:bodyPr>
+          <a:lstStyle/>
+          <a:p>
+            <a:r>
+              <a:rPr lang="en-GB" dirty="0">
+                <a:solidFill>
+                  <a:schemeClr val="bg1"/>
+                </a:solidFill>
+                <a:latin typeface="Alegreya Sans" panose="00000500000000000000" pitchFamily="2" charset="0"/>
+              </a:rPr>
+              <a:t>References</a:t>
+            </a:r>
+          </a:p>
+        </p:txBody>
+      </p:sp>
+      <p:sp>
+        <p:nvSpPr>
+          <p:cNvPr id="12" name="Rectangle 11">
+            <a:extLst>
+              <a:ext uri="{FF2B5EF4-FFF2-40B4-BE49-F238E27FC236}">
+                <a16:creationId xmlns:a16="http://schemas.microsoft.com/office/drawing/2014/main" id="{3D59B741-DD94-48D2-9600-7957F55620F9}"/>
+              </a:ext>
+            </a:extLst>
+          </p:cNvPr>
+          <p:cNvSpPr/>
+          <p:nvPr/>
+        </p:nvSpPr>
+        <p:spPr>
+          <a:xfrm>
+            <a:off x="5868144" y="1700808"/>
+            <a:ext cx="3275856" cy="3312368"/>
+          </a:xfrm>
+          <a:prstGeom prst="rect">
+            <a:avLst/>
+          </a:prstGeom>
+          <a:solidFill>
+            <a:srgbClr val="AECB98"/>
+          </a:solidFill>
+          <a:ln>
+            <a:noFill/>
+          </a:ln>
+        </p:spPr>
+        <p:style>
+          <a:lnRef idx="2">
+            <a:schemeClr val="accent1">
+              <a:shade val="50000"/>
+            </a:schemeClr>
+          </a:lnRef>
+          <a:fillRef idx="1">
+            <a:schemeClr val="accent1"/>
+          </a:fillRef>
+          <a:effectRef idx="0">
+            <a:schemeClr val="accent1"/>
+          </a:effectRef>
+          <a:fontRef idx="minor">
+            <a:schemeClr val="lt1"/>
+          </a:fontRef>
+        </p:style>
+        <p:txBody>
+          <a:bodyPr rtlCol="0" anchor="ctr"/>
+          <a:lstStyle/>
+          <a:p>
+            <a:pPr algn="ctr"/>
+            <a:endParaRPr lang="en-GB"/>
+          </a:p>
+        </p:txBody>
+      </p:sp>
+      <p:sp>
+        <p:nvSpPr>
+          <p:cNvPr id="15" name="Rectangle 14">
+            <a:extLst>
+              <a:ext uri="{FF2B5EF4-FFF2-40B4-BE49-F238E27FC236}">
+                <a16:creationId xmlns:a16="http://schemas.microsoft.com/office/drawing/2014/main" id="{554D538D-943D-4371-B28E-2242732FC48B}"/>
+              </a:ext>
+            </a:extLst>
+          </p:cNvPr>
+          <p:cNvSpPr>
+            <a:spLocks noChangeAspect="1"/>
+          </p:cNvSpPr>
+          <p:nvPr/>
+        </p:nvSpPr>
+        <p:spPr>
+          <a:xfrm>
+            <a:off x="6804248" y="3590449"/>
+            <a:ext cx="2240000" cy="1260000"/>
+          </a:xfrm>
+          <a:prstGeom prst="rect">
+            <a:avLst/>
+          </a:prstGeom>
+          <a:ln>
+            <a:noFill/>
+          </a:ln>
+        </p:spPr>
+        <p:style>
+          <a:lnRef idx="2">
+            <a:schemeClr val="accent1">
+              <a:shade val="50000"/>
+            </a:schemeClr>
+          </a:lnRef>
+          <a:fillRef idx="1">
+            <a:schemeClr val="accent1"/>
+          </a:fillRef>
+          <a:effectRef idx="0">
+            <a:schemeClr val="accent1"/>
+          </a:effectRef>
+          <a:fontRef idx="minor">
+            <a:schemeClr val="lt1"/>
+          </a:fontRef>
+        </p:style>
+        <p:txBody>
+          <a:bodyPr rtlCol="0" anchor="ctr"/>
+          <a:lstStyle/>
+          <a:p>
+            <a:pPr algn="ctr"/>
+            <a:endParaRPr lang="en-GB"/>
+          </a:p>
+        </p:txBody>
+      </p:sp>
+      <p:grpSp>
+        <p:nvGrpSpPr>
+          <p:cNvPr id="21" name="Group 20">
+            <a:extLst>
+              <a:ext uri="{FF2B5EF4-FFF2-40B4-BE49-F238E27FC236}">
+                <a16:creationId xmlns:a16="http://schemas.microsoft.com/office/drawing/2014/main" id="{8F3962F2-6D23-4155-9D5F-C54647D3DAC7}"/>
+              </a:ext>
+            </a:extLst>
+          </p:cNvPr>
+          <p:cNvGrpSpPr/>
+          <p:nvPr/>
+        </p:nvGrpSpPr>
+        <p:grpSpPr>
+          <a:xfrm>
+            <a:off x="9547625" y="3538511"/>
+            <a:ext cx="2123728" cy="414290"/>
+            <a:chOff x="4975626" y="6426205"/>
+            <a:chExt cx="2123728" cy="414290"/>
+          </a:xfrm>
+        </p:grpSpPr>
+        <p:sp>
+          <p:nvSpPr>
+            <p:cNvPr id="19" name="Rectangle 18">
+              <a:extLst>
+                <a:ext uri="{FF2B5EF4-FFF2-40B4-BE49-F238E27FC236}">
+                  <a16:creationId xmlns:a16="http://schemas.microsoft.com/office/drawing/2014/main" id="{0173FDF6-1385-4EB6-AFDE-86A228B554A0}"/>
+                </a:ext>
+              </a:extLst>
+            </p:cNvPr>
+            <p:cNvSpPr/>
+            <p:nvPr/>
+          </p:nvSpPr>
+          <p:spPr>
+            <a:xfrm>
+              <a:off x="4975626" y="6426205"/>
+              <a:ext cx="2123728" cy="414290"/>
+            </a:xfrm>
+            <a:prstGeom prst="rect">
+              <a:avLst/>
+            </a:prstGeom>
+            <a:solidFill>
+              <a:srgbClr val="5D9732"/>
+            </a:solidFill>
+            <a:ln>
+              <a:noFill/>
+            </a:ln>
+          </p:spPr>
+          <p:style>
+            <a:lnRef idx="2">
+              <a:schemeClr val="accent1">
+                <a:shade val="50000"/>
+              </a:schemeClr>
+            </a:lnRef>
+            <a:fillRef idx="1">
+              <a:schemeClr val="accent1"/>
+            </a:fillRef>
+            <a:effectRef idx="0">
+              <a:schemeClr val="accent1"/>
+            </a:effectRef>
+            <a:fontRef idx="minor">
+              <a:schemeClr val="lt1"/>
+            </a:fontRef>
+          </p:style>
+          <p:txBody>
+            <a:bodyPr rtlCol="0" anchor="ctr"/>
+            <a:lstStyle/>
+            <a:p>
+              <a:pPr algn="ctr"/>
+              <a:endParaRPr lang="en-GB"/>
+            </a:p>
+          </p:txBody>
+        </p:sp>
+        <p:sp>
+          <p:nvSpPr>
+            <p:cNvPr id="17" name="Title 1">
+              <a:extLst>
+                <a:ext uri="{FF2B5EF4-FFF2-40B4-BE49-F238E27FC236}">
+                  <a16:creationId xmlns:a16="http://schemas.microsoft.com/office/drawing/2014/main" id="{141C8304-4C60-414C-9B1C-32FEA91FCD0A}"/>
+                </a:ext>
+              </a:extLst>
+            </p:cNvPr>
+            <p:cNvSpPr txBox="1">
+              <a:spLocks/>
+            </p:cNvSpPr>
+            <p:nvPr/>
+          </p:nvSpPr>
+          <p:spPr>
+            <a:xfrm>
+              <a:off x="5112569" y="6426205"/>
+              <a:ext cx="1724880" cy="414290"/>
+            </a:xfrm>
+            <a:prstGeom prst="rect">
+              <a:avLst/>
+            </a:prstGeom>
+          </p:spPr>
+          <p:txBody>
+            <a:bodyPr/>
+            <a:lstStyle>
+              <a:lvl1pPr algn="l" defTabSz="914400" rtl="0" eaLnBrk="1" latinLnBrk="0" hangingPunct="1">
+                <a:spcBef>
+                  <a:spcPct val="0"/>
+                </a:spcBef>
+                <a:buNone/>
+                <a:defRPr sz="4000" kern="1200">
+                  <a:solidFill>
+                    <a:schemeClr val="tx1"/>
+                  </a:solidFill>
+                  <a:latin typeface="Arial" pitchFamily="34" charset="0"/>
+                  <a:ea typeface="+mj-ea"/>
+                  <a:cs typeface="Arial" pitchFamily="34" charset="0"/>
+                </a:defRPr>
+              </a:lvl1pPr>
+            </a:lstStyle>
+            <a:p>
+              <a:r>
+                <a:rPr lang="en-GB" sz="1800" dirty="0">
+                  <a:solidFill>
+                    <a:schemeClr val="bg1"/>
+                  </a:solidFill>
+                  <a:latin typeface="Alegreya Sans" panose="00000500000000000000" pitchFamily="2" charset="0"/>
+                  <a:ea typeface="Malgun Gothic" panose="020B0503020000020004" pitchFamily="34" charset="-127"/>
+                </a:rPr>
+                <a:t>Industry Partners</a:t>
+              </a:r>
+            </a:p>
+          </p:txBody>
+        </p:sp>
+      </p:grpSp>
+      <p:sp>
+        <p:nvSpPr>
+          <p:cNvPr id="23" name="Rectangle 22">
+            <a:extLst>
+              <a:ext uri="{FF2B5EF4-FFF2-40B4-BE49-F238E27FC236}">
+                <a16:creationId xmlns:a16="http://schemas.microsoft.com/office/drawing/2014/main" id="{31E7E06B-AFF1-4492-937B-5E422391CEAD}"/>
+              </a:ext>
+            </a:extLst>
+          </p:cNvPr>
+          <p:cNvSpPr/>
+          <p:nvPr/>
+        </p:nvSpPr>
+        <p:spPr>
+          <a:xfrm>
+            <a:off x="-9275" y="5057924"/>
+            <a:ext cx="2133003" cy="414290"/>
+          </a:xfrm>
+          <a:prstGeom prst="rect">
+            <a:avLst/>
+          </a:prstGeom>
+          <a:solidFill>
+            <a:srgbClr val="5D9732"/>
+          </a:solidFill>
+          <a:ln>
+            <a:noFill/>
+          </a:ln>
+        </p:spPr>
+        <p:style>
+          <a:lnRef idx="2">
+            <a:schemeClr val="accent1">
+              <a:shade val="50000"/>
+            </a:schemeClr>
+          </a:lnRef>
+          <a:fillRef idx="1">
+            <a:schemeClr val="accent1"/>
+          </a:fillRef>
+          <a:effectRef idx="0">
+            <a:schemeClr val="accent1"/>
+          </a:effectRef>
+          <a:fontRef idx="minor">
+            <a:schemeClr val="lt1"/>
+          </a:fontRef>
+        </p:style>
+        <p:txBody>
+          <a:bodyPr rtlCol="0" anchor="ctr"/>
+          <a:lstStyle/>
+          <a:p>
+            <a:pPr algn="ctr"/>
+            <a:endParaRPr lang="en-GB"/>
+          </a:p>
+        </p:txBody>
+      </p:sp>
+      <p:sp>
+        <p:nvSpPr>
+          <p:cNvPr id="25" name="TextBox 24">
+            <a:extLst>
+              <a:ext uri="{FF2B5EF4-FFF2-40B4-BE49-F238E27FC236}">
+                <a16:creationId xmlns:a16="http://schemas.microsoft.com/office/drawing/2014/main" id="{35F772FD-3660-47BF-A88C-324F6566ECE5}"/>
+              </a:ext>
+            </a:extLst>
+          </p:cNvPr>
+          <p:cNvSpPr txBox="1"/>
+          <p:nvPr/>
+        </p:nvSpPr>
+        <p:spPr>
+          <a:xfrm>
+            <a:off x="385087" y="5079955"/>
+            <a:ext cx="4013084" cy="1877437"/>
+          </a:xfrm>
+          <a:prstGeom prst="rect">
+            <a:avLst/>
+          </a:prstGeom>
+          <a:noFill/>
+        </p:spPr>
+        <p:txBody>
+          <a:bodyPr wrap="square" rtlCol="0">
+            <a:spAutoFit/>
+          </a:bodyPr>
+          <a:lstStyle/>
+          <a:p>
+            <a:r>
+              <a:rPr lang="en-GB" dirty="0">
+                <a:solidFill>
+                  <a:schemeClr val="bg1"/>
+                </a:solidFill>
+                <a:latin typeface="Alegreya Sans" panose="00000500000000000000" pitchFamily="2" charset="0"/>
+                <a:ea typeface="Malgun Gothic" panose="020B0503020000020004" pitchFamily="34" charset="-127"/>
+              </a:rPr>
+              <a:t>Research Topics</a:t>
+            </a:r>
+          </a:p>
+          <a:p>
+            <a:endParaRPr lang="en-GB" sz="800" dirty="0">
+              <a:solidFill>
+                <a:schemeClr val="bg1"/>
+              </a:solidFill>
+              <a:latin typeface="Alegreya Sans" panose="00000500000000000000" pitchFamily="2" charset="0"/>
+              <a:ea typeface="Malgun Gothic" panose="020B0503020000020004" pitchFamily="34" charset="-127"/>
+            </a:endParaRPr>
+          </a:p>
+          <a:p>
+            <a:pPr marL="285750" indent="-285750">
+              <a:buClr>
+                <a:srgbClr val="5D9732"/>
+              </a:buClr>
+              <a:buFont typeface="Wingdings" panose="05000000000000000000" pitchFamily="2" charset="2"/>
+              <a:buChar char="Ø"/>
+            </a:pPr>
+            <a:r>
+              <a:rPr lang="en-GB" dirty="0">
+                <a:latin typeface="Alegreya Sans" panose="00000500000000000000" pitchFamily="2" charset="0"/>
+                <a:ea typeface="Malgun Gothic" panose="020B0503020000020004" pitchFamily="34" charset="-127"/>
+              </a:rPr>
+              <a:t>Quantum Communication</a:t>
+            </a:r>
+          </a:p>
+          <a:p>
+            <a:pPr marL="285750" indent="-285750">
+              <a:buClr>
+                <a:srgbClr val="5D9732"/>
+              </a:buClr>
+              <a:buFont typeface="Wingdings" panose="05000000000000000000" pitchFamily="2" charset="2"/>
+              <a:buChar char="Ø"/>
+            </a:pPr>
+            <a:r>
+              <a:rPr lang="en-GB" dirty="0">
+                <a:latin typeface="Alegreya Sans" panose="00000500000000000000" pitchFamily="2" charset="0"/>
+                <a:ea typeface="Malgun Gothic" panose="020B0503020000020004" pitchFamily="34" charset="-127"/>
+              </a:rPr>
+              <a:t>Quantum-Resistant Cryptography</a:t>
+            </a:r>
+          </a:p>
+          <a:p>
+            <a:pPr marL="285750" indent="-285750">
+              <a:buClr>
+                <a:srgbClr val="5D9732"/>
+              </a:buClr>
+              <a:buFont typeface="Wingdings" panose="05000000000000000000" pitchFamily="2" charset="2"/>
+              <a:buChar char="Ø"/>
+            </a:pPr>
+            <a:r>
+              <a:rPr lang="en-GB" dirty="0">
+                <a:latin typeface="Alegreya Sans" panose="00000500000000000000" pitchFamily="2" charset="0"/>
+                <a:ea typeface="Malgun Gothic" panose="020B0503020000020004" pitchFamily="34" charset="-127"/>
+              </a:rPr>
+              <a:t>Quantum Internet</a:t>
+            </a:r>
+          </a:p>
+          <a:p>
+            <a:pPr marL="285750" indent="-285750">
+              <a:buClr>
+                <a:srgbClr val="5D9732"/>
+              </a:buClr>
+              <a:buFont typeface="Wingdings" panose="05000000000000000000" pitchFamily="2" charset="2"/>
+              <a:buChar char="Ø"/>
+            </a:pPr>
+            <a:endParaRPr lang="en-GB" dirty="0">
+              <a:latin typeface="Alegreya Sans" panose="00000500000000000000" pitchFamily="2" charset="0"/>
+              <a:ea typeface="Malgun Gothic" panose="020B0503020000020004" pitchFamily="34" charset="-127"/>
+            </a:endParaRPr>
+          </a:p>
+          <a:p>
+            <a:pPr marL="285750" indent="-285750">
+              <a:buClr>
+                <a:srgbClr val="5D9732"/>
+              </a:buClr>
+              <a:buFont typeface="Wingdings" panose="05000000000000000000" pitchFamily="2" charset="2"/>
+              <a:buChar char="Ø"/>
+            </a:pPr>
+            <a:endParaRPr lang="en-GB" dirty="0">
+              <a:latin typeface="Alegreya Sans" panose="00000500000000000000" pitchFamily="2" charset="0"/>
+              <a:ea typeface="Malgun Gothic" panose="020B0503020000020004" pitchFamily="34" charset="-127"/>
+            </a:endParaRPr>
+          </a:p>
+        </p:txBody>
+      </p:sp>
+      <p:sp>
+        <p:nvSpPr>
+          <p:cNvPr id="28" name="TextBox 27">
+            <a:extLst>
+              <a:ext uri="{FF2B5EF4-FFF2-40B4-BE49-F238E27FC236}">
+                <a16:creationId xmlns:a16="http://schemas.microsoft.com/office/drawing/2014/main" id="{262728C5-2625-4BC0-A9FB-7503E91BEFCA}"/>
+              </a:ext>
+            </a:extLst>
+          </p:cNvPr>
+          <p:cNvSpPr txBox="1"/>
+          <p:nvPr/>
+        </p:nvSpPr>
+        <p:spPr>
+          <a:xfrm>
+            <a:off x="5292080" y="5648902"/>
+            <a:ext cx="3752168" cy="584775"/>
+          </a:xfrm>
+          <a:prstGeom prst="rect">
+            <a:avLst/>
+          </a:prstGeom>
+          <a:noFill/>
+        </p:spPr>
+        <p:txBody>
+          <a:bodyPr wrap="square" rtlCol="0">
+            <a:spAutoFit/>
+          </a:bodyPr>
+          <a:lstStyle/>
+          <a:p>
+            <a:pPr marL="171450" indent="-171450">
+              <a:buFont typeface="Wingdings" panose="05000000000000000000" pitchFamily="2" charset="2"/>
+              <a:buChar char="Ø"/>
+            </a:pPr>
+            <a:r>
+              <a:rPr lang="en-GB" sz="800" dirty="0">
+                <a:latin typeface="Alegreya Sans" panose="00000500000000000000" pitchFamily="2" charset="0"/>
+              </a:rPr>
+              <a:t>Everitt, Mark &amp; Henshaw, Michael &amp; Dwyer, V.M.. (2016). “Quantum Systems Engineering: A structured approach to accelerating the development of a quantum technology industry”. 1-4. 10.1109/ICTON.2016.7550613. </a:t>
+            </a:r>
+          </a:p>
+          <a:p>
+            <a:pPr marL="171450" indent="-171450">
+              <a:buFont typeface="Wingdings" panose="05000000000000000000" pitchFamily="2" charset="2"/>
+              <a:buChar char="Ø"/>
+            </a:pPr>
+            <a:endParaRPr lang="en-GB" sz="800" dirty="0">
+              <a:latin typeface="Alegreya Sans" panose="00000500000000000000" pitchFamily="2" charset="0"/>
+            </a:endParaRPr>
           </a:p>
         </p:txBody>
       </p:sp>

--- a/One_Slide_Talk.pptx
+++ b/One_Slide_Talk.pptx
@@ -665,6 +665,90 @@
     </a:lvl9pPr>
   </p:notesStyle>
 </p:notesMaster>
+</file>
+
+<file path=ppt/notesSlides/notesSlide1.xml><?xml version="1.0" encoding="utf-8"?>
+<p:notes xmlns:a="http://schemas.openxmlformats.org/drawingml/2006/main" xmlns:r="http://schemas.openxmlformats.org/officeDocument/2006/relationships" xmlns:p="http://schemas.openxmlformats.org/presentationml/2006/main">
+  <p:cSld>
+    <p:spTree>
+      <p:nvGrpSpPr>
+        <p:cNvPr id="1" name=""/>
+        <p:cNvGrpSpPr/>
+        <p:nvPr/>
+      </p:nvGrpSpPr>
+      <p:grpSpPr>
+        <a:xfrm>
+          <a:off x="0" y="0"/>
+          <a:ext cx="0" cy="0"/>
+          <a:chOff x="0" y="0"/>
+          <a:chExt cx="0" cy="0"/>
+        </a:xfrm>
+      </p:grpSpPr>
+      <p:sp>
+        <p:nvSpPr>
+          <p:cNvPr id="2" name="Slide Image Placeholder 1"/>
+          <p:cNvSpPr>
+            <a:spLocks noGrp="1" noRot="1" noChangeAspect="1"/>
+          </p:cNvSpPr>
+          <p:nvPr>
+            <p:ph type="sldImg"/>
+          </p:nvPr>
+        </p:nvSpPr>
+        <p:spPr/>
+      </p:sp>
+      <p:sp>
+        <p:nvSpPr>
+          <p:cNvPr id="3" name="Notes Placeholder 2"/>
+          <p:cNvSpPr>
+            <a:spLocks noGrp="1"/>
+          </p:cNvSpPr>
+          <p:nvPr>
+            <p:ph type="body" idx="1"/>
+          </p:nvPr>
+        </p:nvSpPr>
+        <p:spPr/>
+        <p:txBody>
+          <a:bodyPr/>
+          <a:lstStyle/>
+          <a:p>
+            <a:endParaRPr lang="en-GB" dirty="0"/>
+          </a:p>
+        </p:txBody>
+      </p:sp>
+      <p:sp>
+        <p:nvSpPr>
+          <p:cNvPr id="4" name="Slide Number Placeholder 3"/>
+          <p:cNvSpPr>
+            <a:spLocks noGrp="1"/>
+          </p:cNvSpPr>
+          <p:nvPr>
+            <p:ph type="sldNum" sz="quarter" idx="5"/>
+          </p:nvPr>
+        </p:nvSpPr>
+        <p:spPr/>
+        <p:txBody>
+          <a:bodyPr/>
+          <a:lstStyle/>
+          <a:p>
+            <a:fld id="{7204B598-E45D-4A7B-A7D5-81F06E7383AD}" type="slidenum">
+              <a:rPr lang="en-GB" smtClean="0"/>
+              <a:t>1</a:t>
+            </a:fld>
+            <a:endParaRPr lang="en-GB"/>
+          </a:p>
+        </p:txBody>
+      </p:sp>
+    </p:spTree>
+    <p:extLst>
+      <p:ext uri="{BB962C8B-B14F-4D97-AF65-F5344CB8AC3E}">
+        <p14:creationId xmlns:p14="http://schemas.microsoft.com/office/powerpoint/2010/main" val="3182997710"/>
+      </p:ext>
+    </p:extLst>
+  </p:cSld>
+  <p:clrMapOvr>
+    <a:masterClrMapping/>
+  </p:clrMapOvr>
+</p:notes>
 </file>
 
 <file path=ppt/slideLayouts/slideLayout1.xml><?xml version="1.0" encoding="utf-8"?>
@@ -3603,7 +3687,7 @@
         <p:spPr>
           <a:xfrm>
             <a:off x="389571" y="1291407"/>
-            <a:ext cx="5216668" cy="2985433"/>
+            <a:ext cx="5216668" cy="3816429"/>
           </a:xfrm>
           <a:prstGeom prst="rect">
             <a:avLst/>
@@ -3663,7 +3747,7 @@
                 <a:latin typeface="Alegreya Sans" panose="00000500000000000000" pitchFamily="2" charset="0"/>
                 <a:ea typeface="Malgun Gothic" panose="020B0503020000020004" pitchFamily="34" charset="-127"/>
               </a:rPr>
-              <a:t> CDT research hub for engineers and physicists </a:t>
+              <a:t> CDT research cluster for physicists, engineers, and commercial stakeholders </a:t>
             </a:r>
           </a:p>
           <a:p>
@@ -3679,7 +3763,7 @@
                 <a:latin typeface="Alegreya Sans" panose="00000500000000000000" pitchFamily="2" charset="0"/>
                 <a:ea typeface="Malgun Gothic" panose="020B0503020000020004" pitchFamily="34" charset="-127"/>
               </a:rPr>
-              <a:t>Focused on the accelerated development of the latest quantum communication/encryption systems</a:t>
+              <a:t>Focused on the accelerated development of quantum communication/encryption systems</a:t>
             </a:r>
           </a:p>
           <a:p>
@@ -3695,7 +3779,7 @@
                 <a:latin typeface="Alegreya Sans" panose="00000500000000000000" pitchFamily="2" charset="0"/>
                 <a:ea typeface="Malgun Gothic" panose="020B0503020000020004" pitchFamily="34" charset="-127"/>
               </a:rPr>
-              <a:t>Develop a skilled workforce with the capability to tackle new quantum technologies as they evolve</a:t>
+              <a:t>Develop a skilled workforce with the capability to tackle new technologies as they evolve</a:t>
             </a:r>
           </a:p>
           <a:p>
@@ -3711,7 +3795,39 @@
                 <a:latin typeface="Alegreya Sans" panose="00000500000000000000" pitchFamily="2" charset="0"/>
                 <a:ea typeface="Malgun Gothic" panose="020B0503020000020004" pitchFamily="34" charset="-127"/>
               </a:rPr>
-              <a:t>Why?</a:t>
+              <a:t>Why? </a:t>
+            </a:r>
+          </a:p>
+          <a:p>
+            <a:pPr marL="742950" lvl="1" indent="-285750">
+              <a:buClr>
+                <a:srgbClr val="5D9732"/>
+              </a:buClr>
+              <a:buFont typeface="Wingdings" panose="05000000000000000000" pitchFamily="2" charset="2"/>
+              <a:buChar char="Ø"/>
+            </a:pPr>
+            <a:r>
+              <a:rPr lang="en-GB" dirty="0">
+                <a:latin typeface="Alegreya Sans" panose="00000500000000000000" pitchFamily="2" charset="0"/>
+                <a:ea typeface="Malgun Gothic" panose="020B0503020000020004" pitchFamily="34" charset="-127"/>
+              </a:rPr>
+              <a:t>Improve communication systems for the quantum era</a:t>
+            </a:r>
+          </a:p>
+          <a:p>
+            <a:pPr marL="742950" lvl="1" indent="-285750">
+              <a:buClr>
+                <a:srgbClr val="5D9732"/>
+              </a:buClr>
+              <a:buFont typeface="Wingdings" panose="05000000000000000000" pitchFamily="2" charset="2"/>
+              <a:buChar char="Ø"/>
+            </a:pPr>
+            <a:r>
+              <a:rPr lang="en-GB" dirty="0">
+                <a:latin typeface="Alegreya Sans" panose="00000500000000000000" pitchFamily="2" charset="0"/>
+                <a:ea typeface="Malgun Gothic" panose="020B0503020000020004" pitchFamily="34" charset="-127"/>
+              </a:rPr>
+              <a:t>Protect against next-gen quantum cyber attacks</a:t>
             </a:r>
           </a:p>
           <a:p>
@@ -4204,7 +4320,7 @@
         <p:spPr>
           <a:xfrm>
             <a:off x="5292080" y="5648902"/>
-            <a:ext cx="3752168" cy="584775"/>
+            <a:ext cx="3752168" cy="954107"/>
           </a:xfrm>
           <a:prstGeom prst="rect">
             <a:avLst/>
@@ -4227,6 +4343,95 @@
               </a:rPr>
               <a:t>Everitt, Mark &amp; Henshaw, Michael &amp; Dwyer, V.M.. (2016). “Quantum Systems Engineering: A structured approach to accelerating the development of a quantum technology industry”. 1-4. 10.1109/ICTON.2016.7550613. </a:t>
             </a:r>
+          </a:p>
+          <a:p>
+            <a:pPr marL="171450" indent="-171450">
+              <a:buFont typeface="Wingdings" panose="05000000000000000000" pitchFamily="2" charset="2"/>
+              <a:buChar char="Ø"/>
+            </a:pPr>
+            <a:r>
+              <a:rPr lang="en-GB" sz="800" b="0" i="0" dirty="0">
+                <a:solidFill>
+                  <a:srgbClr val="333333"/>
+                </a:solidFill>
+                <a:effectLst/>
+                <a:latin typeface="-apple-system"/>
+              </a:rPr>
+              <a:t>Kumar, A., Garhwal, S. State-of-the-Art Survey of Quantum Cryptography. </a:t>
+            </a:r>
+            <a:r>
+              <a:rPr lang="en-GB" sz="800" b="0" i="1" dirty="0">
+                <a:solidFill>
+                  <a:srgbClr val="333333"/>
+                </a:solidFill>
+                <a:effectLst/>
+                <a:latin typeface="-apple-system"/>
+              </a:rPr>
+              <a:t>Arch </a:t>
+            </a:r>
+            <a:r>
+              <a:rPr lang="en-GB" sz="800" b="0" i="1" dirty="0" err="1">
+                <a:solidFill>
+                  <a:srgbClr val="333333"/>
+                </a:solidFill>
+                <a:effectLst/>
+                <a:latin typeface="-apple-system"/>
+              </a:rPr>
+              <a:t>Computat</a:t>
+            </a:r>
+            <a:r>
+              <a:rPr lang="en-GB" sz="800" b="0" i="1" dirty="0">
+                <a:solidFill>
+                  <a:srgbClr val="333333"/>
+                </a:solidFill>
+                <a:effectLst/>
+                <a:latin typeface="-apple-system"/>
+              </a:rPr>
+              <a:t> Methods </a:t>
+            </a:r>
+            <a:r>
+              <a:rPr lang="en-GB" sz="800" b="0" i="1" dirty="0" err="1">
+                <a:solidFill>
+                  <a:srgbClr val="333333"/>
+                </a:solidFill>
+                <a:effectLst/>
+                <a:latin typeface="-apple-system"/>
+              </a:rPr>
+              <a:t>Eng</a:t>
+            </a:r>
+            <a:r>
+              <a:rPr lang="en-GB" sz="800" b="0" i="0" dirty="0">
+                <a:solidFill>
+                  <a:srgbClr val="333333"/>
+                </a:solidFill>
+                <a:effectLst/>
+                <a:latin typeface="-apple-system"/>
+              </a:rPr>
+              <a:t> </a:t>
+            </a:r>
+            <a:r>
+              <a:rPr lang="en-GB" sz="800" b="1" i="0" dirty="0">
+                <a:solidFill>
+                  <a:srgbClr val="333333"/>
+                </a:solidFill>
+                <a:effectLst/>
+                <a:latin typeface="-apple-system"/>
+              </a:rPr>
+              <a:t>28, </a:t>
+            </a:r>
+            <a:r>
+              <a:rPr lang="en-GB" sz="800" b="0" i="0" dirty="0">
+                <a:solidFill>
+                  <a:srgbClr val="333333"/>
+                </a:solidFill>
+                <a:effectLst/>
+                <a:latin typeface="-apple-system"/>
+              </a:rPr>
+              <a:t>3831–3868 (2021). https://doi.org/10.1007/s11831-021-09561-2</a:t>
+            </a:r>
+            <a:endParaRPr lang="en-GB" sz="800" dirty="0">
+              <a:latin typeface="Alegreya Sans" panose="00000500000000000000" pitchFamily="2" charset="0"/>
+            </a:endParaRPr>
           </a:p>
           <a:p>
             <a:pPr marL="171450" indent="-171450">

--- a/One_Slide_Talk.pptx
+++ b/One_Slide_Talk.pptx
@@ -150,6 +150,2714 @@
     </p:ext>
   </p:extLst>
 </p:presentation>
+</file>
+
+<file path=ppt/diagrams/colors1.xml><?xml version="1.0" encoding="utf-8"?>
+<dgm:colorsDef xmlns:dgm="http://schemas.openxmlformats.org/drawingml/2006/diagram" xmlns:a="http://schemas.openxmlformats.org/drawingml/2006/main" uniqueId="urn:microsoft.com/office/officeart/2005/8/colors/accent3_2">
+  <dgm:title val=""/>
+  <dgm:desc val=""/>
+  <dgm:catLst>
+    <dgm:cat type="accent3" pri="11200"/>
+  </dgm:catLst>
+  <dgm:styleLbl name="node0">
+    <dgm:fillClrLst meth="repeat">
+      <a:schemeClr val="accent3"/>
+    </dgm:fillClrLst>
+    <dgm:linClrLst meth="repeat">
+      <a:schemeClr val="lt1"/>
+    </dgm:linClrLst>
+    <dgm:effectClrLst/>
+    <dgm:txLinClrLst/>
+    <dgm:txFillClrLst/>
+    <dgm:txEffectClrLst/>
+  </dgm:styleLbl>
+  <dgm:styleLbl name="node1">
+    <dgm:fillClrLst meth="repeat">
+      <a:schemeClr val="accent3"/>
+    </dgm:fillClrLst>
+    <dgm:linClrLst meth="repeat">
+      <a:schemeClr val="lt1"/>
+    </dgm:linClrLst>
+    <dgm:effectClrLst/>
+    <dgm:txLinClrLst/>
+    <dgm:txFillClrLst/>
+    <dgm:txEffectClrLst/>
+  </dgm:styleLbl>
+  <dgm:styleLbl name="alignNode1">
+    <dgm:fillClrLst meth="repeat">
+      <a:schemeClr val="accent3"/>
+    </dgm:fillClrLst>
+    <dgm:linClrLst meth="repeat">
+      <a:schemeClr val="accent3"/>
+    </dgm:linClrLst>
+    <dgm:effectClrLst/>
+    <dgm:txLinClrLst/>
+    <dgm:txFillClrLst/>
+    <dgm:txEffectClrLst/>
+  </dgm:styleLbl>
+  <dgm:styleLbl name="lnNode1">
+    <dgm:fillClrLst meth="repeat">
+      <a:schemeClr val="accent3"/>
+    </dgm:fillClrLst>
+    <dgm:linClrLst meth="repeat">
+      <a:schemeClr val="lt1"/>
+    </dgm:linClrLst>
+    <dgm:effectClrLst/>
+    <dgm:txLinClrLst/>
+    <dgm:txFillClrLst/>
+    <dgm:txEffectClrLst/>
+  </dgm:styleLbl>
+  <dgm:styleLbl name="vennNode1">
+    <dgm:fillClrLst meth="repeat">
+      <a:schemeClr val="accent3">
+        <a:alpha val="50000"/>
+      </a:schemeClr>
+    </dgm:fillClrLst>
+    <dgm:linClrLst meth="repeat">
+      <a:schemeClr val="lt1"/>
+    </dgm:linClrLst>
+    <dgm:effectClrLst/>
+    <dgm:txLinClrLst/>
+    <dgm:txFillClrLst/>
+    <dgm:txEffectClrLst/>
+  </dgm:styleLbl>
+  <dgm:styleLbl name="node2">
+    <dgm:fillClrLst meth="repeat">
+      <a:schemeClr val="accent3"/>
+    </dgm:fillClrLst>
+    <dgm:linClrLst meth="repeat">
+      <a:schemeClr val="lt1"/>
+    </dgm:linClrLst>
+    <dgm:effectClrLst/>
+    <dgm:txLinClrLst/>
+    <dgm:txFillClrLst/>
+    <dgm:txEffectClrLst/>
+  </dgm:styleLbl>
+  <dgm:styleLbl name="node3">
+    <dgm:fillClrLst meth="repeat">
+      <a:schemeClr val="accent3"/>
+    </dgm:fillClrLst>
+    <dgm:linClrLst meth="repeat">
+      <a:schemeClr val="lt1"/>
+    </dgm:linClrLst>
+    <dgm:effectClrLst/>
+    <dgm:txLinClrLst/>
+    <dgm:txFillClrLst/>
+    <dgm:txEffectClrLst/>
+  </dgm:styleLbl>
+  <dgm:styleLbl name="node4">
+    <dgm:fillClrLst meth="repeat">
+      <a:schemeClr val="accent3"/>
+    </dgm:fillClrLst>
+    <dgm:linClrLst meth="repeat">
+      <a:schemeClr val="lt1"/>
+    </dgm:linClrLst>
+    <dgm:effectClrLst/>
+    <dgm:txLinClrLst/>
+    <dgm:txFillClrLst/>
+    <dgm:txEffectClrLst/>
+  </dgm:styleLbl>
+  <dgm:styleLbl name="fgImgPlace1">
+    <dgm:fillClrLst meth="repeat">
+      <a:schemeClr val="accent3">
+        <a:tint val="50000"/>
+      </a:schemeClr>
+    </dgm:fillClrLst>
+    <dgm:linClrLst meth="repeat">
+      <a:schemeClr val="lt1"/>
+    </dgm:linClrLst>
+    <dgm:effectClrLst/>
+    <dgm:txLinClrLst/>
+    <dgm:txFillClrLst meth="repeat">
+      <a:schemeClr val="lt1"/>
+    </dgm:txFillClrLst>
+    <dgm:txEffectClrLst/>
+  </dgm:styleLbl>
+  <dgm:styleLbl name="alignImgPlace1">
+    <dgm:fillClrLst meth="repeat">
+      <a:schemeClr val="accent3">
+        <a:tint val="50000"/>
+      </a:schemeClr>
+    </dgm:fillClrLst>
+    <dgm:linClrLst meth="repeat">
+      <a:schemeClr val="lt1"/>
+    </dgm:linClrLst>
+    <dgm:effectClrLst/>
+    <dgm:txLinClrLst/>
+    <dgm:txFillClrLst meth="repeat">
+      <a:schemeClr val="lt1"/>
+    </dgm:txFillClrLst>
+    <dgm:txEffectClrLst/>
+  </dgm:styleLbl>
+  <dgm:styleLbl name="bgImgPlace1">
+    <dgm:fillClrLst meth="repeat">
+      <a:schemeClr val="accent3">
+        <a:tint val="50000"/>
+      </a:schemeClr>
+    </dgm:fillClrLst>
+    <dgm:linClrLst meth="repeat">
+      <a:schemeClr val="lt1"/>
+    </dgm:linClrLst>
+    <dgm:effectClrLst/>
+    <dgm:txLinClrLst/>
+    <dgm:txFillClrLst meth="repeat">
+      <a:schemeClr val="lt1"/>
+    </dgm:txFillClrLst>
+    <dgm:txEffectClrLst/>
+  </dgm:styleLbl>
+  <dgm:styleLbl name="sibTrans2D1">
+    <dgm:fillClrLst meth="repeat">
+      <a:schemeClr val="accent3">
+        <a:tint val="60000"/>
+      </a:schemeClr>
+    </dgm:fillClrLst>
+    <dgm:linClrLst meth="repeat">
+      <a:schemeClr val="accent3">
+        <a:tint val="60000"/>
+      </a:schemeClr>
+    </dgm:linClrLst>
+    <dgm:effectClrLst/>
+    <dgm:txLinClrLst/>
+    <dgm:txFillClrLst/>
+    <dgm:txEffectClrLst/>
+  </dgm:styleLbl>
+  <dgm:styleLbl name="fgSibTrans2D1">
+    <dgm:fillClrLst meth="repeat">
+      <a:schemeClr val="accent3">
+        <a:tint val="60000"/>
+      </a:schemeClr>
+    </dgm:fillClrLst>
+    <dgm:linClrLst meth="repeat">
+      <a:schemeClr val="accent3">
+        <a:tint val="60000"/>
+      </a:schemeClr>
+    </dgm:linClrLst>
+    <dgm:effectClrLst/>
+    <dgm:txLinClrLst/>
+    <dgm:txFillClrLst/>
+    <dgm:txEffectClrLst/>
+  </dgm:styleLbl>
+  <dgm:styleLbl name="bgSibTrans2D1">
+    <dgm:fillClrLst meth="repeat">
+      <a:schemeClr val="accent3">
+        <a:tint val="60000"/>
+      </a:schemeClr>
+    </dgm:fillClrLst>
+    <dgm:linClrLst meth="repeat">
+      <a:schemeClr val="accent3">
+        <a:tint val="60000"/>
+      </a:schemeClr>
+    </dgm:linClrLst>
+    <dgm:effectClrLst/>
+    <dgm:txLinClrLst/>
+    <dgm:txFillClrLst/>
+    <dgm:txEffectClrLst/>
+  </dgm:styleLbl>
+  <dgm:styleLbl name="sibTrans1D1">
+    <dgm:fillClrLst meth="repeat">
+      <a:schemeClr val="accent3"/>
+    </dgm:fillClrLst>
+    <dgm:linClrLst meth="repeat">
+      <a:schemeClr val="accent3"/>
+    </dgm:linClrLst>
+    <dgm:effectClrLst/>
+    <dgm:txLinClrLst/>
+    <dgm:txFillClrLst meth="repeat">
+      <a:schemeClr val="tx1"/>
+    </dgm:txFillClrLst>
+    <dgm:txEffectClrLst/>
+  </dgm:styleLbl>
+  <dgm:styleLbl name="callout">
+    <dgm:fillClrLst meth="repeat">
+      <a:schemeClr val="accent3"/>
+    </dgm:fillClrLst>
+    <dgm:linClrLst meth="repeat">
+      <a:schemeClr val="accent3">
+        <a:tint val="50000"/>
+      </a:schemeClr>
+    </dgm:linClrLst>
+    <dgm:effectClrLst/>
+    <dgm:txLinClrLst/>
+    <dgm:txFillClrLst meth="repeat">
+      <a:schemeClr val="tx1"/>
+    </dgm:txFillClrLst>
+    <dgm:txEffectClrLst/>
+  </dgm:styleLbl>
+  <dgm:styleLbl name="asst0">
+    <dgm:fillClrLst meth="repeat">
+      <a:schemeClr val="accent3"/>
+    </dgm:fillClrLst>
+    <dgm:linClrLst meth="repeat">
+      <a:schemeClr val="lt1"/>
+    </dgm:linClrLst>
+    <dgm:effectClrLst/>
+    <dgm:txLinClrLst/>
+    <dgm:txFillClrLst/>
+    <dgm:txEffectClrLst/>
+  </dgm:styleLbl>
+  <dgm:styleLbl name="asst1">
+    <dgm:fillClrLst meth="repeat">
+      <a:schemeClr val="accent3"/>
+    </dgm:fillClrLst>
+    <dgm:linClrLst meth="repeat">
+      <a:schemeClr val="lt1"/>
+    </dgm:linClrLst>
+    <dgm:effectClrLst/>
+    <dgm:txLinClrLst/>
+    <dgm:txFillClrLst/>
+    <dgm:txEffectClrLst/>
+  </dgm:styleLbl>
+  <dgm:styleLbl name="asst2">
+    <dgm:fillClrLst meth="repeat">
+      <a:schemeClr val="accent3"/>
+    </dgm:fillClrLst>
+    <dgm:linClrLst meth="repeat">
+      <a:schemeClr val="lt1"/>
+    </dgm:linClrLst>
+    <dgm:effectClrLst/>
+    <dgm:txLinClrLst/>
+    <dgm:txFillClrLst/>
+    <dgm:txEffectClrLst/>
+  </dgm:styleLbl>
+  <dgm:styleLbl name="asst3">
+    <dgm:fillClrLst meth="repeat">
+      <a:schemeClr val="accent3"/>
+    </dgm:fillClrLst>
+    <dgm:linClrLst meth="repeat">
+      <a:schemeClr val="lt1"/>
+    </dgm:linClrLst>
+    <dgm:effectClrLst/>
+    <dgm:txLinClrLst/>
+    <dgm:txFillClrLst/>
+    <dgm:txEffectClrLst/>
+  </dgm:styleLbl>
+  <dgm:styleLbl name="asst4">
+    <dgm:fillClrLst meth="repeat">
+      <a:schemeClr val="accent3"/>
+    </dgm:fillClrLst>
+    <dgm:linClrLst meth="repeat">
+      <a:schemeClr val="lt1"/>
+    </dgm:linClrLst>
+    <dgm:effectClrLst/>
+    <dgm:txLinClrLst/>
+    <dgm:txFillClrLst/>
+    <dgm:txEffectClrLst/>
+  </dgm:styleLbl>
+  <dgm:styleLbl name="parChTrans2D1">
+    <dgm:fillClrLst meth="repeat">
+      <a:schemeClr val="accent3">
+        <a:tint val="60000"/>
+      </a:schemeClr>
+    </dgm:fillClrLst>
+    <dgm:linClrLst meth="repeat">
+      <a:schemeClr val="accent3">
+        <a:tint val="60000"/>
+      </a:schemeClr>
+    </dgm:linClrLst>
+    <dgm:effectClrLst/>
+    <dgm:txLinClrLst/>
+    <dgm:txFillClrLst meth="repeat">
+      <a:schemeClr val="lt1"/>
+    </dgm:txFillClrLst>
+    <dgm:txEffectClrLst/>
+  </dgm:styleLbl>
+  <dgm:styleLbl name="parChTrans2D2">
+    <dgm:fillClrLst meth="repeat">
+      <a:schemeClr val="accent3"/>
+    </dgm:fillClrLst>
+    <dgm:linClrLst meth="repeat">
+      <a:schemeClr val="accent3"/>
+    </dgm:linClrLst>
+    <dgm:effectClrLst/>
+    <dgm:txLinClrLst/>
+    <dgm:txFillClrLst meth="repeat">
+      <a:schemeClr val="lt1"/>
+    </dgm:txFillClrLst>
+    <dgm:txEffectClrLst/>
+  </dgm:styleLbl>
+  <dgm:styleLbl name="parChTrans2D3">
+    <dgm:fillClrLst meth="repeat">
+      <a:schemeClr val="accent3"/>
+    </dgm:fillClrLst>
+    <dgm:linClrLst meth="repeat">
+      <a:schemeClr val="accent3"/>
+    </dgm:linClrLst>
+    <dgm:effectClrLst/>
+    <dgm:txLinClrLst/>
+    <dgm:txFillClrLst meth="repeat">
+      <a:schemeClr val="lt1"/>
+    </dgm:txFillClrLst>
+    <dgm:txEffectClrLst/>
+  </dgm:styleLbl>
+  <dgm:styleLbl name="parChTrans2D4">
+    <dgm:fillClrLst meth="repeat">
+      <a:schemeClr val="accent3"/>
+    </dgm:fillClrLst>
+    <dgm:linClrLst meth="repeat">
+      <a:schemeClr val="accent3"/>
+    </dgm:linClrLst>
+    <dgm:effectClrLst/>
+    <dgm:txLinClrLst/>
+    <dgm:txFillClrLst meth="repeat">
+      <a:schemeClr val="lt1"/>
+    </dgm:txFillClrLst>
+    <dgm:txEffectClrLst/>
+  </dgm:styleLbl>
+  <dgm:styleLbl name="parChTrans1D1">
+    <dgm:fillClrLst meth="repeat">
+      <a:schemeClr val="accent3"/>
+    </dgm:fillClrLst>
+    <dgm:linClrLst meth="repeat">
+      <a:schemeClr val="accent3">
+        <a:shade val="60000"/>
+      </a:schemeClr>
+    </dgm:linClrLst>
+    <dgm:effectClrLst/>
+    <dgm:txLinClrLst/>
+    <dgm:txFillClrLst meth="repeat">
+      <a:schemeClr val="tx1"/>
+    </dgm:txFillClrLst>
+    <dgm:txEffectClrLst/>
+  </dgm:styleLbl>
+  <dgm:styleLbl name="parChTrans1D2">
+    <dgm:fillClrLst meth="repeat">
+      <a:schemeClr val="accent3"/>
+    </dgm:fillClrLst>
+    <dgm:linClrLst meth="repeat">
+      <a:schemeClr val="accent3">
+        <a:shade val="60000"/>
+      </a:schemeClr>
+    </dgm:linClrLst>
+    <dgm:effectClrLst/>
+    <dgm:txLinClrLst/>
+    <dgm:txFillClrLst meth="repeat">
+      <a:schemeClr val="tx1"/>
+    </dgm:txFillClrLst>
+    <dgm:txEffectClrLst/>
+  </dgm:styleLbl>
+  <dgm:styleLbl name="parChTrans1D3">
+    <dgm:fillClrLst meth="repeat">
+      <a:schemeClr val="accent3"/>
+    </dgm:fillClrLst>
+    <dgm:linClrLst meth="repeat">
+      <a:schemeClr val="accent3">
+        <a:shade val="80000"/>
+      </a:schemeClr>
+    </dgm:linClrLst>
+    <dgm:effectClrLst/>
+    <dgm:txLinClrLst/>
+    <dgm:txFillClrLst meth="repeat">
+      <a:schemeClr val="tx1"/>
+    </dgm:txFillClrLst>
+    <dgm:txEffectClrLst/>
+  </dgm:styleLbl>
+  <dgm:styleLbl name="parChTrans1D4">
+    <dgm:fillClrLst meth="repeat">
+      <a:schemeClr val="accent3"/>
+    </dgm:fillClrLst>
+    <dgm:linClrLst meth="repeat">
+      <a:schemeClr val="accent3">
+        <a:shade val="80000"/>
+      </a:schemeClr>
+    </dgm:linClrLst>
+    <dgm:effectClrLst/>
+    <dgm:txLinClrLst/>
+    <dgm:txFillClrLst meth="repeat">
+      <a:schemeClr val="tx1"/>
+    </dgm:txFillClrLst>
+    <dgm:txEffectClrLst/>
+  </dgm:styleLbl>
+  <dgm:styleLbl name="fgAcc1">
+    <dgm:fillClrLst meth="repeat">
+      <a:schemeClr val="lt1">
+        <a:alpha val="90000"/>
+      </a:schemeClr>
+    </dgm:fillClrLst>
+    <dgm:linClrLst meth="repeat">
+      <a:schemeClr val="accent3"/>
+    </dgm:linClrLst>
+    <dgm:effectClrLst/>
+    <dgm:txLinClrLst/>
+    <dgm:txFillClrLst meth="repeat">
+      <a:schemeClr val="dk1"/>
+    </dgm:txFillClrLst>
+    <dgm:txEffectClrLst/>
+  </dgm:styleLbl>
+  <dgm:styleLbl name="conFgAcc1">
+    <dgm:fillClrLst meth="repeat">
+      <a:schemeClr val="lt1">
+        <a:alpha val="90000"/>
+      </a:schemeClr>
+    </dgm:fillClrLst>
+    <dgm:linClrLst meth="repeat">
+      <a:schemeClr val="accent3"/>
+    </dgm:linClrLst>
+    <dgm:effectClrLst/>
+    <dgm:txLinClrLst/>
+    <dgm:txFillClrLst meth="repeat">
+      <a:schemeClr val="dk1"/>
+    </dgm:txFillClrLst>
+    <dgm:txEffectClrLst/>
+  </dgm:styleLbl>
+  <dgm:styleLbl name="alignAcc1">
+    <dgm:fillClrLst meth="repeat">
+      <a:schemeClr val="lt1">
+        <a:alpha val="90000"/>
+      </a:schemeClr>
+    </dgm:fillClrLst>
+    <dgm:linClrLst meth="repeat">
+      <a:schemeClr val="accent3"/>
+    </dgm:linClrLst>
+    <dgm:effectClrLst/>
+    <dgm:txLinClrLst/>
+    <dgm:txFillClrLst meth="repeat">
+      <a:schemeClr val="dk1"/>
+    </dgm:txFillClrLst>
+    <dgm:txEffectClrLst/>
+  </dgm:styleLbl>
+  <dgm:styleLbl name="trAlignAcc1">
+    <dgm:fillClrLst meth="repeat">
+      <a:schemeClr val="lt1">
+        <a:alpha val="40000"/>
+      </a:schemeClr>
+    </dgm:fillClrLst>
+    <dgm:linClrLst meth="repeat">
+      <a:schemeClr val="accent3"/>
+    </dgm:linClrLst>
+    <dgm:effectClrLst/>
+    <dgm:txLinClrLst/>
+    <dgm:txFillClrLst meth="repeat">
+      <a:schemeClr val="dk1"/>
+    </dgm:txFillClrLst>
+    <dgm:txEffectClrLst/>
+  </dgm:styleLbl>
+  <dgm:styleLbl name="bgAcc1">
+    <dgm:fillClrLst meth="repeat">
+      <a:schemeClr val="lt1">
+        <a:alpha val="90000"/>
+      </a:schemeClr>
+    </dgm:fillClrLst>
+    <dgm:linClrLst meth="repeat">
+      <a:schemeClr val="accent3"/>
+    </dgm:linClrLst>
+    <dgm:effectClrLst/>
+    <dgm:txLinClrLst/>
+    <dgm:txFillClrLst meth="repeat">
+      <a:schemeClr val="dk1"/>
+    </dgm:txFillClrLst>
+    <dgm:txEffectClrLst/>
+  </dgm:styleLbl>
+  <dgm:styleLbl name="solidFgAcc1">
+    <dgm:fillClrLst meth="repeat">
+      <a:schemeClr val="lt1"/>
+    </dgm:fillClrLst>
+    <dgm:linClrLst meth="repeat">
+      <a:schemeClr val="accent3"/>
+    </dgm:linClrLst>
+    <dgm:effectClrLst/>
+    <dgm:txLinClrLst/>
+    <dgm:txFillClrLst meth="repeat">
+      <a:schemeClr val="dk1"/>
+    </dgm:txFillClrLst>
+    <dgm:txEffectClrLst/>
+  </dgm:styleLbl>
+  <dgm:styleLbl name="solidAlignAcc1">
+    <dgm:fillClrLst meth="repeat">
+      <a:schemeClr val="lt1"/>
+    </dgm:fillClrLst>
+    <dgm:linClrLst meth="repeat">
+      <a:schemeClr val="accent3"/>
+    </dgm:linClrLst>
+    <dgm:effectClrLst/>
+    <dgm:txLinClrLst/>
+    <dgm:txFillClrLst meth="repeat">
+      <a:schemeClr val="dk1"/>
+    </dgm:txFillClrLst>
+    <dgm:txEffectClrLst/>
+  </dgm:styleLbl>
+  <dgm:styleLbl name="solidBgAcc1">
+    <dgm:fillClrLst meth="repeat">
+      <a:schemeClr val="lt1"/>
+    </dgm:fillClrLst>
+    <dgm:linClrLst meth="repeat">
+      <a:schemeClr val="accent3"/>
+    </dgm:linClrLst>
+    <dgm:effectClrLst/>
+    <dgm:txLinClrLst/>
+    <dgm:txFillClrLst meth="repeat">
+      <a:schemeClr val="dk1"/>
+    </dgm:txFillClrLst>
+    <dgm:txEffectClrLst/>
+  </dgm:styleLbl>
+  <dgm:styleLbl name="fgAccFollowNode1">
+    <dgm:fillClrLst meth="repeat">
+      <a:schemeClr val="accent3">
+        <a:alpha val="90000"/>
+        <a:tint val="40000"/>
+      </a:schemeClr>
+    </dgm:fillClrLst>
+    <dgm:linClrLst meth="repeat">
+      <a:schemeClr val="accent3">
+        <a:alpha val="90000"/>
+        <a:tint val="40000"/>
+      </a:schemeClr>
+    </dgm:linClrLst>
+    <dgm:effectClrLst/>
+    <dgm:txLinClrLst/>
+    <dgm:txFillClrLst meth="repeat">
+      <a:schemeClr val="dk1"/>
+    </dgm:txFillClrLst>
+    <dgm:txEffectClrLst/>
+  </dgm:styleLbl>
+  <dgm:styleLbl name="alignAccFollowNode1">
+    <dgm:fillClrLst meth="repeat">
+      <a:schemeClr val="accent3">
+        <a:alpha val="90000"/>
+        <a:tint val="40000"/>
+      </a:schemeClr>
+    </dgm:fillClrLst>
+    <dgm:linClrLst meth="repeat">
+      <a:schemeClr val="accent3">
+        <a:alpha val="90000"/>
+        <a:tint val="40000"/>
+      </a:schemeClr>
+    </dgm:linClrLst>
+    <dgm:effectClrLst/>
+    <dgm:txLinClrLst/>
+    <dgm:txFillClrLst meth="repeat">
+      <a:schemeClr val="dk1"/>
+    </dgm:txFillClrLst>
+    <dgm:txEffectClrLst/>
+  </dgm:styleLbl>
+  <dgm:styleLbl name="bgAccFollowNode1">
+    <dgm:fillClrLst meth="repeat">
+      <a:schemeClr val="accent3">
+        <a:alpha val="90000"/>
+        <a:tint val="40000"/>
+      </a:schemeClr>
+    </dgm:fillClrLst>
+    <dgm:linClrLst meth="repeat">
+      <a:schemeClr val="accent3">
+        <a:alpha val="90000"/>
+        <a:tint val="40000"/>
+      </a:schemeClr>
+    </dgm:linClrLst>
+    <dgm:effectClrLst/>
+    <dgm:txLinClrLst/>
+    <dgm:txFillClrLst meth="repeat">
+      <a:schemeClr val="dk1"/>
+    </dgm:txFillClrLst>
+    <dgm:txEffectClrLst/>
+  </dgm:styleLbl>
+  <dgm:styleLbl name="fgAcc0">
+    <dgm:fillClrLst meth="repeat">
+      <a:schemeClr val="lt1">
+        <a:alpha val="90000"/>
+      </a:schemeClr>
+    </dgm:fillClrLst>
+    <dgm:linClrLst meth="repeat">
+      <a:schemeClr val="accent3"/>
+    </dgm:linClrLst>
+    <dgm:effectClrLst/>
+    <dgm:txLinClrLst/>
+    <dgm:txFillClrLst meth="repeat">
+      <a:schemeClr val="dk1"/>
+    </dgm:txFillClrLst>
+    <dgm:txEffectClrLst/>
+  </dgm:styleLbl>
+  <dgm:styleLbl name="fgAcc2">
+    <dgm:fillClrLst meth="repeat">
+      <a:schemeClr val="lt1">
+        <a:alpha val="90000"/>
+      </a:schemeClr>
+    </dgm:fillClrLst>
+    <dgm:linClrLst meth="repeat">
+      <a:schemeClr val="accent3"/>
+    </dgm:linClrLst>
+    <dgm:effectClrLst/>
+    <dgm:txLinClrLst/>
+    <dgm:txFillClrLst meth="repeat">
+      <a:schemeClr val="dk1"/>
+    </dgm:txFillClrLst>
+    <dgm:txEffectClrLst/>
+  </dgm:styleLbl>
+  <dgm:styleLbl name="fgAcc3">
+    <dgm:fillClrLst meth="repeat">
+      <a:schemeClr val="lt1">
+        <a:alpha val="90000"/>
+      </a:schemeClr>
+    </dgm:fillClrLst>
+    <dgm:linClrLst meth="repeat">
+      <a:schemeClr val="accent3"/>
+    </dgm:linClrLst>
+    <dgm:effectClrLst/>
+    <dgm:txLinClrLst/>
+    <dgm:txFillClrLst meth="repeat">
+      <a:schemeClr val="dk1"/>
+    </dgm:txFillClrLst>
+    <dgm:txEffectClrLst/>
+  </dgm:styleLbl>
+  <dgm:styleLbl name="fgAcc4">
+    <dgm:fillClrLst meth="repeat">
+      <a:schemeClr val="lt1">
+        <a:alpha val="90000"/>
+      </a:schemeClr>
+    </dgm:fillClrLst>
+    <dgm:linClrLst meth="repeat">
+      <a:schemeClr val="accent3"/>
+    </dgm:linClrLst>
+    <dgm:effectClrLst/>
+    <dgm:txLinClrLst/>
+    <dgm:txFillClrLst meth="repeat">
+      <a:schemeClr val="dk1"/>
+    </dgm:txFillClrLst>
+    <dgm:txEffectClrLst/>
+  </dgm:styleLbl>
+  <dgm:styleLbl name="bgShp">
+    <dgm:fillClrLst meth="repeat">
+      <a:schemeClr val="accent3">
+        <a:tint val="40000"/>
+      </a:schemeClr>
+    </dgm:fillClrLst>
+    <dgm:linClrLst meth="repeat">
+      <a:schemeClr val="accent3"/>
+    </dgm:linClrLst>
+    <dgm:effectClrLst/>
+    <dgm:txLinClrLst/>
+    <dgm:txFillClrLst meth="repeat">
+      <a:schemeClr val="dk1"/>
+    </dgm:txFillClrLst>
+    <dgm:txEffectClrLst/>
+  </dgm:styleLbl>
+  <dgm:styleLbl name="dkBgShp">
+    <dgm:fillClrLst meth="repeat">
+      <a:schemeClr val="accent3">
+        <a:shade val="80000"/>
+      </a:schemeClr>
+    </dgm:fillClrLst>
+    <dgm:linClrLst meth="repeat">
+      <a:schemeClr val="accent3"/>
+    </dgm:linClrLst>
+    <dgm:effectClrLst/>
+    <dgm:txLinClrLst/>
+    <dgm:txFillClrLst meth="repeat">
+      <a:schemeClr val="lt1"/>
+    </dgm:txFillClrLst>
+    <dgm:txEffectClrLst/>
+  </dgm:styleLbl>
+  <dgm:styleLbl name="trBgShp">
+    <dgm:fillClrLst meth="repeat">
+      <a:schemeClr val="accent3">
+        <a:tint val="50000"/>
+        <a:alpha val="40000"/>
+      </a:schemeClr>
+    </dgm:fillClrLst>
+    <dgm:linClrLst meth="repeat">
+      <a:schemeClr val="accent3"/>
+    </dgm:linClrLst>
+    <dgm:effectClrLst/>
+    <dgm:txLinClrLst/>
+    <dgm:txFillClrLst meth="repeat">
+      <a:schemeClr val="lt1"/>
+    </dgm:txFillClrLst>
+    <dgm:txEffectClrLst/>
+  </dgm:styleLbl>
+  <dgm:styleLbl name="fgShp">
+    <dgm:fillClrLst meth="repeat">
+      <a:schemeClr val="accent3">
+        <a:tint val="60000"/>
+      </a:schemeClr>
+    </dgm:fillClrLst>
+    <dgm:linClrLst meth="repeat">
+      <a:schemeClr val="lt1"/>
+    </dgm:linClrLst>
+    <dgm:effectClrLst/>
+    <dgm:txLinClrLst/>
+    <dgm:txFillClrLst meth="repeat">
+      <a:schemeClr val="dk1"/>
+    </dgm:txFillClrLst>
+    <dgm:txEffectClrLst/>
+  </dgm:styleLbl>
+  <dgm:styleLbl name="revTx">
+    <dgm:fillClrLst meth="repeat">
+      <a:schemeClr val="lt1">
+        <a:alpha val="0"/>
+      </a:schemeClr>
+    </dgm:fillClrLst>
+    <dgm:linClrLst meth="repeat">
+      <a:schemeClr val="dk1">
+        <a:alpha val="0"/>
+      </a:schemeClr>
+    </dgm:linClrLst>
+    <dgm:effectClrLst/>
+    <dgm:txLinClrLst/>
+    <dgm:txFillClrLst meth="repeat">
+      <a:schemeClr val="tx1"/>
+    </dgm:txFillClrLst>
+    <dgm:txEffectClrLst/>
+  </dgm:styleLbl>
+</dgm:colorsDef>
+</file>
+
+<file path=ppt/diagrams/data1.xml><?xml version="1.0" encoding="utf-8"?>
+<dgm:dataModel xmlns:dgm="http://schemas.openxmlformats.org/drawingml/2006/diagram" xmlns:a="http://schemas.openxmlformats.org/drawingml/2006/main">
+  <dgm:ptLst>
+    <dgm:pt modelId="{92F416D5-B90A-E243-99EC-73AB80EA8DE5}" type="doc">
+      <dgm:prSet loTypeId="urn:microsoft.com/office/officeart/2005/8/layout/radial3" loCatId="" qsTypeId="urn:microsoft.com/office/officeart/2005/8/quickstyle/simple1" qsCatId="simple" csTypeId="urn:microsoft.com/office/officeart/2005/8/colors/accent3_2" csCatId="accent3" phldr="1"/>
+      <dgm:spPr/>
+      <dgm:t>
+        <a:bodyPr/>
+        <a:lstStyle/>
+        <a:p>
+          <a:endParaRPr lang="en-GB"/>
+        </a:p>
+      </dgm:t>
+    </dgm:pt>
+    <dgm:pt modelId="{B72A5CE7-5E47-414C-BFD6-B8CC16E6BA74}">
+      <dgm:prSet phldrT="[Text]" custT="1"/>
+      <dgm:spPr/>
+      <dgm:t>
+        <a:bodyPr/>
+        <a:lstStyle/>
+        <a:p>
+          <a:r>
+            <a:rPr lang="en-GB" sz="2000" dirty="0"/>
+            <a:t>Innovation</a:t>
+          </a:r>
+        </a:p>
+      </dgm:t>
+    </dgm:pt>
+    <dgm:pt modelId="{DEF6EEF1-8009-D447-A621-EBDDB10575F3}" type="parTrans" cxnId="{4EAFD6CA-FA78-5241-AC53-A8FE6B1F5316}">
+      <dgm:prSet/>
+      <dgm:spPr/>
+      <dgm:t>
+        <a:bodyPr/>
+        <a:lstStyle/>
+        <a:p>
+          <a:endParaRPr lang="en-GB" sz="1000"/>
+        </a:p>
+      </dgm:t>
+    </dgm:pt>
+    <dgm:pt modelId="{45757166-A65E-DD40-93EC-D647C4D2248E}" type="sibTrans" cxnId="{4EAFD6CA-FA78-5241-AC53-A8FE6B1F5316}">
+      <dgm:prSet/>
+      <dgm:spPr/>
+      <dgm:t>
+        <a:bodyPr/>
+        <a:lstStyle/>
+        <a:p>
+          <a:endParaRPr lang="en-GB" sz="1000"/>
+        </a:p>
+      </dgm:t>
+    </dgm:pt>
+    <dgm:pt modelId="{D5DD2FFE-4CD6-9C46-B86D-A123CB03726C}">
+      <dgm:prSet phldrT="[Text]" custT="1"/>
+      <dgm:spPr/>
+    </dgm:pt>
+    <dgm:pt modelId="{60F43011-A7F7-DC47-A832-985EB37246DD}" type="parTrans" cxnId="{62A601EB-04C7-834D-97BB-68D33D931268}">
+      <dgm:prSet/>
+      <dgm:spPr/>
+      <dgm:t>
+        <a:bodyPr/>
+        <a:lstStyle/>
+        <a:p>
+          <a:endParaRPr lang="en-GB" sz="1000"/>
+        </a:p>
+      </dgm:t>
+    </dgm:pt>
+    <dgm:pt modelId="{CD984495-3020-8545-80D4-C01EBE7C7D74}" type="sibTrans" cxnId="{62A601EB-04C7-834D-97BB-68D33D931268}">
+      <dgm:prSet/>
+      <dgm:spPr/>
+      <dgm:t>
+        <a:bodyPr/>
+        <a:lstStyle/>
+        <a:p>
+          <a:endParaRPr lang="en-GB" sz="1000"/>
+        </a:p>
+      </dgm:t>
+    </dgm:pt>
+    <dgm:pt modelId="{0C3C002F-67F7-964C-80FE-A7A1D02595DA}">
+      <dgm:prSet/>
+      <dgm:spPr/>
+    </dgm:pt>
+    <dgm:pt modelId="{7BF11A76-3D42-CA47-A029-D2B3F09796E9}" type="parTrans" cxnId="{370DE058-D5CD-9C4C-85D2-D960E1F63B12}">
+      <dgm:prSet/>
+      <dgm:spPr/>
+      <dgm:t>
+        <a:bodyPr/>
+        <a:lstStyle/>
+        <a:p>
+          <a:endParaRPr lang="en-GB" sz="1000"/>
+        </a:p>
+      </dgm:t>
+    </dgm:pt>
+    <dgm:pt modelId="{96430974-976D-5540-8D64-88A1F9257B40}" type="sibTrans" cxnId="{370DE058-D5CD-9C4C-85D2-D960E1F63B12}">
+      <dgm:prSet/>
+      <dgm:spPr/>
+      <dgm:t>
+        <a:bodyPr/>
+        <a:lstStyle/>
+        <a:p>
+          <a:endParaRPr lang="en-GB" sz="1000"/>
+        </a:p>
+      </dgm:t>
+    </dgm:pt>
+    <dgm:pt modelId="{B2EB7CA6-8A21-4A4E-97B1-925D8A5D7332}">
+      <dgm:prSet custT="1"/>
+      <dgm:spPr/>
+      <dgm:t>
+        <a:bodyPr/>
+        <a:lstStyle/>
+        <a:p>
+          <a:r>
+            <a:rPr lang="en-GB" sz="1000" dirty="0"/>
+            <a:t>Theory</a:t>
+          </a:r>
+        </a:p>
+      </dgm:t>
+    </dgm:pt>
+    <dgm:pt modelId="{176F9D73-3C7C-1744-8081-05F2CC735DC8}" type="parTrans" cxnId="{26523367-3DD0-8241-8BEB-03D0414466A2}">
+      <dgm:prSet/>
+      <dgm:spPr/>
+      <dgm:t>
+        <a:bodyPr/>
+        <a:lstStyle/>
+        <a:p>
+          <a:endParaRPr lang="en-GB" sz="1000"/>
+        </a:p>
+      </dgm:t>
+    </dgm:pt>
+    <dgm:pt modelId="{043E5AD2-CC59-D444-97E8-52CBF1A5FB96}" type="sibTrans" cxnId="{26523367-3DD0-8241-8BEB-03D0414466A2}">
+      <dgm:prSet/>
+      <dgm:spPr/>
+      <dgm:t>
+        <a:bodyPr/>
+        <a:lstStyle/>
+        <a:p>
+          <a:endParaRPr lang="en-GB" sz="1000"/>
+        </a:p>
+      </dgm:t>
+    </dgm:pt>
+    <dgm:pt modelId="{1F29164C-1989-224E-A34C-DF0C5476CA47}">
+      <dgm:prSet custT="1"/>
+      <dgm:spPr/>
+      <dgm:t>
+        <a:bodyPr/>
+        <a:lstStyle/>
+        <a:p>
+          <a:r>
+            <a:rPr lang="en-GB" sz="1000" dirty="0"/>
+            <a:t>Industry</a:t>
+          </a:r>
+        </a:p>
+      </dgm:t>
+    </dgm:pt>
+    <dgm:pt modelId="{8E9D200D-9C7F-D144-8068-47F2833D9C85}" type="parTrans" cxnId="{0E62FF0C-B0BE-4748-A4F0-98BF8CA534C4}">
+      <dgm:prSet/>
+      <dgm:spPr/>
+      <dgm:t>
+        <a:bodyPr/>
+        <a:lstStyle/>
+        <a:p>
+          <a:endParaRPr lang="en-GB" sz="1000"/>
+        </a:p>
+      </dgm:t>
+    </dgm:pt>
+    <dgm:pt modelId="{6AC5FF75-AEC8-9244-855E-E301CCD36DD4}" type="sibTrans" cxnId="{0E62FF0C-B0BE-4748-A4F0-98BF8CA534C4}">
+      <dgm:prSet/>
+      <dgm:spPr/>
+      <dgm:t>
+        <a:bodyPr/>
+        <a:lstStyle/>
+        <a:p>
+          <a:endParaRPr lang="en-GB" sz="1000"/>
+        </a:p>
+      </dgm:t>
+    </dgm:pt>
+    <dgm:pt modelId="{4E91740D-B570-2A44-B0C1-5C528B15711E}">
+      <dgm:prSet custT="1"/>
+      <dgm:spPr/>
+      <dgm:t>
+        <a:bodyPr/>
+        <a:lstStyle/>
+        <a:p>
+          <a:r>
+            <a:rPr lang="en-GB" sz="1000" dirty="0"/>
+            <a:t>Experiment</a:t>
+          </a:r>
+        </a:p>
+      </dgm:t>
+    </dgm:pt>
+    <dgm:pt modelId="{778B2102-006F-FD4D-8915-1F2BBF4ABDEF}" type="parTrans" cxnId="{1427707D-2047-324F-A9E7-2D35C12C25DD}">
+      <dgm:prSet/>
+      <dgm:spPr/>
+      <dgm:t>
+        <a:bodyPr/>
+        <a:lstStyle/>
+        <a:p>
+          <a:endParaRPr lang="en-GB" sz="1000"/>
+        </a:p>
+      </dgm:t>
+    </dgm:pt>
+    <dgm:pt modelId="{276245A8-D661-8E43-90F9-DAF5A454C1F6}" type="sibTrans" cxnId="{1427707D-2047-324F-A9E7-2D35C12C25DD}">
+      <dgm:prSet/>
+      <dgm:spPr/>
+      <dgm:t>
+        <a:bodyPr/>
+        <a:lstStyle/>
+        <a:p>
+          <a:endParaRPr lang="en-GB" sz="1000"/>
+        </a:p>
+      </dgm:t>
+    </dgm:pt>
+    <dgm:pt modelId="{0EE257F4-BD99-0D4B-A942-BA1A96EBFD97}">
+      <dgm:prSet custT="1"/>
+      <dgm:spPr/>
+      <dgm:t>
+        <a:bodyPr/>
+        <a:lstStyle/>
+        <a:p>
+          <a:r>
+            <a:rPr lang="en-GB" sz="1000" dirty="0"/>
+            <a:t>Engineering</a:t>
+          </a:r>
+        </a:p>
+      </dgm:t>
+    </dgm:pt>
+    <dgm:pt modelId="{D0E41AAB-48FB-5546-B335-8A7C2748A0F3}" type="parTrans" cxnId="{F22F95CC-0A89-DF40-9D10-E545745644CA}">
+      <dgm:prSet/>
+      <dgm:spPr/>
+      <dgm:t>
+        <a:bodyPr/>
+        <a:lstStyle/>
+        <a:p>
+          <a:endParaRPr lang="en-GB" sz="1000"/>
+        </a:p>
+      </dgm:t>
+    </dgm:pt>
+    <dgm:pt modelId="{BA0C1E6A-11EF-5641-B0BD-AD9F463043C6}" type="sibTrans" cxnId="{F22F95CC-0A89-DF40-9D10-E545745644CA}">
+      <dgm:prSet/>
+      <dgm:spPr/>
+      <dgm:t>
+        <a:bodyPr/>
+        <a:lstStyle/>
+        <a:p>
+          <a:endParaRPr lang="en-GB" sz="1000"/>
+        </a:p>
+      </dgm:t>
+    </dgm:pt>
+    <dgm:pt modelId="{B46F9D6C-7BD8-4449-93E6-05E5E55CD6D8}" type="pres">
+      <dgm:prSet presAssocID="{92F416D5-B90A-E243-99EC-73AB80EA8DE5}" presName="composite" presStyleCnt="0">
+        <dgm:presLayoutVars>
+          <dgm:chMax val="1"/>
+          <dgm:dir/>
+          <dgm:resizeHandles val="exact"/>
+        </dgm:presLayoutVars>
+      </dgm:prSet>
+      <dgm:spPr/>
+    </dgm:pt>
+    <dgm:pt modelId="{B8A7A029-06ED-B449-8F99-764F57947818}" type="pres">
+      <dgm:prSet presAssocID="{92F416D5-B90A-E243-99EC-73AB80EA8DE5}" presName="radial" presStyleCnt="0">
+        <dgm:presLayoutVars>
+          <dgm:animLvl val="ctr"/>
+        </dgm:presLayoutVars>
+      </dgm:prSet>
+      <dgm:spPr/>
+    </dgm:pt>
+    <dgm:pt modelId="{B036DA55-DD15-824A-9D1C-F915F31B4B8F}" type="pres">
+      <dgm:prSet presAssocID="{B72A5CE7-5E47-414C-BFD6-B8CC16E6BA74}" presName="centerShape" presStyleLbl="vennNode1" presStyleIdx="0" presStyleCnt="5"/>
+      <dgm:spPr/>
+    </dgm:pt>
+    <dgm:pt modelId="{3453EDD7-9DB7-9F48-89F6-5E63EFD8EB5A}" type="pres">
+      <dgm:prSet presAssocID="{B2EB7CA6-8A21-4A4E-97B1-925D8A5D7332}" presName="node" presStyleLbl="vennNode1" presStyleIdx="1" presStyleCnt="5">
+        <dgm:presLayoutVars>
+          <dgm:bulletEnabled val="1"/>
+        </dgm:presLayoutVars>
+      </dgm:prSet>
+      <dgm:spPr/>
+    </dgm:pt>
+    <dgm:pt modelId="{56A8315E-1685-3D4B-B87A-B252FFD9A6D6}" type="pres">
+      <dgm:prSet presAssocID="{1F29164C-1989-224E-A34C-DF0C5476CA47}" presName="node" presStyleLbl="vennNode1" presStyleIdx="2" presStyleCnt="5">
+        <dgm:presLayoutVars>
+          <dgm:bulletEnabled val="1"/>
+        </dgm:presLayoutVars>
+      </dgm:prSet>
+      <dgm:spPr/>
+    </dgm:pt>
+    <dgm:pt modelId="{474F8C82-6048-1F41-A8E3-3C9963428B1A}" type="pres">
+      <dgm:prSet presAssocID="{0EE257F4-BD99-0D4B-A942-BA1A96EBFD97}" presName="node" presStyleLbl="vennNode1" presStyleIdx="3" presStyleCnt="5" custScaleX="116786" custScaleY="99911">
+        <dgm:presLayoutVars>
+          <dgm:bulletEnabled val="1"/>
+        </dgm:presLayoutVars>
+      </dgm:prSet>
+      <dgm:spPr/>
+    </dgm:pt>
+    <dgm:pt modelId="{20DFBC33-0A39-3846-8CBF-CD6B59D965F2}" type="pres">
+      <dgm:prSet presAssocID="{4E91740D-B570-2A44-B0C1-5C528B15711E}" presName="node" presStyleLbl="vennNode1" presStyleIdx="4" presStyleCnt="5">
+        <dgm:presLayoutVars>
+          <dgm:bulletEnabled val="1"/>
+        </dgm:presLayoutVars>
+      </dgm:prSet>
+      <dgm:spPr/>
+    </dgm:pt>
+  </dgm:ptLst>
+  <dgm:cxnLst>
+    <dgm:cxn modelId="{0E62FF0C-B0BE-4748-A4F0-98BF8CA534C4}" srcId="{B72A5CE7-5E47-414C-BFD6-B8CC16E6BA74}" destId="{1F29164C-1989-224E-A34C-DF0C5476CA47}" srcOrd="1" destOrd="0" parTransId="{8E9D200D-9C7F-D144-8068-47F2833D9C85}" sibTransId="{6AC5FF75-AEC8-9244-855E-E301CCD36DD4}"/>
+    <dgm:cxn modelId="{CDB7BE4B-AC3A-1C4B-863E-64D35C4D0948}" type="presOf" srcId="{4E91740D-B570-2A44-B0C1-5C528B15711E}" destId="{20DFBC33-0A39-3846-8CBF-CD6B59D965F2}" srcOrd="0" destOrd="0" presId="urn:microsoft.com/office/officeart/2005/8/layout/radial3"/>
+    <dgm:cxn modelId="{8C63CD57-433C-4846-9328-370359DD9F76}" type="presOf" srcId="{0EE257F4-BD99-0D4B-A942-BA1A96EBFD97}" destId="{474F8C82-6048-1F41-A8E3-3C9963428B1A}" srcOrd="0" destOrd="0" presId="urn:microsoft.com/office/officeart/2005/8/layout/radial3"/>
+    <dgm:cxn modelId="{370DE058-D5CD-9C4C-85D2-D960E1F63B12}" srcId="{92F416D5-B90A-E243-99EC-73AB80EA8DE5}" destId="{0C3C002F-67F7-964C-80FE-A7A1D02595DA}" srcOrd="2" destOrd="0" parTransId="{7BF11A76-3D42-CA47-A029-D2B3F09796E9}" sibTransId="{96430974-976D-5540-8D64-88A1F9257B40}"/>
+    <dgm:cxn modelId="{26523367-3DD0-8241-8BEB-03D0414466A2}" srcId="{B72A5CE7-5E47-414C-BFD6-B8CC16E6BA74}" destId="{B2EB7CA6-8A21-4A4E-97B1-925D8A5D7332}" srcOrd="0" destOrd="0" parTransId="{176F9D73-3C7C-1744-8081-05F2CC735DC8}" sibTransId="{043E5AD2-CC59-D444-97E8-52CBF1A5FB96}"/>
+    <dgm:cxn modelId="{1427707D-2047-324F-A9E7-2D35C12C25DD}" srcId="{B72A5CE7-5E47-414C-BFD6-B8CC16E6BA74}" destId="{4E91740D-B570-2A44-B0C1-5C528B15711E}" srcOrd="3" destOrd="0" parTransId="{778B2102-006F-FD4D-8915-1F2BBF4ABDEF}" sibTransId="{276245A8-D661-8E43-90F9-DAF5A454C1F6}"/>
+    <dgm:cxn modelId="{15854499-5723-7D41-A665-32144E1AA525}" type="presOf" srcId="{B2EB7CA6-8A21-4A4E-97B1-925D8A5D7332}" destId="{3453EDD7-9DB7-9F48-89F6-5E63EFD8EB5A}" srcOrd="0" destOrd="0" presId="urn:microsoft.com/office/officeart/2005/8/layout/radial3"/>
+    <dgm:cxn modelId="{C63CBCB4-1E3C-1348-B3DB-E37CAFBFEA95}" type="presOf" srcId="{B72A5CE7-5E47-414C-BFD6-B8CC16E6BA74}" destId="{B036DA55-DD15-824A-9D1C-F915F31B4B8F}" srcOrd="0" destOrd="0" presId="urn:microsoft.com/office/officeart/2005/8/layout/radial3"/>
+    <dgm:cxn modelId="{4EAFD6CA-FA78-5241-AC53-A8FE6B1F5316}" srcId="{92F416D5-B90A-E243-99EC-73AB80EA8DE5}" destId="{B72A5CE7-5E47-414C-BFD6-B8CC16E6BA74}" srcOrd="0" destOrd="0" parTransId="{DEF6EEF1-8009-D447-A621-EBDDB10575F3}" sibTransId="{45757166-A65E-DD40-93EC-D647C4D2248E}"/>
+    <dgm:cxn modelId="{F22F95CC-0A89-DF40-9D10-E545745644CA}" srcId="{B72A5CE7-5E47-414C-BFD6-B8CC16E6BA74}" destId="{0EE257F4-BD99-0D4B-A942-BA1A96EBFD97}" srcOrd="2" destOrd="0" parTransId="{D0E41AAB-48FB-5546-B335-8A7C2748A0F3}" sibTransId="{BA0C1E6A-11EF-5641-B0BD-AD9F463043C6}"/>
+    <dgm:cxn modelId="{A5F40EDF-AB0A-E446-AB2A-755F7C771BDD}" type="presOf" srcId="{92F416D5-B90A-E243-99EC-73AB80EA8DE5}" destId="{B46F9D6C-7BD8-4449-93E6-05E5E55CD6D8}" srcOrd="0" destOrd="0" presId="urn:microsoft.com/office/officeart/2005/8/layout/radial3"/>
+    <dgm:cxn modelId="{534626E8-1A32-414B-A26F-195018CBB798}" type="presOf" srcId="{1F29164C-1989-224E-A34C-DF0C5476CA47}" destId="{56A8315E-1685-3D4B-B87A-B252FFD9A6D6}" srcOrd="0" destOrd="0" presId="urn:microsoft.com/office/officeart/2005/8/layout/radial3"/>
+    <dgm:cxn modelId="{62A601EB-04C7-834D-97BB-68D33D931268}" srcId="{92F416D5-B90A-E243-99EC-73AB80EA8DE5}" destId="{D5DD2FFE-4CD6-9C46-B86D-A123CB03726C}" srcOrd="1" destOrd="0" parTransId="{60F43011-A7F7-DC47-A832-985EB37246DD}" sibTransId="{CD984495-3020-8545-80D4-C01EBE7C7D74}"/>
+    <dgm:cxn modelId="{3E06841B-BE7E-FA41-A424-E126DD8D8DF5}" type="presParOf" srcId="{B46F9D6C-7BD8-4449-93E6-05E5E55CD6D8}" destId="{B8A7A029-06ED-B449-8F99-764F57947818}" srcOrd="0" destOrd="0" presId="urn:microsoft.com/office/officeart/2005/8/layout/radial3"/>
+    <dgm:cxn modelId="{5B581CFE-75CC-844B-9FFA-5EECF2B49F8D}" type="presParOf" srcId="{B8A7A029-06ED-B449-8F99-764F57947818}" destId="{B036DA55-DD15-824A-9D1C-F915F31B4B8F}" srcOrd="0" destOrd="0" presId="urn:microsoft.com/office/officeart/2005/8/layout/radial3"/>
+    <dgm:cxn modelId="{3956210D-86A9-CF46-B47C-8D53A5601D68}" type="presParOf" srcId="{B8A7A029-06ED-B449-8F99-764F57947818}" destId="{3453EDD7-9DB7-9F48-89F6-5E63EFD8EB5A}" srcOrd="1" destOrd="0" presId="urn:microsoft.com/office/officeart/2005/8/layout/radial3"/>
+    <dgm:cxn modelId="{5A6C76A1-7CC5-0440-BAA0-7659E60D6867}" type="presParOf" srcId="{B8A7A029-06ED-B449-8F99-764F57947818}" destId="{56A8315E-1685-3D4B-B87A-B252FFD9A6D6}" srcOrd="2" destOrd="0" presId="urn:microsoft.com/office/officeart/2005/8/layout/radial3"/>
+    <dgm:cxn modelId="{3C15CAD8-BB43-314B-BB31-4275726C9272}" type="presParOf" srcId="{B8A7A029-06ED-B449-8F99-764F57947818}" destId="{474F8C82-6048-1F41-A8E3-3C9963428B1A}" srcOrd="3" destOrd="0" presId="urn:microsoft.com/office/officeart/2005/8/layout/radial3"/>
+    <dgm:cxn modelId="{2AE4E55C-71BC-424F-8C00-0B420457E21A}" type="presParOf" srcId="{B8A7A029-06ED-B449-8F99-764F57947818}" destId="{20DFBC33-0A39-3846-8CBF-CD6B59D965F2}" srcOrd="4" destOrd="0" presId="urn:microsoft.com/office/officeart/2005/8/layout/radial3"/>
+  </dgm:cxnLst>
+  <dgm:bg>
+    <a:noFill/>
+  </dgm:bg>
+  <dgm:whole/>
+  <dgm:extLst>
+    <a:ext uri="http://schemas.microsoft.com/office/drawing/2008/diagram">
+      <dsp:dataModelExt xmlns:dsp="http://schemas.microsoft.com/office/drawing/2008/diagram" relId="rId7" minVer="http://schemas.openxmlformats.org/drawingml/2006/diagram"/>
+    </a:ext>
+  </dgm:extLst>
+</dgm:dataModel>
+</file>
+
+<file path=ppt/diagrams/drawing1.xml><?xml version="1.0" encoding="utf-8"?>
+<dsp:drawing xmlns:dgm="http://schemas.openxmlformats.org/drawingml/2006/diagram" xmlns:dsp="http://schemas.microsoft.com/office/drawing/2008/diagram" xmlns:a="http://schemas.openxmlformats.org/drawingml/2006/main">
+  <dsp:spTree>
+    <dsp:nvGrpSpPr>
+      <dsp:cNvPr id="0" name=""/>
+      <dsp:cNvGrpSpPr/>
+    </dsp:nvGrpSpPr>
+    <dsp:grpSpPr/>
+    <dsp:sp modelId="{B036DA55-DD15-824A-9D1C-F915F31B4B8F}">
+      <dsp:nvSpPr>
+        <dsp:cNvPr id="0" name=""/>
+        <dsp:cNvSpPr/>
+      </dsp:nvSpPr>
+      <dsp:spPr>
+        <a:xfrm>
+          <a:off x="753544" y="721196"/>
+          <a:ext cx="1796166" cy="1796166"/>
+        </a:xfrm>
+        <a:prstGeom prst="ellipse">
+          <a:avLst/>
+        </a:prstGeom>
+        <a:solidFill>
+          <a:schemeClr val="accent3">
+            <a:alpha val="50000"/>
+            <a:hueOff val="0"/>
+            <a:satOff val="0"/>
+            <a:lumOff val="0"/>
+            <a:alphaOff val="0"/>
+          </a:schemeClr>
+        </a:solidFill>
+        <a:ln w="25400" cap="flat" cmpd="sng" algn="ctr">
+          <a:solidFill>
+            <a:schemeClr val="lt1">
+              <a:hueOff val="0"/>
+              <a:satOff val="0"/>
+              <a:lumOff val="0"/>
+              <a:alphaOff val="0"/>
+            </a:schemeClr>
+          </a:solidFill>
+          <a:prstDash val="solid"/>
+        </a:ln>
+        <a:effectLst/>
+      </dsp:spPr>
+      <dsp:style>
+        <a:lnRef idx="2">
+          <a:scrgbClr r="0" g="0" b="0"/>
+        </a:lnRef>
+        <a:fillRef idx="1">
+          <a:scrgbClr r="0" g="0" b="0"/>
+        </a:fillRef>
+        <a:effectRef idx="0">
+          <a:scrgbClr r="0" g="0" b="0"/>
+        </a:effectRef>
+        <a:fontRef idx="minor">
+          <a:schemeClr val="tx1"/>
+        </a:fontRef>
+      </dsp:style>
+      <dsp:txBody>
+        <a:bodyPr spcFirstLastPara="0" vert="horz" wrap="square" lIns="25400" tIns="25400" rIns="25400" bIns="25400" numCol="1" spcCol="1270" anchor="ctr" anchorCtr="0">
+          <a:noAutofit/>
+        </a:bodyPr>
+        <a:lstStyle/>
+        <a:p>
+          <a:pPr marL="0" lvl="0" indent="0" algn="ctr" defTabSz="889000">
+            <a:lnSpc>
+              <a:spcPct val="90000"/>
+            </a:lnSpc>
+            <a:spcBef>
+              <a:spcPct val="0"/>
+            </a:spcBef>
+            <a:spcAft>
+              <a:spcPct val="35000"/>
+            </a:spcAft>
+            <a:buNone/>
+          </a:pPr>
+          <a:r>
+            <a:rPr lang="en-GB" sz="2000" kern="1200" dirty="0"/>
+            <a:t>Innovation</a:t>
+          </a:r>
+        </a:p>
+      </dsp:txBody>
+      <dsp:txXfrm>
+        <a:off x="1016586" y="984238"/>
+        <a:ext cx="1270082" cy="1270082"/>
+      </dsp:txXfrm>
+    </dsp:sp>
+    <dsp:sp modelId="{3453EDD7-9DB7-9F48-89F6-5E63EFD8EB5A}">
+      <dsp:nvSpPr>
+        <dsp:cNvPr id="0" name=""/>
+        <dsp:cNvSpPr/>
+      </dsp:nvSpPr>
+      <dsp:spPr>
+        <a:xfrm>
+          <a:off x="1202585" y="520"/>
+          <a:ext cx="898083" cy="898083"/>
+        </a:xfrm>
+        <a:prstGeom prst="ellipse">
+          <a:avLst/>
+        </a:prstGeom>
+        <a:solidFill>
+          <a:schemeClr val="accent3">
+            <a:alpha val="50000"/>
+            <a:hueOff val="0"/>
+            <a:satOff val="0"/>
+            <a:lumOff val="0"/>
+            <a:alphaOff val="0"/>
+          </a:schemeClr>
+        </a:solidFill>
+        <a:ln w="25400" cap="flat" cmpd="sng" algn="ctr">
+          <a:solidFill>
+            <a:schemeClr val="lt1">
+              <a:hueOff val="0"/>
+              <a:satOff val="0"/>
+              <a:lumOff val="0"/>
+              <a:alphaOff val="0"/>
+            </a:schemeClr>
+          </a:solidFill>
+          <a:prstDash val="solid"/>
+        </a:ln>
+        <a:effectLst/>
+      </dsp:spPr>
+      <dsp:style>
+        <a:lnRef idx="2">
+          <a:scrgbClr r="0" g="0" b="0"/>
+        </a:lnRef>
+        <a:fillRef idx="1">
+          <a:scrgbClr r="0" g="0" b="0"/>
+        </a:fillRef>
+        <a:effectRef idx="0">
+          <a:scrgbClr r="0" g="0" b="0"/>
+        </a:effectRef>
+        <a:fontRef idx="minor">
+          <a:schemeClr val="tx1"/>
+        </a:fontRef>
+      </dsp:style>
+      <dsp:txBody>
+        <a:bodyPr spcFirstLastPara="0" vert="horz" wrap="square" lIns="12700" tIns="12700" rIns="12700" bIns="12700" numCol="1" spcCol="1270" anchor="ctr" anchorCtr="0">
+          <a:noAutofit/>
+        </a:bodyPr>
+        <a:lstStyle/>
+        <a:p>
+          <a:pPr marL="0" lvl="0" indent="0" algn="ctr" defTabSz="444500">
+            <a:lnSpc>
+              <a:spcPct val="90000"/>
+            </a:lnSpc>
+            <a:spcBef>
+              <a:spcPct val="0"/>
+            </a:spcBef>
+            <a:spcAft>
+              <a:spcPct val="35000"/>
+            </a:spcAft>
+            <a:buNone/>
+          </a:pPr>
+          <a:r>
+            <a:rPr lang="en-GB" sz="1000" kern="1200" dirty="0"/>
+            <a:t>Theory</a:t>
+          </a:r>
+        </a:p>
+      </dsp:txBody>
+      <dsp:txXfrm>
+        <a:off x="1334106" y="132041"/>
+        <a:ext cx="635041" cy="635041"/>
+      </dsp:txXfrm>
+    </dsp:sp>
+    <dsp:sp modelId="{56A8315E-1685-3D4B-B87A-B252FFD9A6D6}">
+      <dsp:nvSpPr>
+        <dsp:cNvPr id="0" name=""/>
+        <dsp:cNvSpPr/>
+      </dsp:nvSpPr>
+      <dsp:spPr>
+        <a:xfrm>
+          <a:off x="2372303" y="1170238"/>
+          <a:ext cx="898083" cy="898083"/>
+        </a:xfrm>
+        <a:prstGeom prst="ellipse">
+          <a:avLst/>
+        </a:prstGeom>
+        <a:solidFill>
+          <a:schemeClr val="accent3">
+            <a:alpha val="50000"/>
+            <a:hueOff val="0"/>
+            <a:satOff val="0"/>
+            <a:lumOff val="0"/>
+            <a:alphaOff val="0"/>
+          </a:schemeClr>
+        </a:solidFill>
+        <a:ln w="25400" cap="flat" cmpd="sng" algn="ctr">
+          <a:solidFill>
+            <a:schemeClr val="lt1">
+              <a:hueOff val="0"/>
+              <a:satOff val="0"/>
+              <a:lumOff val="0"/>
+              <a:alphaOff val="0"/>
+            </a:schemeClr>
+          </a:solidFill>
+          <a:prstDash val="solid"/>
+        </a:ln>
+        <a:effectLst/>
+      </dsp:spPr>
+      <dsp:style>
+        <a:lnRef idx="2">
+          <a:scrgbClr r="0" g="0" b="0"/>
+        </a:lnRef>
+        <a:fillRef idx="1">
+          <a:scrgbClr r="0" g="0" b="0"/>
+        </a:fillRef>
+        <a:effectRef idx="0">
+          <a:scrgbClr r="0" g="0" b="0"/>
+        </a:effectRef>
+        <a:fontRef idx="minor">
+          <a:schemeClr val="tx1"/>
+        </a:fontRef>
+      </dsp:style>
+      <dsp:txBody>
+        <a:bodyPr spcFirstLastPara="0" vert="horz" wrap="square" lIns="12700" tIns="12700" rIns="12700" bIns="12700" numCol="1" spcCol="1270" anchor="ctr" anchorCtr="0">
+          <a:noAutofit/>
+        </a:bodyPr>
+        <a:lstStyle/>
+        <a:p>
+          <a:pPr marL="0" lvl="0" indent="0" algn="ctr" defTabSz="444500">
+            <a:lnSpc>
+              <a:spcPct val="90000"/>
+            </a:lnSpc>
+            <a:spcBef>
+              <a:spcPct val="0"/>
+            </a:spcBef>
+            <a:spcAft>
+              <a:spcPct val="35000"/>
+            </a:spcAft>
+            <a:buNone/>
+          </a:pPr>
+          <a:r>
+            <a:rPr lang="en-GB" sz="1000" kern="1200" dirty="0"/>
+            <a:t>Industry</a:t>
+          </a:r>
+        </a:p>
+      </dsp:txBody>
+      <dsp:txXfrm>
+        <a:off x="2503824" y="1301759"/>
+        <a:ext cx="635041" cy="635041"/>
+      </dsp:txXfrm>
+    </dsp:sp>
+    <dsp:sp modelId="{474F8C82-6048-1F41-A8E3-3C9963428B1A}">
+      <dsp:nvSpPr>
+        <dsp:cNvPr id="0" name=""/>
+        <dsp:cNvSpPr/>
+      </dsp:nvSpPr>
+      <dsp:spPr>
+        <a:xfrm>
+          <a:off x="1127209" y="2340355"/>
+          <a:ext cx="1048835" cy="897284"/>
+        </a:xfrm>
+        <a:prstGeom prst="ellipse">
+          <a:avLst/>
+        </a:prstGeom>
+        <a:solidFill>
+          <a:schemeClr val="accent3">
+            <a:alpha val="50000"/>
+            <a:hueOff val="0"/>
+            <a:satOff val="0"/>
+            <a:lumOff val="0"/>
+            <a:alphaOff val="0"/>
+          </a:schemeClr>
+        </a:solidFill>
+        <a:ln w="25400" cap="flat" cmpd="sng" algn="ctr">
+          <a:solidFill>
+            <a:schemeClr val="lt1">
+              <a:hueOff val="0"/>
+              <a:satOff val="0"/>
+              <a:lumOff val="0"/>
+              <a:alphaOff val="0"/>
+            </a:schemeClr>
+          </a:solidFill>
+          <a:prstDash val="solid"/>
+        </a:ln>
+        <a:effectLst/>
+      </dsp:spPr>
+      <dsp:style>
+        <a:lnRef idx="2">
+          <a:scrgbClr r="0" g="0" b="0"/>
+        </a:lnRef>
+        <a:fillRef idx="1">
+          <a:scrgbClr r="0" g="0" b="0"/>
+        </a:fillRef>
+        <a:effectRef idx="0">
+          <a:scrgbClr r="0" g="0" b="0"/>
+        </a:effectRef>
+        <a:fontRef idx="minor">
+          <a:schemeClr val="tx1"/>
+        </a:fontRef>
+      </dsp:style>
+      <dsp:txBody>
+        <a:bodyPr spcFirstLastPara="0" vert="horz" wrap="square" lIns="12700" tIns="12700" rIns="12700" bIns="12700" numCol="1" spcCol="1270" anchor="ctr" anchorCtr="0">
+          <a:noAutofit/>
+        </a:bodyPr>
+        <a:lstStyle/>
+        <a:p>
+          <a:pPr marL="0" lvl="0" indent="0" algn="ctr" defTabSz="444500">
+            <a:lnSpc>
+              <a:spcPct val="90000"/>
+            </a:lnSpc>
+            <a:spcBef>
+              <a:spcPct val="0"/>
+            </a:spcBef>
+            <a:spcAft>
+              <a:spcPct val="35000"/>
+            </a:spcAft>
+            <a:buNone/>
+          </a:pPr>
+          <a:r>
+            <a:rPr lang="en-GB" sz="1000" kern="1200" dirty="0"/>
+            <a:t>Engineering</a:t>
+          </a:r>
+        </a:p>
+      </dsp:txBody>
+      <dsp:txXfrm>
+        <a:off x="1280807" y="2471759"/>
+        <a:ext cx="741639" cy="634476"/>
+      </dsp:txXfrm>
+    </dsp:sp>
+    <dsp:sp modelId="{20DFBC33-0A39-3846-8CBF-CD6B59D965F2}">
+      <dsp:nvSpPr>
+        <dsp:cNvPr id="0" name=""/>
+        <dsp:cNvSpPr/>
+      </dsp:nvSpPr>
+      <dsp:spPr>
+        <a:xfrm>
+          <a:off x="32868" y="1170238"/>
+          <a:ext cx="898083" cy="898083"/>
+        </a:xfrm>
+        <a:prstGeom prst="ellipse">
+          <a:avLst/>
+        </a:prstGeom>
+        <a:solidFill>
+          <a:schemeClr val="accent3">
+            <a:alpha val="50000"/>
+            <a:hueOff val="0"/>
+            <a:satOff val="0"/>
+            <a:lumOff val="0"/>
+            <a:alphaOff val="0"/>
+          </a:schemeClr>
+        </a:solidFill>
+        <a:ln w="25400" cap="flat" cmpd="sng" algn="ctr">
+          <a:solidFill>
+            <a:schemeClr val="lt1">
+              <a:hueOff val="0"/>
+              <a:satOff val="0"/>
+              <a:lumOff val="0"/>
+              <a:alphaOff val="0"/>
+            </a:schemeClr>
+          </a:solidFill>
+          <a:prstDash val="solid"/>
+        </a:ln>
+        <a:effectLst/>
+      </dsp:spPr>
+      <dsp:style>
+        <a:lnRef idx="2">
+          <a:scrgbClr r="0" g="0" b="0"/>
+        </a:lnRef>
+        <a:fillRef idx="1">
+          <a:scrgbClr r="0" g="0" b="0"/>
+        </a:fillRef>
+        <a:effectRef idx="0">
+          <a:scrgbClr r="0" g="0" b="0"/>
+        </a:effectRef>
+        <a:fontRef idx="minor">
+          <a:schemeClr val="tx1"/>
+        </a:fontRef>
+      </dsp:style>
+      <dsp:txBody>
+        <a:bodyPr spcFirstLastPara="0" vert="horz" wrap="square" lIns="12700" tIns="12700" rIns="12700" bIns="12700" numCol="1" spcCol="1270" anchor="ctr" anchorCtr="0">
+          <a:noAutofit/>
+        </a:bodyPr>
+        <a:lstStyle/>
+        <a:p>
+          <a:pPr marL="0" lvl="0" indent="0" algn="ctr" defTabSz="444500">
+            <a:lnSpc>
+              <a:spcPct val="90000"/>
+            </a:lnSpc>
+            <a:spcBef>
+              <a:spcPct val="0"/>
+            </a:spcBef>
+            <a:spcAft>
+              <a:spcPct val="35000"/>
+            </a:spcAft>
+            <a:buNone/>
+          </a:pPr>
+          <a:r>
+            <a:rPr lang="en-GB" sz="1000" kern="1200" dirty="0"/>
+            <a:t>Experiment</a:t>
+          </a:r>
+        </a:p>
+      </dsp:txBody>
+      <dsp:txXfrm>
+        <a:off x="164389" y="1301759"/>
+        <a:ext cx="635041" cy="635041"/>
+      </dsp:txXfrm>
+    </dsp:sp>
+  </dsp:spTree>
+</dsp:drawing>
+</file>
+
+<file path=ppt/diagrams/layout1.xml><?xml version="1.0" encoding="utf-8"?>
+<dgm:layoutDef xmlns:dgm="http://schemas.openxmlformats.org/drawingml/2006/diagram" xmlns:a="http://schemas.openxmlformats.org/drawingml/2006/main" uniqueId="urn:microsoft.com/office/officeart/2005/8/layout/radial3">
+  <dgm:title val=""/>
+  <dgm:desc val=""/>
+  <dgm:catLst>
+    <dgm:cat type="relationship" pri="31000"/>
+    <dgm:cat type="cycle" pri="12000"/>
+  </dgm:catLst>
+  <dgm:sampData>
+    <dgm:dataModel>
+      <dgm:ptLst>
+        <dgm:pt modelId="0" type="doc"/>
+        <dgm:pt modelId="1">
+          <dgm:prSet phldr="1"/>
+        </dgm:pt>
+        <dgm:pt modelId="11">
+          <dgm:prSet phldr="1"/>
+        </dgm:pt>
+        <dgm:pt modelId="12">
+          <dgm:prSet phldr="1"/>
+        </dgm:pt>
+        <dgm:pt modelId="13">
+          <dgm:prSet phldr="1"/>
+        </dgm:pt>
+        <dgm:pt modelId="14">
+          <dgm:prSet phldr="1"/>
+        </dgm:pt>
+      </dgm:ptLst>
+      <dgm:cxnLst>
+        <dgm:cxn modelId="2" srcId="0" destId="1" srcOrd="0" destOrd="0"/>
+        <dgm:cxn modelId="3" srcId="1" destId="11" srcOrd="0" destOrd="0"/>
+        <dgm:cxn modelId="4" srcId="1" destId="12" srcOrd="1" destOrd="0"/>
+        <dgm:cxn modelId="5" srcId="1" destId="13" srcOrd="2" destOrd="0"/>
+        <dgm:cxn modelId="6" srcId="1" destId="14" srcOrd="3" destOrd="0"/>
+      </dgm:cxnLst>
+      <dgm:bg/>
+      <dgm:whole/>
+    </dgm:dataModel>
+  </dgm:sampData>
+  <dgm:styleData>
+    <dgm:dataModel>
+      <dgm:ptLst>
+        <dgm:pt modelId="0" type="doc"/>
+        <dgm:pt modelId="1"/>
+        <dgm:pt modelId="11"/>
+        <dgm:pt modelId="12"/>
+        <dgm:pt modelId="13"/>
+      </dgm:ptLst>
+      <dgm:cxnLst>
+        <dgm:cxn modelId="2" srcId="0" destId="1" srcOrd="0" destOrd="0"/>
+        <dgm:cxn modelId="15" srcId="1" destId="11" srcOrd="0" destOrd="0"/>
+        <dgm:cxn modelId="16" srcId="1" destId="12" srcOrd="1" destOrd="0"/>
+        <dgm:cxn modelId="17" srcId="1" destId="13" srcOrd="2" destOrd="0"/>
+      </dgm:cxnLst>
+      <dgm:bg/>
+      <dgm:whole/>
+    </dgm:dataModel>
+  </dgm:styleData>
+  <dgm:clrData>
+    <dgm:dataModel>
+      <dgm:ptLst>
+        <dgm:pt modelId="0" type="doc"/>
+        <dgm:pt modelId="1"/>
+        <dgm:pt modelId="11"/>
+        <dgm:pt modelId="12"/>
+        <dgm:pt modelId="13"/>
+        <dgm:pt modelId="14"/>
+        <dgm:pt modelId="15"/>
+        <dgm:pt modelId="16"/>
+      </dgm:ptLst>
+      <dgm:cxnLst>
+        <dgm:cxn modelId="2" srcId="0" destId="1" srcOrd="0" destOrd="0"/>
+        <dgm:cxn modelId="16" srcId="1" destId="11" srcOrd="0" destOrd="0"/>
+        <dgm:cxn modelId="17" srcId="1" destId="12" srcOrd="1" destOrd="0"/>
+        <dgm:cxn modelId="18" srcId="1" destId="13" srcOrd="2" destOrd="0"/>
+        <dgm:cxn modelId="19" srcId="1" destId="14" srcOrd="3" destOrd="0"/>
+        <dgm:cxn modelId="20" srcId="1" destId="15" srcOrd="4" destOrd="0"/>
+        <dgm:cxn modelId="21" srcId="1" destId="16" srcOrd="5" destOrd="0"/>
+      </dgm:cxnLst>
+      <dgm:bg/>
+      <dgm:whole/>
+    </dgm:dataModel>
+  </dgm:clrData>
+  <dgm:layoutNode name="composite">
+    <dgm:varLst>
+      <dgm:chMax val="1"/>
+      <dgm:dir/>
+      <dgm:resizeHandles val="exact"/>
+    </dgm:varLst>
+    <dgm:alg type="composite">
+      <dgm:param type="ar" val="1"/>
+    </dgm:alg>
+    <dgm:shape xmlns:r="http://schemas.openxmlformats.org/officeDocument/2006/relationships" r:blip="">
+      <dgm:adjLst/>
+    </dgm:shape>
+    <dgm:presOf/>
+    <dgm:constrLst/>
+    <dgm:ruleLst/>
+    <dgm:layoutNode name="radial">
+      <dgm:varLst>
+        <dgm:animLvl val="ctr"/>
+      </dgm:varLst>
+      <dgm:choose name="Name0">
+        <dgm:if name="Name1" func="var" arg="dir" op="equ" val="norm">
+          <dgm:choose name="Name2">
+            <dgm:if name="Name3" axis="ch ch" ptType="node node" st="1 1" cnt="1 0" func="cnt" op="lte" val="1">
+              <dgm:alg type="cycle">
+                <dgm:param type="stAng" val="90"/>
+                <dgm:param type="spanAng" val="360"/>
+                <dgm:param type="ctrShpMap" val="fNode"/>
+              </dgm:alg>
+            </dgm:if>
+            <dgm:else name="Name4">
+              <dgm:alg type="cycle">
+                <dgm:param type="stAng" val="0"/>
+                <dgm:param type="spanAng" val="360"/>
+                <dgm:param type="ctrShpMap" val="fNode"/>
+              </dgm:alg>
+            </dgm:else>
+          </dgm:choose>
+        </dgm:if>
+        <dgm:else name="Name5">
+          <dgm:alg type="cycle">
+            <dgm:param type="stAng" val="0"/>
+            <dgm:param type="spanAng" val="-360"/>
+            <dgm:param type="ctrShpMap" val="fNode"/>
+          </dgm:alg>
+        </dgm:else>
+      </dgm:choose>
+      <dgm:shape xmlns:r="http://schemas.openxmlformats.org/officeDocument/2006/relationships" r:blip="">
+        <dgm:adjLst/>
+      </dgm:shape>
+      <dgm:presOf/>
+      <dgm:constrLst>
+        <dgm:constr type="w" for="ch" forName="centerShape" refType="w"/>
+        <dgm:constr type="h" for="ch" forName="centerShape" refType="h"/>
+        <dgm:constr type="w" for="ch" forName="node" refType="w" fact="0.5"/>
+        <dgm:constr type="h" for="ch" forName="node" refType="h" fact="0.5"/>
+        <dgm:constr type="sp" refType="w" refFor="ch" refForName="node" fact="-0.2"/>
+        <dgm:constr type="sibSp" refType="w" refFor="ch" refForName="node" fact="-0.2"/>
+        <dgm:constr type="primFontSz" for="ch" forName="centerShape" val="65"/>
+        <dgm:constr type="primFontSz" for="des" forName="node" val="65"/>
+        <dgm:constr type="primFontSz" for="ch" forName="node" refType="primFontSz" refFor="ch" refForName="centerShape" op="lte"/>
+      </dgm:constrLst>
+      <dgm:ruleLst/>
+      <dgm:forEach name="Name6" axis="ch" ptType="node" cnt="1">
+        <dgm:layoutNode name="centerShape" styleLbl="vennNode1">
+          <dgm:alg type="tx"/>
+          <dgm:shape xmlns:r="http://schemas.openxmlformats.org/officeDocument/2006/relationships" type="ellipse" r:blip="">
+            <dgm:adjLst/>
+          </dgm:shape>
+          <dgm:presOf axis="self"/>
+          <dgm:constrLst>
+            <dgm:constr type="tMarg" refType="primFontSz" fact="0.1"/>
+            <dgm:constr type="bMarg" refType="primFontSz" fact="0.1"/>
+            <dgm:constr type="lMarg" refType="primFontSz" fact="0.1"/>
+            <dgm:constr type="rMarg" refType="primFontSz" fact="0.1"/>
+          </dgm:constrLst>
+          <dgm:ruleLst>
+            <dgm:rule type="primFontSz" val="5" fact="NaN" max="NaN"/>
+          </dgm:ruleLst>
+        </dgm:layoutNode>
+        <dgm:forEach name="Name7" axis="ch" ptType="node">
+          <dgm:layoutNode name="node" styleLbl="vennNode1">
+            <dgm:varLst>
+              <dgm:bulletEnabled val="1"/>
+            </dgm:varLst>
+            <dgm:alg type="tx">
+              <dgm:param type="txAnchorVertCh" val="mid"/>
+            </dgm:alg>
+            <dgm:shape xmlns:r="http://schemas.openxmlformats.org/officeDocument/2006/relationships" type="ellipse" r:blip="">
+              <dgm:adjLst/>
+            </dgm:shape>
+            <dgm:presOf axis="desOrSelf" ptType="node"/>
+            <dgm:constrLst>
+              <dgm:constr type="tMarg" refType="primFontSz" fact="0.1"/>
+              <dgm:constr type="bMarg" refType="primFontSz" fact="0.1"/>
+              <dgm:constr type="lMarg" refType="primFontSz" fact="0.1"/>
+              <dgm:constr type="rMarg" refType="primFontSz" fact="0.1"/>
+            </dgm:constrLst>
+            <dgm:ruleLst>
+              <dgm:rule type="primFontSz" val="5" fact="NaN" max="NaN"/>
+            </dgm:ruleLst>
+          </dgm:layoutNode>
+        </dgm:forEach>
+      </dgm:forEach>
+    </dgm:layoutNode>
+  </dgm:layoutNode>
+</dgm:layoutDef>
+</file>
+
+<file path=ppt/diagrams/quickStyle1.xml><?xml version="1.0" encoding="utf-8"?>
+<dgm:styleDef xmlns:dgm="http://schemas.openxmlformats.org/drawingml/2006/diagram" xmlns:a="http://schemas.openxmlformats.org/drawingml/2006/main" uniqueId="urn:microsoft.com/office/officeart/2005/8/quickstyle/simple1">
+  <dgm:title val=""/>
+  <dgm:desc val=""/>
+  <dgm:catLst>
+    <dgm:cat type="simple" pri="10100"/>
+  </dgm:catLst>
+  <dgm:scene3d>
+    <a:camera prst="orthographicFront"/>
+    <a:lightRig rig="threePt" dir="t"/>
+  </dgm:scene3d>
+  <dgm:styleLbl name="node0">
+    <dgm:scene3d>
+      <a:camera prst="orthographicFront"/>
+      <a:lightRig rig="threePt" dir="t"/>
+    </dgm:scene3d>
+    <dgm:sp3d/>
+    <dgm:txPr/>
+    <dgm:style>
+      <a:lnRef idx="2">
+        <a:scrgbClr r="0" g="0" b="0"/>
+      </a:lnRef>
+      <a:fillRef idx="1">
+        <a:scrgbClr r="0" g="0" b="0"/>
+      </a:fillRef>
+      <a:effectRef idx="0">
+        <a:scrgbClr r="0" g="0" b="0"/>
+      </a:effectRef>
+      <a:fontRef idx="minor">
+        <a:schemeClr val="lt1"/>
+      </a:fontRef>
+    </dgm:style>
+  </dgm:styleLbl>
+  <dgm:styleLbl name="lnNode1">
+    <dgm:scene3d>
+      <a:camera prst="orthographicFront"/>
+      <a:lightRig rig="threePt" dir="t"/>
+    </dgm:scene3d>
+    <dgm:sp3d/>
+    <dgm:txPr/>
+    <dgm:style>
+      <a:lnRef idx="2">
+        <a:scrgbClr r="0" g="0" b="0"/>
+      </a:lnRef>
+      <a:fillRef idx="1">
+        <a:scrgbClr r="0" g="0" b="0"/>
+      </a:fillRef>
+      <a:effectRef idx="0">
+        <a:scrgbClr r="0" g="0" b="0"/>
+      </a:effectRef>
+      <a:fontRef idx="minor">
+        <a:schemeClr val="lt1"/>
+      </a:fontRef>
+    </dgm:style>
+  </dgm:styleLbl>
+  <dgm:styleLbl name="vennNode1">
+    <dgm:scene3d>
+      <a:camera prst="orthographicFront"/>
+      <a:lightRig rig="threePt" dir="t"/>
+    </dgm:scene3d>
+    <dgm:sp3d/>
+    <dgm:txPr/>
+    <dgm:style>
+      <a:lnRef idx="2">
+        <a:scrgbClr r="0" g="0" b="0"/>
+      </a:lnRef>
+      <a:fillRef idx="1">
+        <a:scrgbClr r="0" g="0" b="0"/>
+      </a:fillRef>
+      <a:effectRef idx="0">
+        <a:scrgbClr r="0" g="0" b="0"/>
+      </a:effectRef>
+      <a:fontRef idx="minor">
+        <a:schemeClr val="tx1"/>
+      </a:fontRef>
+    </dgm:style>
+  </dgm:styleLbl>
+  <dgm:styleLbl name="alignNode1">
+    <dgm:scene3d>
+      <a:camera prst="orthographicFront"/>
+      <a:lightRig rig="threePt" dir="t"/>
+    </dgm:scene3d>
+    <dgm:sp3d/>
+    <dgm:txPr/>
+    <dgm:style>
+      <a:lnRef idx="2">
+        <a:scrgbClr r="0" g="0" b="0"/>
+      </a:lnRef>
+      <a:fillRef idx="1">
+        <a:scrgbClr r="0" g="0" b="0"/>
+      </a:fillRef>
+      <a:effectRef idx="0">
+        <a:scrgbClr r="0" g="0" b="0"/>
+      </a:effectRef>
+      <a:fontRef idx="minor">
+        <a:schemeClr val="lt1"/>
+      </a:fontRef>
+    </dgm:style>
+  </dgm:styleLbl>
+  <dgm:styleLbl name="node1">
+    <dgm:scene3d>
+      <a:camera prst="orthographicFront"/>
+      <a:lightRig rig="threePt" dir="t"/>
+    </dgm:scene3d>
+    <dgm:sp3d/>
+    <dgm:txPr/>
+    <dgm:style>
+      <a:lnRef idx="2">
+        <a:scrgbClr r="0" g="0" b="0"/>
+      </a:lnRef>
+      <a:fillRef idx="1">
+        <a:scrgbClr r="0" g="0" b="0"/>
+      </a:fillRef>
+      <a:effectRef idx="0">
+        <a:scrgbClr r="0" g="0" b="0"/>
+      </a:effectRef>
+      <a:fontRef idx="minor">
+        <a:schemeClr val="lt1"/>
+      </a:fontRef>
+    </dgm:style>
+  </dgm:styleLbl>
+  <dgm:styleLbl name="node2">
+    <dgm:scene3d>
+      <a:camera prst="orthographicFront"/>
+      <a:lightRig rig="threePt" dir="t"/>
+    </dgm:scene3d>
+    <dgm:sp3d/>
+    <dgm:txPr/>
+    <dgm:style>
+      <a:lnRef idx="2">
+        <a:scrgbClr r="0" g="0" b="0"/>
+      </a:lnRef>
+      <a:fillRef idx="1">
+        <a:scrgbClr r="0" g="0" b="0"/>
+      </a:fillRef>
+      <a:effectRef idx="0">
+        <a:scrgbClr r="0" g="0" b="0"/>
+      </a:effectRef>
+      <a:fontRef idx="minor">
+        <a:schemeClr val="lt1"/>
+      </a:fontRef>
+    </dgm:style>
+  </dgm:styleLbl>
+  <dgm:styleLbl name="node3">
+    <dgm:scene3d>
+      <a:camera prst="orthographicFront"/>
+      <a:lightRig rig="threePt" dir="t"/>
+    </dgm:scene3d>
+    <dgm:sp3d/>
+    <dgm:txPr/>
+    <dgm:style>
+      <a:lnRef idx="2">
+        <a:scrgbClr r="0" g="0" b="0"/>
+      </a:lnRef>
+      <a:fillRef idx="1">
+        <a:scrgbClr r="0" g="0" b="0"/>
+      </a:fillRef>
+      <a:effectRef idx="0">
+        <a:scrgbClr r="0" g="0" b="0"/>
+      </a:effectRef>
+      <a:fontRef idx="minor">
+        <a:schemeClr val="lt1"/>
+      </a:fontRef>
+    </dgm:style>
+  </dgm:styleLbl>
+  <dgm:styleLbl name="node4">
+    <dgm:scene3d>
+      <a:camera prst="orthographicFront"/>
+      <a:lightRig rig="threePt" dir="t"/>
+    </dgm:scene3d>
+    <dgm:sp3d/>
+    <dgm:txPr/>
+    <dgm:style>
+      <a:lnRef idx="2">
+        <a:scrgbClr r="0" g="0" b="0"/>
+      </a:lnRef>
+      <a:fillRef idx="1">
+        <a:scrgbClr r="0" g="0" b="0"/>
+      </a:fillRef>
+      <a:effectRef idx="0">
+        <a:scrgbClr r="0" g="0" b="0"/>
+      </a:effectRef>
+      <a:fontRef idx="minor">
+        <a:schemeClr val="lt1"/>
+      </a:fontRef>
+    </dgm:style>
+  </dgm:styleLbl>
+  <dgm:styleLbl name="fgImgPlace1">
+    <dgm:scene3d>
+      <a:camera prst="orthographicFront"/>
+      <a:lightRig rig="threePt" dir="t"/>
+    </dgm:scene3d>
+    <dgm:sp3d/>
+    <dgm:txPr/>
+    <dgm:style>
+      <a:lnRef idx="2">
+        <a:scrgbClr r="0" g="0" b="0"/>
+      </a:lnRef>
+      <a:fillRef idx="1">
+        <a:scrgbClr r="0" g="0" b="0"/>
+      </a:fillRef>
+      <a:effectRef idx="0">
+        <a:scrgbClr r="0" g="0" b="0"/>
+      </a:effectRef>
+      <a:fontRef idx="minor"/>
+    </dgm:style>
+  </dgm:styleLbl>
+  <dgm:styleLbl name="alignImgPlace1">
+    <dgm:scene3d>
+      <a:camera prst="orthographicFront"/>
+      <a:lightRig rig="threePt" dir="t"/>
+    </dgm:scene3d>
+    <dgm:sp3d/>
+    <dgm:txPr/>
+    <dgm:style>
+      <a:lnRef idx="2">
+        <a:scrgbClr r="0" g="0" b="0"/>
+      </a:lnRef>
+      <a:fillRef idx="1">
+        <a:scrgbClr r="0" g="0" b="0"/>
+      </a:fillRef>
+      <a:effectRef idx="0">
+        <a:scrgbClr r="0" g="0" b="0"/>
+      </a:effectRef>
+      <a:fontRef idx="minor"/>
+    </dgm:style>
+  </dgm:styleLbl>
+  <dgm:styleLbl name="bgImgPlace1">
+    <dgm:scene3d>
+      <a:camera prst="orthographicFront"/>
+      <a:lightRig rig="threePt" dir="t"/>
+    </dgm:scene3d>
+    <dgm:sp3d/>
+    <dgm:txPr/>
+    <dgm:style>
+      <a:lnRef idx="2">
+        <a:scrgbClr r="0" g="0" b="0"/>
+      </a:lnRef>
+      <a:fillRef idx="1">
+        <a:scrgbClr r="0" g="0" b="0"/>
+      </a:fillRef>
+      <a:effectRef idx="0">
+        <a:scrgbClr r="0" g="0" b="0"/>
+      </a:effectRef>
+      <a:fontRef idx="minor"/>
+    </dgm:style>
+  </dgm:styleLbl>
+  <dgm:styleLbl name="sibTrans2D1">
+    <dgm:scene3d>
+      <a:camera prst="orthographicFront"/>
+      <a:lightRig rig="threePt" dir="t"/>
+    </dgm:scene3d>
+    <dgm:sp3d/>
+    <dgm:txPr/>
+    <dgm:style>
+      <a:lnRef idx="0">
+        <a:scrgbClr r="0" g="0" b="0"/>
+      </a:lnRef>
+      <a:fillRef idx="1">
+        <a:scrgbClr r="0" g="0" b="0"/>
+      </a:fillRef>
+      <a:effectRef idx="0">
+        <a:scrgbClr r="0" g="0" b="0"/>
+      </a:effectRef>
+      <a:fontRef idx="minor">
+        <a:schemeClr val="lt1"/>
+      </a:fontRef>
+    </dgm:style>
+  </dgm:styleLbl>
+  <dgm:styleLbl name="fgSibTrans2D1">
+    <dgm:scene3d>
+      <a:camera prst="orthographicFront"/>
+      <a:lightRig rig="threePt" dir="t"/>
+    </dgm:scene3d>
+    <dgm:sp3d/>
+    <dgm:txPr/>
+    <dgm:style>
+      <a:lnRef idx="0">
+        <a:scrgbClr r="0" g="0" b="0"/>
+      </a:lnRef>
+      <a:fillRef idx="1">
+        <a:scrgbClr r="0" g="0" b="0"/>
+      </a:fillRef>
+      <a:effectRef idx="0">
+        <a:scrgbClr r="0" g="0" b="0"/>
+      </a:effectRef>
+      <a:fontRef idx="minor">
+        <a:schemeClr val="lt1"/>
+      </a:fontRef>
+    </dgm:style>
+  </dgm:styleLbl>
+  <dgm:styleLbl name="bgSibTrans2D1">
+    <dgm:scene3d>
+      <a:camera prst="orthographicFront"/>
+      <a:lightRig rig="threePt" dir="t"/>
+    </dgm:scene3d>
+    <dgm:sp3d/>
+    <dgm:txPr/>
+    <dgm:style>
+      <a:lnRef idx="0">
+        <a:scrgbClr r="0" g="0" b="0"/>
+      </a:lnRef>
+      <a:fillRef idx="1">
+        <a:scrgbClr r="0" g="0" b="0"/>
+      </a:fillRef>
+      <a:effectRef idx="0">
+        <a:scrgbClr r="0" g="0" b="0"/>
+      </a:effectRef>
+      <a:fontRef idx="minor">
+        <a:schemeClr val="lt1"/>
+      </a:fontRef>
+    </dgm:style>
+  </dgm:styleLbl>
+  <dgm:styleLbl name="sibTrans1D1">
+    <dgm:scene3d>
+      <a:camera prst="orthographicFront"/>
+      <a:lightRig rig="threePt" dir="t"/>
+    </dgm:scene3d>
+    <dgm:sp3d/>
+    <dgm:txPr/>
+    <dgm:style>
+      <a:lnRef idx="1">
+        <a:scrgbClr r="0" g="0" b="0"/>
+      </a:lnRef>
+      <a:fillRef idx="0">
+        <a:scrgbClr r="0" g="0" b="0"/>
+      </a:fillRef>
+      <a:effectRef idx="0">
+        <a:scrgbClr r="0" g="0" b="0"/>
+      </a:effectRef>
+      <a:fontRef idx="minor"/>
+    </dgm:style>
+  </dgm:styleLbl>
+  <dgm:styleLbl name="callout">
+    <dgm:scene3d>
+      <a:camera prst="orthographicFront"/>
+      <a:lightRig rig="threePt" dir="t"/>
+    </dgm:scene3d>
+    <dgm:sp3d/>
+    <dgm:txPr/>
+    <dgm:style>
+      <a:lnRef idx="2">
+        <a:scrgbClr r="0" g="0" b="0"/>
+      </a:lnRef>
+      <a:fillRef idx="1">
+        <a:scrgbClr r="0" g="0" b="0"/>
+      </a:fillRef>
+      <a:effectRef idx="0">
+        <a:scrgbClr r="0" g="0" b="0"/>
+      </a:effectRef>
+      <a:fontRef idx="minor"/>
+    </dgm:style>
+  </dgm:styleLbl>
+  <dgm:styleLbl name="asst0">
+    <dgm:scene3d>
+      <a:camera prst="orthographicFront"/>
+      <a:lightRig rig="threePt" dir="t"/>
+    </dgm:scene3d>
+    <dgm:sp3d/>
+    <dgm:txPr/>
+    <dgm:style>
+      <a:lnRef idx="2">
+        <a:scrgbClr r="0" g="0" b="0"/>
+      </a:lnRef>
+      <a:fillRef idx="1">
+        <a:scrgbClr r="0" g="0" b="0"/>
+      </a:fillRef>
+      <a:effectRef idx="0">
+        <a:scrgbClr r="0" g="0" b="0"/>
+      </a:effectRef>
+      <a:fontRef idx="minor">
+        <a:schemeClr val="lt1"/>
+      </a:fontRef>
+    </dgm:style>
+  </dgm:styleLbl>
+  <dgm:styleLbl name="asst1">
+    <dgm:scene3d>
+      <a:camera prst="orthographicFront"/>
+      <a:lightRig rig="threePt" dir="t"/>
+    </dgm:scene3d>
+    <dgm:sp3d/>
+    <dgm:txPr/>
+    <dgm:style>
+      <a:lnRef idx="2">
+        <a:scrgbClr r="0" g="0" b="0"/>
+      </a:lnRef>
+      <a:fillRef idx="1">
+        <a:scrgbClr r="0" g="0" b="0"/>
+      </a:fillRef>
+      <a:effectRef idx="0">
+        <a:scrgbClr r="0" g="0" b="0"/>
+      </a:effectRef>
+      <a:fontRef idx="minor">
+        <a:schemeClr val="lt1"/>
+      </a:fontRef>
+    </dgm:style>
+  </dgm:styleLbl>
+  <dgm:styleLbl name="asst2">
+    <dgm:scene3d>
+      <a:camera prst="orthographicFront"/>
+      <a:lightRig rig="threePt" dir="t"/>
+    </dgm:scene3d>
+    <dgm:sp3d/>
+    <dgm:txPr/>
+    <dgm:style>
+      <a:lnRef idx="2">
+        <a:scrgbClr r="0" g="0" b="0"/>
+      </a:lnRef>
+      <a:fillRef idx="1">
+        <a:scrgbClr r="0" g="0" b="0"/>
+      </a:fillRef>
+      <a:effectRef idx="0">
+        <a:scrgbClr r="0" g="0" b="0"/>
+      </a:effectRef>
+      <a:fontRef idx="minor">
+        <a:schemeClr val="lt1"/>
+      </a:fontRef>
+    </dgm:style>
+  </dgm:styleLbl>
+  <dgm:styleLbl name="asst3">
+    <dgm:scene3d>
+      <a:camera prst="orthographicFront"/>
+      <a:lightRig rig="threePt" dir="t"/>
+    </dgm:scene3d>
+    <dgm:sp3d/>
+    <dgm:txPr/>
+    <dgm:style>
+      <a:lnRef idx="2">
+        <a:scrgbClr r="0" g="0" b="0"/>
+      </a:lnRef>
+      <a:fillRef idx="1">
+        <a:scrgbClr r="0" g="0" b="0"/>
+      </a:fillRef>
+      <a:effectRef idx="0">
+        <a:scrgbClr r="0" g="0" b="0"/>
+      </a:effectRef>
+      <a:fontRef idx="minor">
+        <a:schemeClr val="lt1"/>
+      </a:fontRef>
+    </dgm:style>
+  </dgm:styleLbl>
+  <dgm:styleLbl name="asst4">
+    <dgm:scene3d>
+      <a:camera prst="orthographicFront"/>
+      <a:lightRig rig="threePt" dir="t"/>
+    </dgm:scene3d>
+    <dgm:sp3d/>
+    <dgm:txPr/>
+    <dgm:style>
+      <a:lnRef idx="2">
+        <a:scrgbClr r="0" g="0" b="0"/>
+      </a:lnRef>
+      <a:fillRef idx="1">
+        <a:scrgbClr r="0" g="0" b="0"/>
+      </a:fillRef>
+      <a:effectRef idx="0">
+        <a:scrgbClr r="0" g="0" b="0"/>
+      </a:effectRef>
+      <a:fontRef idx="minor">
+        <a:schemeClr val="lt1"/>
+      </a:fontRef>
+    </dgm:style>
+  </dgm:styleLbl>
+  <dgm:styleLbl name="parChTrans2D1">
+    <dgm:scene3d>
+      <a:camera prst="orthographicFront"/>
+      <a:lightRig rig="threePt" dir="t"/>
+    </dgm:scene3d>
+    <dgm:sp3d/>
+    <dgm:txPr/>
+    <dgm:style>
+      <a:lnRef idx="2">
+        <a:scrgbClr r="0" g="0" b="0"/>
+      </a:lnRef>
+      <a:fillRef idx="1">
+        <a:scrgbClr r="0" g="0" b="0"/>
+      </a:fillRef>
+      <a:effectRef idx="0">
+        <a:scrgbClr r="0" g="0" b="0"/>
+      </a:effectRef>
+      <a:fontRef idx="minor">
+        <a:schemeClr val="lt1"/>
+      </a:fontRef>
+    </dgm:style>
+  </dgm:styleLbl>
+  <dgm:styleLbl name="parChTrans2D2">
+    <dgm:scene3d>
+      <a:camera prst="orthographicFront"/>
+      <a:lightRig rig="threePt" dir="t"/>
+    </dgm:scene3d>
+    <dgm:sp3d/>
+    <dgm:txPr/>
+    <dgm:style>
+      <a:lnRef idx="2">
+        <a:scrgbClr r="0" g="0" b="0"/>
+      </a:lnRef>
+      <a:fillRef idx="1">
+        <a:scrgbClr r="0" g="0" b="0"/>
+      </a:fillRef>
+      <a:effectRef idx="0">
+        <a:scrgbClr r="0" g="0" b="0"/>
+      </a:effectRef>
+      <a:fontRef idx="minor">
+        <a:schemeClr val="lt1"/>
+      </a:fontRef>
+    </dgm:style>
+  </dgm:styleLbl>
+  <dgm:styleLbl name="parChTrans2D3">
+    <dgm:scene3d>
+      <a:camera prst="orthographicFront"/>
+      <a:lightRig rig="threePt" dir="t"/>
+    </dgm:scene3d>
+    <dgm:sp3d/>
+    <dgm:txPr/>
+    <dgm:style>
+      <a:lnRef idx="2">
+        <a:scrgbClr r="0" g="0" b="0"/>
+      </a:lnRef>
+      <a:fillRef idx="1">
+        <a:scrgbClr r="0" g="0" b="0"/>
+      </a:fillRef>
+      <a:effectRef idx="0">
+        <a:scrgbClr r="0" g="0" b="0"/>
+      </a:effectRef>
+      <a:fontRef idx="minor">
+        <a:schemeClr val="lt1"/>
+      </a:fontRef>
+    </dgm:style>
+  </dgm:styleLbl>
+  <dgm:styleLbl name="parChTrans2D4">
+    <dgm:scene3d>
+      <a:camera prst="orthographicFront"/>
+      <a:lightRig rig="threePt" dir="t"/>
+    </dgm:scene3d>
+    <dgm:sp3d/>
+    <dgm:txPr/>
+    <dgm:style>
+      <a:lnRef idx="2">
+        <a:scrgbClr r="0" g="0" b="0"/>
+      </a:lnRef>
+      <a:fillRef idx="1">
+        <a:scrgbClr r="0" g="0" b="0"/>
+      </a:fillRef>
+      <a:effectRef idx="0">
+        <a:scrgbClr r="0" g="0" b="0"/>
+      </a:effectRef>
+      <a:fontRef idx="minor">
+        <a:schemeClr val="lt1"/>
+      </a:fontRef>
+    </dgm:style>
+  </dgm:styleLbl>
+  <dgm:styleLbl name="parChTrans1D1">
+    <dgm:scene3d>
+      <a:camera prst="orthographicFront"/>
+      <a:lightRig rig="threePt" dir="t"/>
+    </dgm:scene3d>
+    <dgm:sp3d/>
+    <dgm:txPr/>
+    <dgm:style>
+      <a:lnRef idx="2">
+        <a:scrgbClr r="0" g="0" b="0"/>
+      </a:lnRef>
+      <a:fillRef idx="0">
+        <a:scrgbClr r="0" g="0" b="0"/>
+      </a:fillRef>
+      <a:effectRef idx="0">
+        <a:scrgbClr r="0" g="0" b="0"/>
+      </a:effectRef>
+      <a:fontRef idx="minor"/>
+    </dgm:style>
+  </dgm:styleLbl>
+  <dgm:styleLbl name="parChTrans1D2">
+    <dgm:scene3d>
+      <a:camera prst="orthographicFront"/>
+      <a:lightRig rig="threePt" dir="t"/>
+    </dgm:scene3d>
+    <dgm:sp3d/>
+    <dgm:txPr/>
+    <dgm:style>
+      <a:lnRef idx="2">
+        <a:scrgbClr r="0" g="0" b="0"/>
+      </a:lnRef>
+      <a:fillRef idx="0">
+        <a:scrgbClr r="0" g="0" b="0"/>
+      </a:fillRef>
+      <a:effectRef idx="0">
+        <a:scrgbClr r="0" g="0" b="0"/>
+      </a:effectRef>
+      <a:fontRef idx="minor"/>
+    </dgm:style>
+  </dgm:styleLbl>
+  <dgm:styleLbl name="parChTrans1D3">
+    <dgm:scene3d>
+      <a:camera prst="orthographicFront"/>
+      <a:lightRig rig="threePt" dir="t"/>
+    </dgm:scene3d>
+    <dgm:sp3d/>
+    <dgm:txPr/>
+    <dgm:style>
+      <a:lnRef idx="2">
+        <a:scrgbClr r="0" g="0" b="0"/>
+      </a:lnRef>
+      <a:fillRef idx="0">
+        <a:scrgbClr r="0" g="0" b="0"/>
+      </a:fillRef>
+      <a:effectRef idx="0">
+        <a:scrgbClr r="0" g="0" b="0"/>
+      </a:effectRef>
+      <a:fontRef idx="minor"/>
+    </dgm:style>
+  </dgm:styleLbl>
+  <dgm:styleLbl name="parChTrans1D4">
+    <dgm:scene3d>
+      <a:camera prst="orthographicFront"/>
+      <a:lightRig rig="threePt" dir="t"/>
+    </dgm:scene3d>
+    <dgm:sp3d/>
+    <dgm:txPr/>
+    <dgm:style>
+      <a:lnRef idx="2">
+        <a:scrgbClr r="0" g="0" b="0"/>
+      </a:lnRef>
+      <a:fillRef idx="0">
+        <a:scrgbClr r="0" g="0" b="0"/>
+      </a:fillRef>
+      <a:effectRef idx="0">
+        <a:scrgbClr r="0" g="0" b="0"/>
+      </a:effectRef>
+      <a:fontRef idx="minor"/>
+    </dgm:style>
+  </dgm:styleLbl>
+  <dgm:styleLbl name="fgAcc1">
+    <dgm:scene3d>
+      <a:camera prst="orthographicFront"/>
+      <a:lightRig rig="threePt" dir="t"/>
+    </dgm:scene3d>
+    <dgm:sp3d/>
+    <dgm:txPr/>
+    <dgm:style>
+      <a:lnRef idx="2">
+        <a:scrgbClr r="0" g="0" b="0"/>
+      </a:lnRef>
+      <a:fillRef idx="1">
+        <a:scrgbClr r="0" g="0" b="0"/>
+      </a:fillRef>
+      <a:effectRef idx="0">
+        <a:scrgbClr r="0" g="0" b="0"/>
+      </a:effectRef>
+      <a:fontRef idx="minor"/>
+    </dgm:style>
+  </dgm:styleLbl>
+  <dgm:styleLbl name="conFgAcc1">
+    <dgm:scene3d>
+      <a:camera prst="orthographicFront"/>
+      <a:lightRig rig="threePt" dir="t"/>
+    </dgm:scene3d>
+    <dgm:sp3d/>
+    <dgm:txPr/>
+    <dgm:style>
+      <a:lnRef idx="2">
+        <a:scrgbClr r="0" g="0" b="0"/>
+      </a:lnRef>
+      <a:fillRef idx="1">
+        <a:scrgbClr r="0" g="0" b="0"/>
+      </a:fillRef>
+      <a:effectRef idx="0">
+        <a:scrgbClr r="0" g="0" b="0"/>
+      </a:effectRef>
+      <a:fontRef idx="minor"/>
+    </dgm:style>
+  </dgm:styleLbl>
+  <dgm:styleLbl name="alignAcc1">
+    <dgm:scene3d>
+      <a:camera prst="orthographicFront"/>
+      <a:lightRig rig="threePt" dir="t"/>
+    </dgm:scene3d>
+    <dgm:sp3d/>
+    <dgm:txPr/>
+    <dgm:style>
+      <a:lnRef idx="2">
+        <a:scrgbClr r="0" g="0" b="0"/>
+      </a:lnRef>
+      <a:fillRef idx="1">
+        <a:scrgbClr r="0" g="0" b="0"/>
+      </a:fillRef>
+      <a:effectRef idx="0">
+        <a:scrgbClr r="0" g="0" b="0"/>
+      </a:effectRef>
+      <a:fontRef idx="minor"/>
+    </dgm:style>
+  </dgm:styleLbl>
+  <dgm:styleLbl name="trAlignAcc1">
+    <dgm:scene3d>
+      <a:camera prst="orthographicFront"/>
+      <a:lightRig rig="threePt" dir="t"/>
+    </dgm:scene3d>
+    <dgm:sp3d/>
+    <dgm:txPr/>
+    <dgm:style>
+      <a:lnRef idx="1">
+        <a:scrgbClr r="0" g="0" b="0"/>
+      </a:lnRef>
+      <a:fillRef idx="1">
+        <a:scrgbClr r="0" g="0" b="0"/>
+      </a:fillRef>
+      <a:effectRef idx="0">
+        <a:scrgbClr r="0" g="0" b="0"/>
+      </a:effectRef>
+      <a:fontRef idx="minor"/>
+    </dgm:style>
+  </dgm:styleLbl>
+  <dgm:styleLbl name="bgAcc1">
+    <dgm:scene3d>
+      <a:camera prst="orthographicFront"/>
+      <a:lightRig rig="threePt" dir="t"/>
+    </dgm:scene3d>
+    <dgm:sp3d/>
+    <dgm:txPr/>
+    <dgm:style>
+      <a:lnRef idx="2">
+        <a:scrgbClr r="0" g="0" b="0"/>
+      </a:lnRef>
+      <a:fillRef idx="1">
+        <a:scrgbClr r="0" g="0" b="0"/>
+      </a:fillRef>
+      <a:effectRef idx="0">
+        <a:scrgbClr r="0" g="0" b="0"/>
+      </a:effectRef>
+      <a:fontRef idx="minor"/>
+    </dgm:style>
+  </dgm:styleLbl>
+  <dgm:styleLbl name="solidFgAcc1">
+    <dgm:scene3d>
+      <a:camera prst="orthographicFront"/>
+      <a:lightRig rig="threePt" dir="t"/>
+    </dgm:scene3d>
+    <dgm:sp3d/>
+    <dgm:txPr/>
+    <dgm:style>
+      <a:lnRef idx="2">
+        <a:scrgbClr r="0" g="0" b="0"/>
+      </a:lnRef>
+      <a:fillRef idx="1">
+        <a:scrgbClr r="0" g="0" b="0"/>
+      </a:fillRef>
+      <a:effectRef idx="0">
+        <a:scrgbClr r="0" g="0" b="0"/>
+      </a:effectRef>
+      <a:fontRef idx="minor"/>
+    </dgm:style>
+  </dgm:styleLbl>
+  <dgm:styleLbl name="solidAlignAcc1">
+    <dgm:scene3d>
+      <a:camera prst="orthographicFront"/>
+      <a:lightRig rig="threePt" dir="t"/>
+    </dgm:scene3d>
+    <dgm:sp3d/>
+    <dgm:txPr/>
+    <dgm:style>
+      <a:lnRef idx="2">
+        <a:scrgbClr r="0" g="0" b="0"/>
+      </a:lnRef>
+      <a:fillRef idx="1">
+        <a:scrgbClr r="0" g="0" b="0"/>
+      </a:fillRef>
+      <a:effectRef idx="0">
+        <a:scrgbClr r="0" g="0" b="0"/>
+      </a:effectRef>
+      <a:fontRef idx="minor"/>
+    </dgm:style>
+  </dgm:styleLbl>
+  <dgm:styleLbl name="solidBgAcc1">
+    <dgm:scene3d>
+      <a:camera prst="orthographicFront"/>
+      <a:lightRig rig="threePt" dir="t"/>
+    </dgm:scene3d>
+    <dgm:sp3d/>
+    <dgm:txPr/>
+    <dgm:style>
+      <a:lnRef idx="2">
+        <a:scrgbClr r="0" g="0" b="0"/>
+      </a:lnRef>
+      <a:fillRef idx="1">
+        <a:scrgbClr r="0" g="0" b="0"/>
+      </a:fillRef>
+      <a:effectRef idx="0">
+        <a:scrgbClr r="0" g="0" b="0"/>
+      </a:effectRef>
+      <a:fontRef idx="minor"/>
+    </dgm:style>
+  </dgm:styleLbl>
+  <dgm:styleLbl name="fgAccFollowNode1">
+    <dgm:scene3d>
+      <a:camera prst="orthographicFront"/>
+      <a:lightRig rig="threePt" dir="t"/>
+    </dgm:scene3d>
+    <dgm:sp3d/>
+    <dgm:txPr/>
+    <dgm:style>
+      <a:lnRef idx="2">
+        <a:scrgbClr r="0" g="0" b="0"/>
+      </a:lnRef>
+      <a:fillRef idx="1">
+        <a:scrgbClr r="0" g="0" b="0"/>
+      </a:fillRef>
+      <a:effectRef idx="0">
+        <a:scrgbClr r="0" g="0" b="0"/>
+      </a:effectRef>
+      <a:fontRef idx="minor"/>
+    </dgm:style>
+  </dgm:styleLbl>
+  <dgm:styleLbl name="alignAccFollowNode1">
+    <dgm:scene3d>
+      <a:camera prst="orthographicFront"/>
+      <a:lightRig rig="threePt" dir="t"/>
+    </dgm:scene3d>
+    <dgm:sp3d/>
+    <dgm:txPr/>
+    <dgm:style>
+      <a:lnRef idx="2">
+        <a:scrgbClr r="0" g="0" b="0"/>
+      </a:lnRef>
+      <a:fillRef idx="1">
+        <a:scrgbClr r="0" g="0" b="0"/>
+      </a:fillRef>
+      <a:effectRef idx="0">
+        <a:scrgbClr r="0" g="0" b="0"/>
+      </a:effectRef>
+      <a:fontRef idx="minor"/>
+    </dgm:style>
+  </dgm:styleLbl>
+  <dgm:styleLbl name="bgAccFollowNode1">
+    <dgm:scene3d>
+      <a:camera prst="orthographicFront"/>
+      <a:lightRig rig="threePt" dir="t"/>
+    </dgm:scene3d>
+    <dgm:sp3d/>
+    <dgm:txPr/>
+    <dgm:style>
+      <a:lnRef idx="2">
+        <a:scrgbClr r="0" g="0" b="0"/>
+      </a:lnRef>
+      <a:fillRef idx="1">
+        <a:scrgbClr r="0" g="0" b="0"/>
+      </a:fillRef>
+      <a:effectRef idx="0">
+        <a:scrgbClr r="0" g="0" b="0"/>
+      </a:effectRef>
+      <a:fontRef idx="minor"/>
+    </dgm:style>
+  </dgm:styleLbl>
+  <dgm:styleLbl name="fgAcc0">
+    <dgm:scene3d>
+      <a:camera prst="orthographicFront"/>
+      <a:lightRig rig="threePt" dir="t"/>
+    </dgm:scene3d>
+    <dgm:sp3d/>
+    <dgm:txPr/>
+    <dgm:style>
+      <a:lnRef idx="2">
+        <a:scrgbClr r="0" g="0" b="0"/>
+      </a:lnRef>
+      <a:fillRef idx="1">
+        <a:scrgbClr r="0" g="0" b="0"/>
+      </a:fillRef>
+      <a:effectRef idx="0">
+        <a:scrgbClr r="0" g="0" b="0"/>
+      </a:effectRef>
+      <a:fontRef idx="minor"/>
+    </dgm:style>
+  </dgm:styleLbl>
+  <dgm:styleLbl name="fgAcc2">
+    <dgm:scene3d>
+      <a:camera prst="orthographicFront"/>
+      <a:lightRig rig="threePt" dir="t"/>
+    </dgm:scene3d>
+    <dgm:sp3d/>
+    <dgm:txPr/>
+    <dgm:style>
+      <a:lnRef idx="2">
+        <a:scrgbClr r="0" g="0" b="0"/>
+      </a:lnRef>
+      <a:fillRef idx="1">
+        <a:scrgbClr r="0" g="0" b="0"/>
+      </a:fillRef>
+      <a:effectRef idx="0">
+        <a:scrgbClr r="0" g="0" b="0"/>
+      </a:effectRef>
+      <a:fontRef idx="minor"/>
+    </dgm:style>
+  </dgm:styleLbl>
+  <dgm:styleLbl name="fgAcc3">
+    <dgm:scene3d>
+      <a:camera prst="orthographicFront"/>
+      <a:lightRig rig="threePt" dir="t"/>
+    </dgm:scene3d>
+    <dgm:sp3d/>
+    <dgm:txPr/>
+    <dgm:style>
+      <a:lnRef idx="2">
+        <a:scrgbClr r="0" g="0" b="0"/>
+      </a:lnRef>
+      <a:fillRef idx="1">
+        <a:scrgbClr r="0" g="0" b="0"/>
+      </a:fillRef>
+      <a:effectRef idx="0">
+        <a:scrgbClr r="0" g="0" b="0"/>
+      </a:effectRef>
+      <a:fontRef idx="minor"/>
+    </dgm:style>
+  </dgm:styleLbl>
+  <dgm:styleLbl name="fgAcc4">
+    <dgm:scene3d>
+      <a:camera prst="orthographicFront"/>
+      <a:lightRig rig="threePt" dir="t"/>
+    </dgm:scene3d>
+    <dgm:sp3d/>
+    <dgm:txPr/>
+    <dgm:style>
+      <a:lnRef idx="2">
+        <a:scrgbClr r="0" g="0" b="0"/>
+      </a:lnRef>
+      <a:fillRef idx="1">
+        <a:scrgbClr r="0" g="0" b="0"/>
+      </a:fillRef>
+      <a:effectRef idx="0">
+        <a:scrgbClr r="0" g="0" b="0"/>
+      </a:effectRef>
+      <a:fontRef idx="minor"/>
+    </dgm:style>
+  </dgm:styleLbl>
+  <dgm:styleLbl name="bgShp">
+    <dgm:scene3d>
+      <a:camera prst="orthographicFront"/>
+      <a:lightRig rig="threePt" dir="t"/>
+    </dgm:scene3d>
+    <dgm:sp3d/>
+    <dgm:txPr/>
+    <dgm:style>
+      <a:lnRef idx="0">
+        <a:scrgbClr r="0" g="0" b="0"/>
+      </a:lnRef>
+      <a:fillRef idx="1">
+        <a:scrgbClr r="0" g="0" b="0"/>
+      </a:fillRef>
+      <a:effectRef idx="0">
+        <a:scrgbClr r="0" g="0" b="0"/>
+      </a:effectRef>
+      <a:fontRef idx="minor"/>
+    </dgm:style>
+  </dgm:styleLbl>
+  <dgm:styleLbl name="dkBgShp">
+    <dgm:scene3d>
+      <a:camera prst="orthographicFront"/>
+      <a:lightRig rig="threePt" dir="t"/>
+    </dgm:scene3d>
+    <dgm:sp3d/>
+    <dgm:txPr/>
+    <dgm:style>
+      <a:lnRef idx="0">
+        <a:scrgbClr r="0" g="0" b="0"/>
+      </a:lnRef>
+      <a:fillRef idx="1">
+        <a:scrgbClr r="0" g="0" b="0"/>
+      </a:fillRef>
+      <a:effectRef idx="0">
+        <a:scrgbClr r="0" g="0" b="0"/>
+      </a:effectRef>
+      <a:fontRef idx="minor"/>
+    </dgm:style>
+  </dgm:styleLbl>
+  <dgm:styleLbl name="trBgShp">
+    <dgm:scene3d>
+      <a:camera prst="orthographicFront"/>
+      <a:lightRig rig="threePt" dir="t"/>
+    </dgm:scene3d>
+    <dgm:sp3d/>
+    <dgm:txPr/>
+    <dgm:style>
+      <a:lnRef idx="0">
+        <a:scrgbClr r="0" g="0" b="0"/>
+      </a:lnRef>
+      <a:fillRef idx="1">
+        <a:scrgbClr r="0" g="0" b="0"/>
+      </a:fillRef>
+      <a:effectRef idx="0">
+        <a:scrgbClr r="0" g="0" b="0"/>
+      </a:effectRef>
+      <a:fontRef idx="minor"/>
+    </dgm:style>
+  </dgm:styleLbl>
+  <dgm:styleLbl name="fgShp">
+    <dgm:scene3d>
+      <a:camera prst="orthographicFront"/>
+      <a:lightRig rig="threePt" dir="t"/>
+    </dgm:scene3d>
+    <dgm:sp3d/>
+    <dgm:txPr/>
+    <dgm:style>
+      <a:lnRef idx="2">
+        <a:scrgbClr r="0" g="0" b="0"/>
+      </a:lnRef>
+      <a:fillRef idx="1">
+        <a:scrgbClr r="0" g="0" b="0"/>
+      </a:fillRef>
+      <a:effectRef idx="0">
+        <a:scrgbClr r="0" g="0" b="0"/>
+      </a:effectRef>
+      <a:fontRef idx="minor"/>
+    </dgm:style>
+  </dgm:styleLbl>
+  <dgm:styleLbl name="revTx">
+    <dgm:scene3d>
+      <a:camera prst="orthographicFront"/>
+      <a:lightRig rig="threePt" dir="t"/>
+    </dgm:scene3d>
+    <dgm:sp3d/>
+    <dgm:txPr/>
+    <dgm:style>
+      <a:lnRef idx="0">
+        <a:scrgbClr r="0" g="0" b="0"/>
+      </a:lnRef>
+      <a:fillRef idx="0">
+        <a:scrgbClr r="0" g="0" b="0"/>
+      </a:fillRef>
+      <a:effectRef idx="0">
+        <a:scrgbClr r="0" g="0" b="0"/>
+      </a:effectRef>
+      <a:fontRef idx="minor"/>
+    </dgm:style>
+  </dgm:styleLbl>
+</dgm:styleDef>
 </file>
 
 <file path=ppt/handoutMasters/handoutMaster1.xml><?xml version="1.0" encoding="utf-8"?>
@@ -3208,8 +5916,8 @@
         </p:nvSpPr>
         <p:spPr>
           <a:xfrm>
-            <a:off x="-9275" y="1268760"/>
-            <a:ext cx="1484931" cy="414290"/>
+            <a:off x="-9275" y="908720"/>
+            <a:ext cx="1124891" cy="288032"/>
           </a:xfrm>
           <a:prstGeom prst="rect">
             <a:avLst/>
@@ -3242,7 +5950,10 @@
           <a:lstStyle/>
           <a:p>
             <a:pPr algn="ctr"/>
-            <a:endParaRPr lang="en-GB"/>
+            <a:r>
+              <a:rPr lang="en-GB" dirty="0"/>
+              <a:t>Purpose</a:t>
+            </a:r>
           </a:p>
         </p:txBody>
       </p:sp>
@@ -3260,7 +5971,7 @@
         </p:nvSpPr>
         <p:spPr>
           <a:xfrm rot="10800000">
-            <a:off x="5130916" y="5630073"/>
+            <a:off x="6403491" y="6114747"/>
             <a:ext cx="176149" cy="225406"/>
           </a:xfrm>
           <a:prstGeom prst="triangle">
@@ -3302,58 +6013,6 @@
       </p:sp>
       <p:sp>
         <p:nvSpPr>
-          <p:cNvPr id="7" name="Rectangle 6">
-            <a:extLst>
-              <a:ext uri="{FF2B5EF4-FFF2-40B4-BE49-F238E27FC236}">
-                <a16:creationId xmlns:a16="http://schemas.microsoft.com/office/drawing/2014/main" id="{70896136-20E3-4B39-A483-29B852B41795}"/>
-              </a:ext>
-            </a:extLst>
-          </p:cNvPr>
-          <p:cNvSpPr/>
-          <p:nvPr/>
-        </p:nvSpPr>
-        <p:spPr>
-          <a:xfrm>
-            <a:off x="5292080" y="5439218"/>
-            <a:ext cx="3851920" cy="1086126"/>
-          </a:xfrm>
-          <a:prstGeom prst="rect">
-            <a:avLst/>
-          </a:prstGeom>
-          <a:solidFill>
-            <a:srgbClr val="AECB98"/>
-          </a:solidFill>
-          <a:ln>
-            <a:noFill/>
-          </a:ln>
-        </p:spPr>
-        <p:style>
-          <a:lnRef idx="2">
-            <a:schemeClr val="accent3">
-              <a:shade val="50000"/>
-            </a:schemeClr>
-          </a:lnRef>
-          <a:fillRef idx="1">
-            <a:schemeClr val="accent3"/>
-          </a:fillRef>
-          <a:effectRef idx="0">
-            <a:schemeClr val="accent3"/>
-          </a:effectRef>
-          <a:fontRef idx="minor">
-            <a:schemeClr val="lt1"/>
-          </a:fontRef>
-        </p:style>
-        <p:txBody>
-          <a:bodyPr rtlCol="0" anchor="ctr"/>
-          <a:lstStyle/>
-          <a:p>
-            <a:pPr algn="ctr"/>
-            <a:endParaRPr lang="en-GB"/>
-          </a:p>
-        </p:txBody>
-      </p:sp>
-      <p:sp>
-        <p:nvSpPr>
           <p:cNvPr id="8" name="Rectangle 7">
             <a:extLst>
               <a:ext uri="{FF2B5EF4-FFF2-40B4-BE49-F238E27FC236}">
@@ -3366,8 +6025,8 @@
         </p:nvSpPr>
         <p:spPr>
           <a:xfrm>
-            <a:off x="5130916" y="5243676"/>
-            <a:ext cx="1457308" cy="386303"/>
+            <a:off x="6378356" y="5877272"/>
+            <a:ext cx="1457308" cy="227850"/>
           </a:xfrm>
           <a:prstGeom prst="rect">
             <a:avLst/>
@@ -3400,7 +6059,139 @@
           <a:lstStyle/>
           <a:p>
             <a:pPr algn="ctr"/>
-            <a:endParaRPr lang="en-GB"/>
+            <a:r>
+              <a:rPr lang="en-GB" dirty="0"/>
+              <a:t>References</a:t>
+            </a:r>
+          </a:p>
+        </p:txBody>
+      </p:sp>
+      <p:sp>
+        <p:nvSpPr>
+          <p:cNvPr id="7" name="Rectangle 6">
+            <a:extLst>
+              <a:ext uri="{FF2B5EF4-FFF2-40B4-BE49-F238E27FC236}">
+                <a16:creationId xmlns:a16="http://schemas.microsoft.com/office/drawing/2014/main" id="{70896136-20E3-4B39-A483-29B852B41795}"/>
+              </a:ext>
+            </a:extLst>
+          </p:cNvPr>
+          <p:cNvSpPr/>
+          <p:nvPr/>
+        </p:nvSpPr>
+        <p:spPr>
+          <a:xfrm>
+            <a:off x="6551712" y="6100494"/>
+            <a:ext cx="2592288" cy="298468"/>
+          </a:xfrm>
+          <a:prstGeom prst="rect">
+            <a:avLst/>
+          </a:prstGeom>
+          <a:solidFill>
+            <a:srgbClr val="AECB98"/>
+          </a:solidFill>
+          <a:ln>
+            <a:noFill/>
+          </a:ln>
+        </p:spPr>
+        <p:style>
+          <a:lnRef idx="2">
+            <a:schemeClr val="accent3">
+              <a:shade val="50000"/>
+            </a:schemeClr>
+          </a:lnRef>
+          <a:fillRef idx="1">
+            <a:schemeClr val="accent3"/>
+          </a:fillRef>
+          <a:effectRef idx="0">
+            <a:schemeClr val="accent3"/>
+          </a:effectRef>
+          <a:fontRef idx="minor">
+            <a:schemeClr val="lt1"/>
+          </a:fontRef>
+        </p:style>
+        <p:txBody>
+          <a:bodyPr rtlCol="0" anchor="b"/>
+          <a:lstStyle/>
+          <a:p>
+            <a:r>
+              <a:rPr lang="en-GB" sz="800" dirty="0">
+                <a:solidFill>
+                  <a:schemeClr val="tx1"/>
+                </a:solidFill>
+              </a:rPr>
+              <a:t>[1] M. J. Everitt et al. IEEE, ICTON, 10.1109</a:t>
+            </a:r>
+          </a:p>
+          <a:p>
+            <a:r>
+              <a:rPr lang="en-GB" sz="800" dirty="0">
+                <a:solidFill>
+                  <a:schemeClr val="tx1"/>
+                </a:solidFill>
+                <a:latin typeface="-apple-system"/>
+              </a:rPr>
+              <a:t>[2] Kumar et al. Arch </a:t>
+            </a:r>
+            <a:r>
+              <a:rPr lang="en-GB" sz="800" dirty="0" err="1">
+                <a:solidFill>
+                  <a:schemeClr val="tx1"/>
+                </a:solidFill>
+                <a:latin typeface="-apple-system"/>
+              </a:rPr>
+              <a:t>Computat</a:t>
+            </a:r>
+            <a:r>
+              <a:rPr lang="en-GB" sz="800" dirty="0">
+                <a:solidFill>
+                  <a:schemeClr val="tx1"/>
+                </a:solidFill>
+                <a:latin typeface="-apple-system"/>
+              </a:rPr>
+              <a:t> Methods </a:t>
+            </a:r>
+            <a:r>
+              <a:rPr lang="en-GB" sz="800" dirty="0" err="1">
+                <a:solidFill>
+                  <a:schemeClr val="tx1"/>
+                </a:solidFill>
+                <a:latin typeface="-apple-system"/>
+              </a:rPr>
+              <a:t>Eng</a:t>
+            </a:r>
+            <a:r>
+              <a:rPr lang="en-GB" sz="800" dirty="0">
+                <a:solidFill>
+                  <a:schemeClr val="tx1"/>
+                </a:solidFill>
+                <a:latin typeface="-apple-system"/>
+              </a:rPr>
+              <a:t>  </a:t>
+            </a:r>
+            <a:r>
+              <a:rPr lang="en-GB" sz="800" b="1" dirty="0">
+                <a:solidFill>
+                  <a:schemeClr val="tx1"/>
+                </a:solidFill>
+                <a:latin typeface="-apple-system"/>
+              </a:rPr>
+              <a:t>28, </a:t>
+            </a:r>
+            <a:r>
+              <a:rPr lang="en-GB" sz="800" dirty="0">
+                <a:solidFill>
+                  <a:schemeClr val="tx1"/>
+                </a:solidFill>
+                <a:latin typeface="-apple-system"/>
+              </a:rPr>
+              <a:t>10.1007</a:t>
+            </a:r>
+            <a:endParaRPr lang="en-GB" sz="800" dirty="0">
+              <a:solidFill>
+                <a:schemeClr val="tx1"/>
+              </a:solidFill>
+              <a:latin typeface="Alegreya Sans" panose="00000500000000000000" pitchFamily="2" charset="0"/>
+            </a:endParaRPr>
           </a:p>
         </p:txBody>
       </p:sp>
@@ -3418,8 +6209,8 @@
         </p:nvSpPr>
         <p:spPr>
           <a:xfrm>
-            <a:off x="-9275" y="5430"/>
-            <a:ext cx="7749626" cy="1086126"/>
+            <a:off x="-9275" y="0"/>
+            <a:ext cx="7677619" cy="841941"/>
           </a:xfrm>
           <a:prstGeom prst="rect">
             <a:avLst/>
@@ -3453,7 +6244,6 @@
           <a:bodyPr rtlCol="0" anchor="ctr"/>
           <a:lstStyle/>
           <a:p>
-            <a:pPr algn="ctr"/>
             <a:endParaRPr lang="en-GB" dirty="0"/>
           </a:p>
         </p:txBody>
@@ -3470,33 +6260,34 @@
         </p:nvSpPr>
         <p:spPr>
           <a:xfrm>
-            <a:off x="389571" y="44625"/>
-            <a:ext cx="7197490" cy="1041502"/>
+            <a:off x="-9275" y="-5229"/>
+            <a:ext cx="7821635" cy="841941"/>
           </a:xfrm>
         </p:spPr>
         <p:txBody>
-          <a:bodyPr/>
+          <a:bodyPr anchor="ctr"/>
           <a:lstStyle/>
           <a:p>
+            <a:pPr algn="ctr"/>
             <a:r>
-              <a:rPr lang="en-GB" sz="3000" dirty="0">
+              <a:rPr lang="en-GB" sz="2800" dirty="0">
                 <a:latin typeface="Alegreya Sans" panose="00000500000000000000" pitchFamily="2" charset="0"/>
                 <a:ea typeface="Malgun Gothic" panose="020B0503020000020004" pitchFamily="34" charset="-127"/>
               </a:rPr>
-              <a:t>EPSRC Centre for Doctoral Training for </a:t>
+              <a:t>EPSRC Centre for Doctoral Training in </a:t>
             </a:r>
             <a:br>
-              <a:rPr lang="en-GB" sz="3000" dirty="0">
+              <a:rPr lang="en-GB" sz="2800" dirty="0">
                 <a:latin typeface="Alegreya Sans" panose="00000500000000000000" pitchFamily="2" charset="0"/>
                 <a:ea typeface="Malgun Gothic" panose="020B0503020000020004" pitchFamily="34" charset="-127"/>
               </a:rPr>
             </a:br>
             <a:r>
-              <a:rPr lang="en-GB" sz="3000" dirty="0">
+              <a:rPr lang="en-GB" sz="2800" dirty="0">
                 <a:latin typeface="Alegreya Sans" panose="00000500000000000000" pitchFamily="2" charset="0"/>
                 <a:ea typeface="Malgun Gothic" panose="020B0503020000020004" pitchFamily="34" charset="-127"/>
               </a:rPr>
-              <a:t>Quantum Communication Systems</a:t>
+              <a:t>Quantum Communication Systems (QComSys)</a:t>
             </a:r>
           </a:p>
         </p:txBody>
@@ -3515,7 +6306,7 @@
         </p:nvSpPr>
         <p:spPr>
           <a:xfrm>
-            <a:off x="0" y="6453335"/>
+            <a:off x="0" y="6443710"/>
             <a:ext cx="9144000" cy="414290"/>
           </a:xfrm>
           <a:prstGeom prst="rect">
@@ -3565,13 +6356,13 @@
         </p:nvSpPr>
         <p:spPr>
           <a:xfrm>
-            <a:off x="1832165" y="6452655"/>
+            <a:off x="1832165" y="6453335"/>
             <a:ext cx="5479669" cy="531769"/>
           </a:xfrm>
         </p:spPr>
         <p:txBody>
           <a:bodyPr>
-            <a:normAutofit/>
+            <a:normAutofit fontScale="92500"/>
           </a:bodyPr>
           <a:lstStyle/>
           <a:p>
@@ -3610,25 +6401,7 @@
                 </a:solidFill>
                 <a:latin typeface="Alegreya Sans" panose="00000500000000000000" pitchFamily="2" charset="0"/>
               </a:rPr>
-              <a:t>Kata </a:t>
-            </a:r>
-            <a:r>
-              <a:rPr lang="en-GB" sz="2000" dirty="0" err="1">
-                <a:solidFill>
-                  <a:schemeClr val="bg1"/>
-                </a:solidFill>
-                <a:latin typeface="Alegreya Sans" panose="00000500000000000000" pitchFamily="2" charset="0"/>
-              </a:rPr>
-              <a:t>Benedek</a:t>
-            </a:r>
-            <a:r>
-              <a:rPr lang="en-GB" sz="2000" dirty="0">
-                <a:solidFill>
-                  <a:schemeClr val="bg1"/>
-                </a:solidFill>
-                <a:latin typeface="Alegreya Sans" panose="00000500000000000000" pitchFamily="2" charset="0"/>
-              </a:rPr>
-              <a:t>  </a:t>
+              <a:t>Kata Benedek  </a:t>
             </a:r>
             <a:r>
               <a:rPr lang="en-GB" sz="2000" b="1" dirty="0">
@@ -3649,22 +6422,13 @@
               <a:t>  </a:t>
             </a:r>
             <a:r>
-              <a:rPr lang="en-GB" sz="2000" dirty="0" err="1">
-                <a:solidFill>
-                  <a:schemeClr val="bg1"/>
-                </a:solidFill>
-                <a:latin typeface="Alegreya Sans" panose="00000500000000000000" pitchFamily="2" charset="0"/>
-              </a:rPr>
-              <a:t>Christoforos</a:t>
-            </a:r>
-            <a:r>
               <a:rPr lang="en-GB" sz="2000" dirty="0">
                 <a:solidFill>
                   <a:schemeClr val="bg1"/>
                 </a:solidFill>
                 <a:latin typeface="Alegreya Sans" panose="00000500000000000000" pitchFamily="2" charset="0"/>
               </a:rPr>
-              <a:t> Iakovou</a:t>
+              <a:t>Christoforos Iakovou</a:t>
             </a:r>
           </a:p>
           <a:p>
@@ -3686,8 +6450,8 @@
         </p:nvSpPr>
         <p:spPr>
           <a:xfrm>
-            <a:off x="389571" y="1291407"/>
-            <a:ext cx="5216668" cy="3816429"/>
+            <a:off x="-15489" y="1051458"/>
+            <a:ext cx="5862682" cy="1692771"/>
           </a:xfrm>
           <a:prstGeom prst="rect">
             <a:avLst/>
@@ -3700,18 +6464,6 @@
           </a:bodyPr>
           <a:lstStyle/>
           <a:p>
-            <a:r>
-              <a:rPr lang="en-GB" dirty="0">
-                <a:solidFill>
-                  <a:schemeClr val="bg1"/>
-                </a:solidFill>
-                <a:latin typeface="Alegreya Sans" panose="00000500000000000000" pitchFamily="2" charset="0"/>
-                <a:ea typeface="Malgun Gothic" panose="020B0503020000020004" pitchFamily="34" charset="-127"/>
-              </a:rPr>
-              <a:t>Purpose</a:t>
-            </a:r>
-          </a:p>
-          <a:p>
             <a:endParaRPr lang="en-GB" sz="800" dirty="0">
               <a:solidFill>
                 <a:schemeClr val="bg1"/>
@@ -3729,25 +6481,11 @@
               <a:buChar char="Ø"/>
             </a:pPr>
             <a:r>
-              <a:rPr lang="en-GB" dirty="0">
+              <a:rPr lang="en-GB" sz="1600" dirty="0">
                 <a:latin typeface="Alegreya Sans" panose="00000500000000000000" pitchFamily="2" charset="0"/>
                 <a:ea typeface="Malgun Gothic" panose="020B0503020000020004" pitchFamily="34" charset="-127"/>
               </a:rPr>
-              <a:t>Establish a </a:t>
-            </a:r>
-            <a:r>
-              <a:rPr lang="en-GB" dirty="0" err="1">
-                <a:latin typeface="Alegreya Sans" panose="00000500000000000000" pitchFamily="2" charset="0"/>
-                <a:ea typeface="Malgun Gothic" panose="020B0503020000020004" pitchFamily="34" charset="-127"/>
-              </a:rPr>
-              <a:t>QCom</a:t>
-            </a:r>
-            <a:r>
-              <a:rPr lang="en-GB" dirty="0">
-                <a:latin typeface="Alegreya Sans" panose="00000500000000000000" pitchFamily="2" charset="0"/>
-                <a:ea typeface="Malgun Gothic" panose="020B0503020000020004" pitchFamily="34" charset="-127"/>
-              </a:rPr>
-              <a:t> CDT research cluster for physicists, engineers, and commercial stakeholders </a:t>
+              <a:t>Establish a QComSys research cluster for physicists, engineers, and commercial stakeholders. </a:t>
             </a:r>
           </a:p>
           <a:p>
@@ -3759,11 +6497,11 @@
               <a:buChar char="Ø"/>
             </a:pPr>
             <a:r>
-              <a:rPr lang="en-GB" dirty="0">
+              <a:rPr lang="en-GB" sz="1600" dirty="0">
                 <a:latin typeface="Alegreya Sans" panose="00000500000000000000" pitchFamily="2" charset="0"/>
                 <a:ea typeface="Malgun Gothic" panose="020B0503020000020004" pitchFamily="34" charset="-127"/>
               </a:rPr>
-              <a:t>Focused on the accelerated development of quantum communication/encryption systems</a:t>
+              <a:t>Accelerate the development of communication and encryption systems for the quantum era.</a:t>
             </a:r>
           </a:p>
           <a:p>
@@ -3775,360 +6513,15 @@
               <a:buChar char="Ø"/>
             </a:pPr>
             <a:r>
-              <a:rPr lang="en-GB" dirty="0">
+              <a:rPr lang="en-GB" sz="1600" dirty="0">
                 <a:latin typeface="Alegreya Sans" panose="00000500000000000000" pitchFamily="2" charset="0"/>
                 <a:ea typeface="Malgun Gothic" panose="020B0503020000020004" pitchFamily="34" charset="-127"/>
               </a:rPr>
-              <a:t>Develop a skilled workforce with the capability to tackle new technologies as they evolve</a:t>
+              <a:t>Develop a highly skilled, interdisciplinary and in-demand workforce</a:t>
             </a:r>
-          </a:p>
-          <a:p>
-            <a:pPr marL="285750" indent="-285750">
-              <a:buClr>
-                <a:srgbClr val="5D9732"/>
-              </a:buClr>
-              <a:buFont typeface="Wingdings" panose="05000000000000000000" pitchFamily="2" charset="2"/>
-              <a:buChar char="Ø"/>
-            </a:pPr>
-            <a:r>
-              <a:rPr lang="en-GB" dirty="0">
-                <a:latin typeface="Alegreya Sans" panose="00000500000000000000" pitchFamily="2" charset="0"/>
-                <a:ea typeface="Malgun Gothic" panose="020B0503020000020004" pitchFamily="34" charset="-127"/>
-              </a:rPr>
-              <a:t>Why? </a:t>
-            </a:r>
-          </a:p>
-          <a:p>
-            <a:pPr marL="742950" lvl="1" indent="-285750">
-              <a:buClr>
-                <a:srgbClr val="5D9732"/>
-              </a:buClr>
-              <a:buFont typeface="Wingdings" panose="05000000000000000000" pitchFamily="2" charset="2"/>
-              <a:buChar char="Ø"/>
-            </a:pPr>
-            <a:r>
-              <a:rPr lang="en-GB" dirty="0">
-                <a:latin typeface="Alegreya Sans" panose="00000500000000000000" pitchFamily="2" charset="0"/>
-                <a:ea typeface="Malgun Gothic" panose="020B0503020000020004" pitchFamily="34" charset="-127"/>
-              </a:rPr>
-              <a:t>Improve communication systems for the quantum era</a:t>
-            </a:r>
-          </a:p>
-          <a:p>
-            <a:pPr marL="742950" lvl="1" indent="-285750">
-              <a:buClr>
-                <a:srgbClr val="5D9732"/>
-              </a:buClr>
-              <a:buFont typeface="Wingdings" panose="05000000000000000000" pitchFamily="2" charset="2"/>
-              <a:buChar char="Ø"/>
-            </a:pPr>
-            <a:r>
-              <a:rPr lang="en-GB" dirty="0">
-                <a:latin typeface="Alegreya Sans" panose="00000500000000000000" pitchFamily="2" charset="0"/>
-                <a:ea typeface="Malgun Gothic" panose="020B0503020000020004" pitchFamily="34" charset="-127"/>
-              </a:rPr>
-              <a:t>Protect against next-gen quantum cyber attacks</a:t>
-            </a:r>
-          </a:p>
-          <a:p>
-            <a:pPr marL="742950" lvl="1" indent="-285750">
-              <a:buClr>
-                <a:srgbClr val="5D9732"/>
-              </a:buClr>
-              <a:buFont typeface="Wingdings" panose="05000000000000000000" pitchFamily="2" charset="2"/>
-              <a:buChar char="Ø"/>
-            </a:pPr>
-            <a:endParaRPr lang="en-GB" dirty="0">
-              <a:latin typeface="Alegreya Sans" panose="00000500000000000000" pitchFamily="2" charset="0"/>
-              <a:ea typeface="Malgun Gothic" panose="020B0503020000020004" pitchFamily="34" charset="-127"/>
-            </a:endParaRPr>
-          </a:p>
-          <a:p>
-            <a:pPr marL="285750" indent="-285750">
-              <a:buClr>
-                <a:srgbClr val="5D9732"/>
-              </a:buClr>
-              <a:buFont typeface="Wingdings" panose="05000000000000000000" pitchFamily="2" charset="2"/>
-              <a:buChar char="Ø"/>
-            </a:pPr>
-            <a:endParaRPr lang="en-GB" dirty="0">
-              <a:latin typeface="Alegreya Sans" panose="00000500000000000000" pitchFamily="2" charset="0"/>
-              <a:ea typeface="Malgun Gothic" panose="020B0503020000020004" pitchFamily="34" charset="-127"/>
-            </a:endParaRPr>
           </a:p>
         </p:txBody>
       </p:sp>
-      <p:sp>
-        <p:nvSpPr>
-          <p:cNvPr id="6" name="TextBox 5">
-            <a:extLst>
-              <a:ext uri="{FF2B5EF4-FFF2-40B4-BE49-F238E27FC236}">
-                <a16:creationId xmlns:a16="http://schemas.microsoft.com/office/drawing/2014/main" id="{C4FDFD66-A286-4499-A014-73C41B0C8D65}"/>
-              </a:ext>
-            </a:extLst>
-          </p:cNvPr>
-          <p:cNvSpPr txBox="1"/>
-          <p:nvPr/>
-        </p:nvSpPr>
-        <p:spPr>
-          <a:xfrm>
-            <a:off x="5251294" y="5229200"/>
-            <a:ext cx="1216551" cy="369332"/>
-          </a:xfrm>
-          <a:prstGeom prst="rect">
-            <a:avLst/>
-          </a:prstGeom>
-          <a:noFill/>
-        </p:spPr>
-        <p:txBody>
-          <a:bodyPr wrap="none" rtlCol="0">
-            <a:spAutoFit/>
-          </a:bodyPr>
-          <a:lstStyle/>
-          <a:p>
-            <a:r>
-              <a:rPr lang="en-GB" dirty="0">
-                <a:solidFill>
-                  <a:schemeClr val="bg1"/>
-                </a:solidFill>
-                <a:latin typeface="Alegreya Sans" panose="00000500000000000000" pitchFamily="2" charset="0"/>
-              </a:rPr>
-              <a:t>References</a:t>
-            </a:r>
-          </a:p>
-        </p:txBody>
-      </p:sp>
-      <p:sp>
-        <p:nvSpPr>
-          <p:cNvPr id="12" name="Rectangle 11">
-            <a:extLst>
-              <a:ext uri="{FF2B5EF4-FFF2-40B4-BE49-F238E27FC236}">
-                <a16:creationId xmlns:a16="http://schemas.microsoft.com/office/drawing/2014/main" id="{3D59B741-DD94-48D2-9600-7957F55620F9}"/>
-              </a:ext>
-            </a:extLst>
-          </p:cNvPr>
-          <p:cNvSpPr/>
-          <p:nvPr/>
-        </p:nvSpPr>
-        <p:spPr>
-          <a:xfrm>
-            <a:off x="5868144" y="1700808"/>
-            <a:ext cx="3275856" cy="3312368"/>
-          </a:xfrm>
-          <a:prstGeom prst="rect">
-            <a:avLst/>
-          </a:prstGeom>
-          <a:solidFill>
-            <a:srgbClr val="AECB98"/>
-          </a:solidFill>
-          <a:ln>
-            <a:noFill/>
-          </a:ln>
-        </p:spPr>
-        <p:style>
-          <a:lnRef idx="2">
-            <a:schemeClr val="accent1">
-              <a:shade val="50000"/>
-            </a:schemeClr>
-          </a:lnRef>
-          <a:fillRef idx="1">
-            <a:schemeClr val="accent1"/>
-          </a:fillRef>
-          <a:effectRef idx="0">
-            <a:schemeClr val="accent1"/>
-          </a:effectRef>
-          <a:fontRef idx="minor">
-            <a:schemeClr val="lt1"/>
-          </a:fontRef>
-        </p:style>
-        <p:txBody>
-          <a:bodyPr rtlCol="0" anchor="ctr"/>
-          <a:lstStyle/>
-          <a:p>
-            <a:pPr algn="ctr"/>
-            <a:endParaRPr lang="en-GB"/>
-          </a:p>
-        </p:txBody>
-      </p:sp>
-      <p:sp>
-        <p:nvSpPr>
-          <p:cNvPr id="15" name="Rectangle 14">
-            <a:extLst>
-              <a:ext uri="{FF2B5EF4-FFF2-40B4-BE49-F238E27FC236}">
-                <a16:creationId xmlns:a16="http://schemas.microsoft.com/office/drawing/2014/main" id="{554D538D-943D-4371-B28E-2242732FC48B}"/>
-              </a:ext>
-            </a:extLst>
-          </p:cNvPr>
-          <p:cNvSpPr>
-            <a:spLocks noChangeAspect="1"/>
-          </p:cNvSpPr>
-          <p:nvPr/>
-        </p:nvSpPr>
-        <p:spPr>
-          <a:xfrm>
-            <a:off x="6804248" y="3590449"/>
-            <a:ext cx="2240000" cy="1260000"/>
-          </a:xfrm>
-          <a:prstGeom prst="rect">
-            <a:avLst/>
-          </a:prstGeom>
-          <a:ln>
-            <a:noFill/>
-          </a:ln>
-        </p:spPr>
-        <p:style>
-          <a:lnRef idx="2">
-            <a:schemeClr val="accent1">
-              <a:shade val="50000"/>
-            </a:schemeClr>
-          </a:lnRef>
-          <a:fillRef idx="1">
-            <a:schemeClr val="accent1"/>
-          </a:fillRef>
-          <a:effectRef idx="0">
-            <a:schemeClr val="accent1"/>
-          </a:effectRef>
-          <a:fontRef idx="minor">
-            <a:schemeClr val="lt1"/>
-          </a:fontRef>
-        </p:style>
-        <p:txBody>
-          <a:bodyPr rtlCol="0" anchor="ctr"/>
-          <a:lstStyle/>
-          <a:p>
-            <a:pPr algn="ctr"/>
-            <a:endParaRPr lang="en-GB"/>
-          </a:p>
-        </p:txBody>
-      </p:sp>
-      <p:grpSp>
-        <p:nvGrpSpPr>
-          <p:cNvPr id="21" name="Group 20">
-            <a:extLst>
-              <a:ext uri="{FF2B5EF4-FFF2-40B4-BE49-F238E27FC236}">
-                <a16:creationId xmlns:a16="http://schemas.microsoft.com/office/drawing/2014/main" id="{8F3962F2-6D23-4155-9D5F-C54647D3DAC7}"/>
-              </a:ext>
-            </a:extLst>
-          </p:cNvPr>
-          <p:cNvGrpSpPr/>
-          <p:nvPr/>
-        </p:nvGrpSpPr>
-        <p:grpSpPr>
-          <a:xfrm>
-            <a:off x="9547625" y="3538511"/>
-            <a:ext cx="2123728" cy="414290"/>
-            <a:chOff x="4975626" y="6426205"/>
-            <a:chExt cx="2123728" cy="414290"/>
-          </a:xfrm>
-        </p:grpSpPr>
-        <p:sp>
-          <p:nvSpPr>
-            <p:cNvPr id="19" name="Rectangle 18">
-              <a:extLst>
-                <a:ext uri="{FF2B5EF4-FFF2-40B4-BE49-F238E27FC236}">
-                  <a16:creationId xmlns:a16="http://schemas.microsoft.com/office/drawing/2014/main" id="{0173FDF6-1385-4EB6-AFDE-86A228B554A0}"/>
-                </a:ext>
-              </a:extLst>
-            </p:cNvPr>
-            <p:cNvSpPr/>
-            <p:nvPr/>
-          </p:nvSpPr>
-          <p:spPr>
-            <a:xfrm>
-              <a:off x="4975626" y="6426205"/>
-              <a:ext cx="2123728" cy="414290"/>
-            </a:xfrm>
-            <a:prstGeom prst="rect">
-              <a:avLst/>
-            </a:prstGeom>
-            <a:solidFill>
-              <a:srgbClr val="5D9732"/>
-            </a:solidFill>
-            <a:ln>
-              <a:noFill/>
-            </a:ln>
-          </p:spPr>
-          <p:style>
-            <a:lnRef idx="2">
-              <a:schemeClr val="accent1">
-                <a:shade val="50000"/>
-              </a:schemeClr>
-            </a:lnRef>
-            <a:fillRef idx="1">
-              <a:schemeClr val="accent1"/>
-            </a:fillRef>
-            <a:effectRef idx="0">
-              <a:schemeClr val="accent1"/>
-            </a:effectRef>
-            <a:fontRef idx="minor">
-              <a:schemeClr val="lt1"/>
-            </a:fontRef>
-          </p:style>
-          <p:txBody>
-            <a:bodyPr rtlCol="0" anchor="ctr"/>
-            <a:lstStyle/>
-            <a:p>
-              <a:pPr algn="ctr"/>
-              <a:endParaRPr lang="en-GB"/>
-            </a:p>
-          </p:txBody>
-        </p:sp>
-        <p:sp>
-          <p:nvSpPr>
-            <p:cNvPr id="17" name="Title 1">
-              <a:extLst>
-                <a:ext uri="{FF2B5EF4-FFF2-40B4-BE49-F238E27FC236}">
-                  <a16:creationId xmlns:a16="http://schemas.microsoft.com/office/drawing/2014/main" id="{141C8304-4C60-414C-9B1C-32FEA91FCD0A}"/>
-                </a:ext>
-              </a:extLst>
-            </p:cNvPr>
-            <p:cNvSpPr txBox="1">
-              <a:spLocks/>
-            </p:cNvSpPr>
-            <p:nvPr/>
-          </p:nvSpPr>
-          <p:spPr>
-            <a:xfrm>
-              <a:off x="5112569" y="6426205"/>
-              <a:ext cx="1724880" cy="414290"/>
-            </a:xfrm>
-            <a:prstGeom prst="rect">
-              <a:avLst/>
-            </a:prstGeom>
-          </p:spPr>
-          <p:txBody>
-            <a:bodyPr/>
-            <a:lstStyle>
-              <a:lvl1pPr algn="l" defTabSz="914400" rtl="0" eaLnBrk="1" latinLnBrk="0" hangingPunct="1">
-                <a:spcBef>
-                  <a:spcPct val="0"/>
-                </a:spcBef>
-                <a:buNone/>
-                <a:defRPr sz="4000" kern="1200">
-                  <a:solidFill>
-                    <a:schemeClr val="tx1"/>
-                  </a:solidFill>
-                  <a:latin typeface="Arial" pitchFamily="34" charset="0"/>
-                  <a:ea typeface="+mj-ea"/>
-                  <a:cs typeface="Arial" pitchFamily="34" charset="0"/>
-                </a:defRPr>
-              </a:lvl1pPr>
-            </a:lstStyle>
-            <a:p>
-              <a:r>
-                <a:rPr lang="en-GB" sz="1800" dirty="0">
-                  <a:solidFill>
-                    <a:schemeClr val="bg1"/>
-                  </a:solidFill>
-                  <a:latin typeface="Alegreya Sans" panose="00000500000000000000" pitchFamily="2" charset="0"/>
-                  <a:ea typeface="Malgun Gothic" panose="020B0503020000020004" pitchFamily="34" charset="-127"/>
-                </a:rPr>
-                <a:t>Industry Partners</a:t>
-              </a:r>
-            </a:p>
-          </p:txBody>
-        </p:sp>
-      </p:grpSp>
       <p:sp>
         <p:nvSpPr>
           <p:cNvPr id="23" name="Rectangle 22">
@@ -4143,8 +6536,8 @@
         </p:nvSpPr>
         <p:spPr>
           <a:xfrm>
-            <a:off x="-9275" y="5057924"/>
-            <a:ext cx="2133003" cy="414290"/>
+            <a:off x="16678" y="5003863"/>
+            <a:ext cx="1841440" cy="283687"/>
           </a:xfrm>
           <a:prstGeom prst="rect">
             <a:avLst/>
@@ -4177,7 +6570,10 @@
           <a:lstStyle/>
           <a:p>
             <a:pPr algn="ctr"/>
-            <a:endParaRPr lang="en-GB"/>
+            <a:r>
+              <a:rPr lang="en-GB" dirty="0"/>
+              <a:t>Research Themes</a:t>
+            </a:r>
           </a:p>
         </p:txBody>
       </p:sp>
@@ -4195,8 +6591,8 @@
         </p:nvSpPr>
         <p:spPr>
           <a:xfrm>
-            <a:off x="385087" y="5079955"/>
-            <a:ext cx="4013084" cy="1877437"/>
+            <a:off x="-15489" y="5139189"/>
+            <a:ext cx="3222204" cy="954107"/>
           </a:xfrm>
           <a:prstGeom prst="rect">
             <a:avLst/>
@@ -4209,18 +6605,6 @@
           </a:bodyPr>
           <a:lstStyle/>
           <a:p>
-            <a:r>
-              <a:rPr lang="en-GB" dirty="0">
-                <a:solidFill>
-                  <a:schemeClr val="bg1"/>
-                </a:solidFill>
-                <a:latin typeface="Alegreya Sans" panose="00000500000000000000" pitchFamily="2" charset="0"/>
-                <a:ea typeface="Malgun Gothic" panose="020B0503020000020004" pitchFamily="34" charset="-127"/>
-              </a:rPr>
-              <a:t>Research Topics</a:t>
-            </a:r>
-          </a:p>
-          <a:p>
             <a:endParaRPr lang="en-GB" sz="800" dirty="0">
               <a:solidFill>
                 <a:schemeClr val="bg1"/>
@@ -4228,6 +6612,103 @@
               <a:latin typeface="Alegreya Sans" panose="00000500000000000000" pitchFamily="2" charset="0"/>
               <a:ea typeface="Malgun Gothic" panose="020B0503020000020004" pitchFamily="34" charset="-127"/>
             </a:endParaRPr>
+          </a:p>
+          <a:p>
+            <a:pPr marL="285750" indent="-285750">
+              <a:buClr>
+                <a:srgbClr val="5D9732"/>
+              </a:buClr>
+              <a:buFont typeface="Wingdings" panose="05000000000000000000" pitchFamily="2" charset="2"/>
+              <a:buChar char="Ø"/>
+            </a:pPr>
+            <a:r>
+              <a:rPr lang="en-GB" sz="1600" dirty="0">
+                <a:latin typeface="Alegreya Sans" panose="00000500000000000000" pitchFamily="2" charset="0"/>
+                <a:ea typeface="Malgun Gothic" panose="020B0503020000020004" pitchFamily="34" charset="-127"/>
+              </a:rPr>
+              <a:t>Quantum Communication</a:t>
+            </a:r>
+          </a:p>
+          <a:p>
+            <a:pPr marL="285750" indent="-285750">
+              <a:buClr>
+                <a:srgbClr val="5D9732"/>
+              </a:buClr>
+              <a:buFont typeface="Wingdings" panose="05000000000000000000" pitchFamily="2" charset="2"/>
+              <a:buChar char="Ø"/>
+            </a:pPr>
+            <a:r>
+              <a:rPr lang="en-GB" sz="1600" dirty="0">
+                <a:latin typeface="Alegreya Sans" panose="00000500000000000000" pitchFamily="2" charset="0"/>
+                <a:ea typeface="Malgun Gothic" panose="020B0503020000020004" pitchFamily="34" charset="-127"/>
+              </a:rPr>
+              <a:t>Quantum-Resistant Cryptography</a:t>
+            </a:r>
+          </a:p>
+          <a:p>
+            <a:pPr marL="285750" indent="-285750">
+              <a:buClr>
+                <a:srgbClr val="5D9732"/>
+              </a:buClr>
+              <a:buFont typeface="Wingdings" panose="05000000000000000000" pitchFamily="2" charset="2"/>
+              <a:buChar char="Ø"/>
+            </a:pPr>
+            <a:r>
+              <a:rPr lang="en-GB" sz="1600" dirty="0">
+                <a:latin typeface="Alegreya Sans" panose="00000500000000000000" pitchFamily="2" charset="0"/>
+                <a:ea typeface="Malgun Gothic" panose="020B0503020000020004" pitchFamily="34" charset="-127"/>
+              </a:rPr>
+              <a:t>Quantum Internet</a:t>
+            </a:r>
+          </a:p>
+        </p:txBody>
+      </p:sp>
+      <p:sp>
+        <p:nvSpPr>
+          <p:cNvPr id="22" name="TextBox 21">
+            <a:extLst>
+              <a:ext uri="{FF2B5EF4-FFF2-40B4-BE49-F238E27FC236}">
+                <a16:creationId xmlns:a16="http://schemas.microsoft.com/office/drawing/2014/main" id="{D0D03A76-B17C-834B-AF46-49BCF3ADB88C}"/>
+              </a:ext>
+            </a:extLst>
+          </p:cNvPr>
+          <p:cNvSpPr txBox="1"/>
+          <p:nvPr/>
+        </p:nvSpPr>
+        <p:spPr>
+          <a:xfrm>
+            <a:off x="-3329" y="3135159"/>
+            <a:ext cx="5838362" cy="1661993"/>
+          </a:xfrm>
+          <a:prstGeom prst="rect">
+            <a:avLst/>
+          </a:prstGeom>
+          <a:noFill/>
+        </p:spPr>
+        <p:txBody>
+          <a:bodyPr wrap="square" rtlCol="0">
+            <a:spAutoFit/>
+          </a:bodyPr>
+          <a:lstStyle/>
+          <a:p>
+            <a:pPr marL="285750" indent="-285750">
+              <a:buClr>
+                <a:srgbClr val="5D9732"/>
+              </a:buClr>
+              <a:buFont typeface="Wingdings" panose="05000000000000000000" pitchFamily="2" charset="2"/>
+              <a:buChar char="Ø"/>
+            </a:pPr>
+            <a:r>
+              <a:rPr lang="en-GB" sz="1600" dirty="0">
+                <a:latin typeface="Alegreya Sans" panose="00000500000000000000" pitchFamily="2" charset="0"/>
+                <a:ea typeface="Malgun Gothic" panose="020B0503020000020004" pitchFamily="34" charset="-127"/>
+              </a:rPr>
+              <a:t>Aligned with the Nation’s £ 150 million investment portfolio in  </a:t>
+            </a:r>
+            <a:r>
+              <a:rPr lang="en-GB" dirty="0"/>
+              <a:t>novel quantum technologies</a:t>
+            </a:r>
           </a:p>
           <a:p>
             <a:pPr marL="285750" indent="-285750">
@@ -4242,8 +6723,9 @@
                 <a:latin typeface="Alegreya Sans" panose="00000500000000000000" pitchFamily="2" charset="0"/>
                 <a:ea typeface="Malgun Gothic" panose="020B0503020000020004" pitchFamily="34" charset="-127"/>
               </a:rPr>
-              <a:t>Quantum Communication</a:t>
+              <a:t>Maintain UK’s leading position in academia and further expand its industrial impact</a:t>
             </a:r>
+            <a:endParaRPr lang="en-GB" dirty="0"/>
           </a:p>
           <a:p>
             <a:pPr marL="285750" indent="-285750">
@@ -4254,196 +6736,100 @@
               <a:buChar char="Ø"/>
             </a:pPr>
             <a:r>
-              <a:rPr lang="en-GB" dirty="0">
+              <a:rPr lang="en-GB" sz="1600" dirty="0">
                 <a:latin typeface="Alegreya Sans" panose="00000500000000000000" pitchFamily="2" charset="0"/>
                 <a:ea typeface="Malgun Gothic" panose="020B0503020000020004" pitchFamily="34" charset="-127"/>
               </a:rPr>
-              <a:t>Quantum-Resistant Cryptography</a:t>
+              <a:t>Quantum cryptography and communication may radically transform business, society and government</a:t>
             </a:r>
-          </a:p>
-          <a:p>
-            <a:pPr marL="285750" indent="-285750">
-              <a:buClr>
-                <a:srgbClr val="5D9732"/>
-              </a:buClr>
-              <a:buFont typeface="Wingdings" panose="05000000000000000000" pitchFamily="2" charset="2"/>
-              <a:buChar char="Ø"/>
-            </a:pPr>
-            <a:r>
-              <a:rPr lang="en-GB" dirty="0">
-                <a:latin typeface="Alegreya Sans" panose="00000500000000000000" pitchFamily="2" charset="0"/>
-                <a:ea typeface="Malgun Gothic" panose="020B0503020000020004" pitchFamily="34" charset="-127"/>
-              </a:rPr>
-              <a:t>Quantum Internet</a:t>
-            </a:r>
-          </a:p>
-          <a:p>
-            <a:pPr marL="285750" indent="-285750">
-              <a:buClr>
-                <a:srgbClr val="5D9732"/>
-              </a:buClr>
-              <a:buFont typeface="Wingdings" panose="05000000000000000000" pitchFamily="2" charset="2"/>
-              <a:buChar char="Ø"/>
-            </a:pPr>
-            <a:endParaRPr lang="en-GB" dirty="0">
-              <a:latin typeface="Alegreya Sans" panose="00000500000000000000" pitchFamily="2" charset="0"/>
-              <a:ea typeface="Malgun Gothic" panose="020B0503020000020004" pitchFamily="34" charset="-127"/>
-            </a:endParaRPr>
-          </a:p>
-          <a:p>
-            <a:pPr marL="285750" indent="-285750">
-              <a:buClr>
-                <a:srgbClr val="5D9732"/>
-              </a:buClr>
-              <a:buFont typeface="Wingdings" panose="05000000000000000000" pitchFamily="2" charset="2"/>
-              <a:buChar char="Ø"/>
-            </a:pPr>
-            <a:endParaRPr lang="en-GB" dirty="0">
-              <a:latin typeface="Alegreya Sans" panose="00000500000000000000" pitchFamily="2" charset="0"/>
-              <a:ea typeface="Malgun Gothic" panose="020B0503020000020004" pitchFamily="34" charset="-127"/>
-            </a:endParaRPr>
           </a:p>
         </p:txBody>
       </p:sp>
       <p:sp>
         <p:nvSpPr>
-          <p:cNvPr id="28" name="TextBox 27">
+          <p:cNvPr id="27" name="Rectangle 26">
             <a:extLst>
               <a:ext uri="{FF2B5EF4-FFF2-40B4-BE49-F238E27FC236}">
-                <a16:creationId xmlns:a16="http://schemas.microsoft.com/office/drawing/2014/main" id="{262728C5-2625-4BC0-A9FB-7503E91BEFCA}"/>
+                <a16:creationId xmlns:a16="http://schemas.microsoft.com/office/drawing/2014/main" id="{1443F1B8-A83B-8749-9A06-3E5767940F7D}"/>
               </a:ext>
             </a:extLst>
           </p:cNvPr>
-          <p:cNvSpPr txBox="1"/>
+          <p:cNvSpPr/>
           <p:nvPr/>
         </p:nvSpPr>
         <p:spPr>
           <a:xfrm>
-            <a:off x="5292080" y="5648902"/>
-            <a:ext cx="3752168" cy="954107"/>
+            <a:off x="14891" y="2854768"/>
+            <a:ext cx="1124891" cy="288032"/>
           </a:xfrm>
           <a:prstGeom prst="rect">
             <a:avLst/>
           </a:prstGeom>
-          <a:noFill/>
+          <a:solidFill>
+            <a:srgbClr val="5D9732"/>
+          </a:solidFill>
+          <a:ln>
+            <a:noFill/>
+          </a:ln>
         </p:spPr>
+        <p:style>
+          <a:lnRef idx="2">
+            <a:schemeClr val="accent1">
+              <a:shade val="50000"/>
+            </a:schemeClr>
+          </a:lnRef>
+          <a:fillRef idx="1">
+            <a:schemeClr val="accent1"/>
+          </a:fillRef>
+          <a:effectRef idx="0">
+            <a:schemeClr val="accent1"/>
+          </a:effectRef>
+          <a:fontRef idx="minor">
+            <a:schemeClr val="lt1"/>
+          </a:fontRef>
+        </p:style>
         <p:txBody>
-          <a:bodyPr wrap="square" rtlCol="0">
-            <a:spAutoFit/>
-          </a:bodyPr>
+          <a:bodyPr rtlCol="0" anchor="ctr"/>
           <a:lstStyle/>
           <a:p>
-            <a:pPr marL="171450" indent="-171450">
-              <a:buFont typeface="Wingdings" panose="05000000000000000000" pitchFamily="2" charset="2"/>
-              <a:buChar char="Ø"/>
-            </a:pPr>
+            <a:pPr algn="ctr"/>
             <a:r>
-              <a:rPr lang="en-GB" sz="800" dirty="0">
-                <a:latin typeface="Alegreya Sans" panose="00000500000000000000" pitchFamily="2" charset="0"/>
-              </a:rPr>
-              <a:t>Everitt, Mark &amp; Henshaw, Michael &amp; Dwyer, V.M.. (2016). “Quantum Systems Engineering: A structured approach to accelerating the development of a quantum technology industry”. 1-4. 10.1109/ICTON.2016.7550613. </a:t>
+              <a:rPr lang="en-GB" dirty="0"/>
+              <a:t>Why ?</a:t>
             </a:r>
-          </a:p>
-          <a:p>
-            <a:pPr marL="171450" indent="-171450">
-              <a:buFont typeface="Wingdings" panose="05000000000000000000" pitchFamily="2" charset="2"/>
-              <a:buChar char="Ø"/>
-            </a:pPr>
-            <a:r>
-              <a:rPr lang="en-GB" sz="800" b="0" i="0" dirty="0">
-                <a:solidFill>
-                  <a:srgbClr val="333333"/>
-                </a:solidFill>
-                <a:effectLst/>
-                <a:latin typeface="-apple-system"/>
-              </a:rPr>
-              <a:t>Kumar, A., Garhwal, S. State-of-the-Art Survey of Quantum Cryptography. </a:t>
-            </a:r>
-            <a:r>
-              <a:rPr lang="en-GB" sz="800" b="0" i="1" dirty="0">
-                <a:solidFill>
-                  <a:srgbClr val="333333"/>
-                </a:solidFill>
-                <a:effectLst/>
-                <a:latin typeface="-apple-system"/>
-              </a:rPr>
-              <a:t>Arch </a:t>
-            </a:r>
-            <a:r>
-              <a:rPr lang="en-GB" sz="800" b="0" i="1" dirty="0" err="1">
-                <a:solidFill>
-                  <a:srgbClr val="333333"/>
-                </a:solidFill>
-                <a:effectLst/>
-                <a:latin typeface="-apple-system"/>
-              </a:rPr>
-              <a:t>Computat</a:t>
-            </a:r>
-            <a:r>
-              <a:rPr lang="en-GB" sz="800" b="0" i="1" dirty="0">
-                <a:solidFill>
-                  <a:srgbClr val="333333"/>
-                </a:solidFill>
-                <a:effectLst/>
-                <a:latin typeface="-apple-system"/>
-              </a:rPr>
-              <a:t> Methods </a:t>
-            </a:r>
-            <a:r>
-              <a:rPr lang="en-GB" sz="800" b="0" i="1" dirty="0" err="1">
-                <a:solidFill>
-                  <a:srgbClr val="333333"/>
-                </a:solidFill>
-                <a:effectLst/>
-                <a:latin typeface="-apple-system"/>
-              </a:rPr>
-              <a:t>Eng</a:t>
-            </a:r>
-            <a:r>
-              <a:rPr lang="en-GB" sz="800" b="0" i="0" dirty="0">
-                <a:solidFill>
-                  <a:srgbClr val="333333"/>
-                </a:solidFill>
-                <a:effectLst/>
-                <a:latin typeface="-apple-system"/>
-              </a:rPr>
-              <a:t> </a:t>
-            </a:r>
-            <a:r>
-              <a:rPr lang="en-GB" sz="800" b="1" i="0" dirty="0">
-                <a:solidFill>
-                  <a:srgbClr val="333333"/>
-                </a:solidFill>
-                <a:effectLst/>
-                <a:latin typeface="-apple-system"/>
-              </a:rPr>
-              <a:t>28, </a:t>
-            </a:r>
-            <a:r>
-              <a:rPr lang="en-GB" sz="800" b="0" i="0" dirty="0">
-                <a:solidFill>
-                  <a:srgbClr val="333333"/>
-                </a:solidFill>
-                <a:effectLst/>
-                <a:latin typeface="-apple-system"/>
-              </a:rPr>
-              <a:t>3831–3868 (2021). https://doi.org/10.1007/s11831-021-09561-2</a:t>
-            </a:r>
-            <a:endParaRPr lang="en-GB" sz="800" dirty="0">
-              <a:latin typeface="Alegreya Sans" panose="00000500000000000000" pitchFamily="2" charset="0"/>
-            </a:endParaRPr>
-          </a:p>
-          <a:p>
-            <a:pPr marL="171450" indent="-171450">
-              <a:buFont typeface="Wingdings" panose="05000000000000000000" pitchFamily="2" charset="2"/>
-              <a:buChar char="Ø"/>
-            </a:pPr>
-            <a:endParaRPr lang="en-GB" sz="800" dirty="0">
-              <a:latin typeface="Alegreya Sans" panose="00000500000000000000" pitchFamily="2" charset="0"/>
-            </a:endParaRPr>
           </a:p>
         </p:txBody>
       </p:sp>
+      <p:graphicFrame>
+        <p:nvGraphicFramePr>
+          <p:cNvPr id="29" name="Diagram 28">
+            <a:extLst>
+              <a:ext uri="{FF2B5EF4-FFF2-40B4-BE49-F238E27FC236}">
+                <a16:creationId xmlns:a16="http://schemas.microsoft.com/office/drawing/2014/main" id="{A5B8C1FA-65D0-3C41-A7B7-A14B36720181}"/>
+              </a:ext>
+            </a:extLst>
+          </p:cNvPr>
+          <p:cNvGraphicFramePr>
+            <a:graphicFrameLocks noChangeAspect="1"/>
+          </p:cNvGraphicFramePr>
+          <p:nvPr>
+            <p:extLst>
+              <p:ext uri="{D42A27DB-BD31-4B8C-83A1-F6EECF244321}">
+                <p14:modId xmlns:p14="http://schemas.microsoft.com/office/powerpoint/2010/main" val="2287788468"/>
+              </p:ext>
+            </p:extLst>
+          </p:nvPr>
+        </p:nvGraphicFramePr>
+        <p:xfrm>
+          <a:off x="5681460" y="1809920"/>
+          <a:ext cx="3303255" cy="3238160"/>
+        </p:xfrm>
+        <a:graphic>
+          <a:graphicData uri="http://schemas.openxmlformats.org/drawingml/2006/diagram">
+            <dgm:relIds xmlns:dgm="http://schemas.openxmlformats.org/drawingml/2006/diagram" xmlns:r="http://schemas.openxmlformats.org/officeDocument/2006/relationships" r:dm="rId3" r:lo="rId4" r:qs="rId5" r:cs="rId6"/>
+          </a:graphicData>
+        </a:graphic>
+      </p:graphicFrame>
     </p:spTree>
     <p:extLst>
       <p:ext uri="{BB962C8B-B14F-4D97-AF65-F5344CB8AC3E}">

--- a/One_Slide_Talk.pptx
+++ b/One_Slide_Talk.pptx
@@ -921,7 +921,9 @@
         <a:lstStyle/>
         <a:p>
           <a:r>
-            <a:rPr lang="en-GB" sz="2000" dirty="0"/>
+            <a:rPr lang="en-GB" sz="2000" dirty="0">
+              <a:latin typeface="Alegreya Sans" panose="00000500000000000000" pitchFamily="2" charset="0"/>
+            </a:rPr>
             <a:t>Innovation</a:t>
           </a:r>
         </a:p>
@@ -952,6 +954,13 @@
     <dgm:pt modelId="{D5DD2FFE-4CD6-9C46-B86D-A123CB03726C}">
       <dgm:prSet phldrT="[Text]" custT="1"/>
       <dgm:spPr/>
+      <dgm:t>
+        <a:bodyPr/>
+        <a:lstStyle/>
+        <a:p>
+          <a:endParaRPr lang="en-GB"/>
+        </a:p>
+      </dgm:t>
     </dgm:pt>
     <dgm:pt modelId="{60F43011-A7F7-DC47-A832-985EB37246DD}" type="parTrans" cxnId="{62A601EB-04C7-834D-97BB-68D33D931268}">
       <dgm:prSet/>
@@ -978,6 +987,13 @@
     <dgm:pt modelId="{0C3C002F-67F7-964C-80FE-A7A1D02595DA}">
       <dgm:prSet/>
       <dgm:spPr/>
+      <dgm:t>
+        <a:bodyPr/>
+        <a:lstStyle/>
+        <a:p>
+          <a:endParaRPr lang="en-GB" dirty="0"/>
+        </a:p>
+      </dgm:t>
     </dgm:pt>
     <dgm:pt modelId="{7BF11A76-3D42-CA47-A029-D2B3F09796E9}" type="parTrans" cxnId="{370DE058-D5CD-9C4C-85D2-D960E1F63B12}">
       <dgm:prSet/>
@@ -1009,8 +1025,10 @@
         <a:lstStyle/>
         <a:p>
           <a:r>
-            <a:rPr lang="en-GB" sz="1000" dirty="0"/>
-            <a:t>Theory</a:t>
+            <a:rPr lang="en-GB" sz="1000" dirty="0">
+              <a:latin typeface="Alegreya Sans" panose="00000500000000000000" pitchFamily="2" charset="0"/>
+            </a:rPr>
+            <a:t>Experiment </a:t>
           </a:r>
         </a:p>
       </dgm:t>
@@ -1045,7 +1063,9 @@
         <a:lstStyle/>
         <a:p>
           <a:r>
-            <a:rPr lang="en-GB" sz="1000" dirty="0"/>
+            <a:rPr lang="en-GB" sz="1000" dirty="0">
+              <a:latin typeface="Alegreya Sans" panose="00000500000000000000" pitchFamily="2" charset="0"/>
+            </a:rPr>
             <a:t>Industry</a:t>
           </a:r>
         </a:p>
@@ -1080,9 +1100,12 @@
         <a:bodyPr/>
         <a:lstStyle/>
         <a:p>
+          <a:pPr algn="ctr"/>
           <a:r>
-            <a:rPr lang="en-GB" sz="1000" dirty="0"/>
-            <a:t>Experiment</a:t>
+            <a:rPr lang="en-GB" sz="1000" dirty="0">
+              <a:latin typeface="Alegreya Sans" panose="00000500000000000000" pitchFamily="2" charset="0"/>
+            </a:rPr>
+            <a:t>Theory</a:t>
           </a:r>
         </a:p>
       </dgm:t>
@@ -1117,7 +1140,9 @@
         <a:lstStyle/>
         <a:p>
           <a:r>
-            <a:rPr lang="en-GB" sz="1000" dirty="0"/>
+            <a:rPr lang="en-GB" sz="1000" dirty="0">
+              <a:latin typeface="Alegreya Sans" panose="00000500000000000000" pitchFamily="2" charset="0"/>
+            </a:rPr>
             <a:t>Engineering</a:t>
           </a:r>
         </a:p>
@@ -1202,10 +1227,10 @@
   </dgm:ptLst>
   <dgm:cxnLst>
     <dgm:cxn modelId="{0E62FF0C-B0BE-4748-A4F0-98BF8CA534C4}" srcId="{B72A5CE7-5E47-414C-BFD6-B8CC16E6BA74}" destId="{1F29164C-1989-224E-A34C-DF0C5476CA47}" srcOrd="1" destOrd="0" parTransId="{8E9D200D-9C7F-D144-8068-47F2833D9C85}" sibTransId="{6AC5FF75-AEC8-9244-855E-E301CCD36DD4}"/>
+    <dgm:cxn modelId="{26523367-3DD0-8241-8BEB-03D0414466A2}" srcId="{B72A5CE7-5E47-414C-BFD6-B8CC16E6BA74}" destId="{B2EB7CA6-8A21-4A4E-97B1-925D8A5D7332}" srcOrd="0" destOrd="0" parTransId="{176F9D73-3C7C-1744-8081-05F2CC735DC8}" sibTransId="{043E5AD2-CC59-D444-97E8-52CBF1A5FB96}"/>
     <dgm:cxn modelId="{CDB7BE4B-AC3A-1C4B-863E-64D35C4D0948}" type="presOf" srcId="{4E91740D-B570-2A44-B0C1-5C528B15711E}" destId="{20DFBC33-0A39-3846-8CBF-CD6B59D965F2}" srcOrd="0" destOrd="0" presId="urn:microsoft.com/office/officeart/2005/8/layout/radial3"/>
     <dgm:cxn modelId="{8C63CD57-433C-4846-9328-370359DD9F76}" type="presOf" srcId="{0EE257F4-BD99-0D4B-A942-BA1A96EBFD97}" destId="{474F8C82-6048-1F41-A8E3-3C9963428B1A}" srcOrd="0" destOrd="0" presId="urn:microsoft.com/office/officeart/2005/8/layout/radial3"/>
     <dgm:cxn modelId="{370DE058-D5CD-9C4C-85D2-D960E1F63B12}" srcId="{92F416D5-B90A-E243-99EC-73AB80EA8DE5}" destId="{0C3C002F-67F7-964C-80FE-A7A1D02595DA}" srcOrd="2" destOrd="0" parTransId="{7BF11A76-3D42-CA47-A029-D2B3F09796E9}" sibTransId="{96430974-976D-5540-8D64-88A1F9257B40}"/>
-    <dgm:cxn modelId="{26523367-3DD0-8241-8BEB-03D0414466A2}" srcId="{B72A5CE7-5E47-414C-BFD6-B8CC16E6BA74}" destId="{B2EB7CA6-8A21-4A4E-97B1-925D8A5D7332}" srcOrd="0" destOrd="0" parTransId="{176F9D73-3C7C-1744-8081-05F2CC735DC8}" sibTransId="{043E5AD2-CC59-D444-97E8-52CBF1A5FB96}"/>
     <dgm:cxn modelId="{1427707D-2047-324F-A9E7-2D35C12C25DD}" srcId="{B72A5CE7-5E47-414C-BFD6-B8CC16E6BA74}" destId="{4E91740D-B570-2A44-B0C1-5C528B15711E}" srcOrd="3" destOrd="0" parTransId="{778B2102-006F-FD4D-8915-1F2BBF4ABDEF}" sibTransId="{276245A8-D661-8E43-90F9-DAF5A454C1F6}"/>
     <dgm:cxn modelId="{15854499-5723-7D41-A665-32144E1AA525}" type="presOf" srcId="{B2EB7CA6-8A21-4A4E-97B1-925D8A5D7332}" destId="{3453EDD7-9DB7-9F48-89F6-5E63EFD8EB5A}" srcOrd="0" destOrd="0" presId="urn:microsoft.com/office/officeart/2005/8/layout/radial3"/>
     <dgm:cxn modelId="{C63CBCB4-1E3C-1348-B3DB-E37CAFBFEA95}" type="presOf" srcId="{B72A5CE7-5E47-414C-BFD6-B8CC16E6BA74}" destId="{B036DA55-DD15-824A-9D1C-F915F31B4B8F}" srcOrd="0" destOrd="0" presId="urn:microsoft.com/office/officeart/2005/8/layout/radial3"/>
@@ -1309,7 +1334,9 @@
             <a:buNone/>
           </a:pPr>
           <a:r>
-            <a:rPr lang="en-GB" sz="2000" kern="1200" dirty="0"/>
+            <a:rPr lang="en-GB" sz="2000" kern="1200" dirty="0">
+              <a:latin typeface="Alegreya Sans" panose="00000500000000000000" pitchFamily="2" charset="0"/>
+            </a:rPr>
             <a:t>Innovation</a:t>
           </a:r>
         </a:p>
@@ -1387,8 +1414,10 @@
             <a:buNone/>
           </a:pPr>
           <a:r>
-            <a:rPr lang="en-GB" sz="1000" kern="1200" dirty="0"/>
-            <a:t>Theory</a:t>
+            <a:rPr lang="en-GB" sz="1000" kern="1200" dirty="0">
+              <a:latin typeface="Alegreya Sans" panose="00000500000000000000" pitchFamily="2" charset="0"/>
+            </a:rPr>
+            <a:t>Experiment </a:t>
           </a:r>
         </a:p>
       </dsp:txBody>
@@ -1465,7 +1494,9 @@
             <a:buNone/>
           </a:pPr>
           <a:r>
-            <a:rPr lang="en-GB" sz="1000" kern="1200" dirty="0"/>
+            <a:rPr lang="en-GB" sz="1000" kern="1200" dirty="0">
+              <a:latin typeface="Alegreya Sans" panose="00000500000000000000" pitchFamily="2" charset="0"/>
+            </a:rPr>
             <a:t>Industry</a:t>
           </a:r>
         </a:p>
@@ -1543,7 +1574,9 @@
             <a:buNone/>
           </a:pPr>
           <a:r>
-            <a:rPr lang="en-GB" sz="1000" kern="1200" dirty="0"/>
+            <a:rPr lang="en-GB" sz="1000" kern="1200" dirty="0">
+              <a:latin typeface="Alegreya Sans" panose="00000500000000000000" pitchFamily="2" charset="0"/>
+            </a:rPr>
             <a:t>Engineering</a:t>
           </a:r>
         </a:p>
@@ -1621,8 +1654,10 @@
             <a:buNone/>
           </a:pPr>
           <a:r>
-            <a:rPr lang="en-GB" sz="1000" kern="1200" dirty="0"/>
-            <a:t>Experiment</a:t>
+            <a:rPr lang="en-GB" sz="1000" kern="1200" dirty="0">
+              <a:latin typeface="Alegreya Sans" panose="00000500000000000000" pitchFamily="2" charset="0"/>
+            </a:rPr>
+            <a:t>Theory</a:t>
           </a:r>
         </a:p>
       </dsp:txBody>
@@ -5904,299 +5939,6 @@
       </p:grpSpPr>
       <p:sp>
         <p:nvSpPr>
-          <p:cNvPr id="14" name="Rectangle 13">
-            <a:extLst>
-              <a:ext uri="{FF2B5EF4-FFF2-40B4-BE49-F238E27FC236}">
-                <a16:creationId xmlns:a16="http://schemas.microsoft.com/office/drawing/2014/main" id="{3555594B-7BBD-4F00-8310-2C6043604CE0}"/>
-              </a:ext>
-            </a:extLst>
-          </p:cNvPr>
-          <p:cNvSpPr/>
-          <p:nvPr/>
-        </p:nvSpPr>
-        <p:spPr>
-          <a:xfrm>
-            <a:off x="-9275" y="908720"/>
-            <a:ext cx="1124891" cy="288032"/>
-          </a:xfrm>
-          <a:prstGeom prst="rect">
-            <a:avLst/>
-          </a:prstGeom>
-          <a:solidFill>
-            <a:srgbClr val="5D9732"/>
-          </a:solidFill>
-          <a:ln>
-            <a:noFill/>
-          </a:ln>
-        </p:spPr>
-        <p:style>
-          <a:lnRef idx="2">
-            <a:schemeClr val="accent1">
-              <a:shade val="50000"/>
-            </a:schemeClr>
-          </a:lnRef>
-          <a:fillRef idx="1">
-            <a:schemeClr val="accent1"/>
-          </a:fillRef>
-          <a:effectRef idx="0">
-            <a:schemeClr val="accent1"/>
-          </a:effectRef>
-          <a:fontRef idx="minor">
-            <a:schemeClr val="lt1"/>
-          </a:fontRef>
-        </p:style>
-        <p:txBody>
-          <a:bodyPr rtlCol="0" anchor="ctr"/>
-          <a:lstStyle/>
-          <a:p>
-            <a:pPr algn="ctr"/>
-            <a:r>
-              <a:rPr lang="en-GB" dirty="0"/>
-              <a:t>Purpose</a:t>
-            </a:r>
-          </a:p>
-        </p:txBody>
-      </p:sp>
-      <p:sp>
-        <p:nvSpPr>
-          <p:cNvPr id="10" name="Isosceles Triangle 9">
-            <a:extLst>
-              <a:ext uri="{FF2B5EF4-FFF2-40B4-BE49-F238E27FC236}">
-                <a16:creationId xmlns:a16="http://schemas.microsoft.com/office/drawing/2014/main" id="{640A5933-342F-4B7D-8532-76289DBEB059}"/>
-              </a:ext>
-            </a:extLst>
-          </p:cNvPr>
-          <p:cNvSpPr/>
-          <p:nvPr/>
-        </p:nvSpPr>
-        <p:spPr>
-          <a:xfrm rot="10800000">
-            <a:off x="6403491" y="6114747"/>
-            <a:ext cx="176149" cy="225406"/>
-          </a:xfrm>
-          <a:prstGeom prst="triangle">
-            <a:avLst>
-              <a:gd name="adj" fmla="val 0"/>
-            </a:avLst>
-          </a:prstGeom>
-          <a:solidFill>
-            <a:srgbClr val="2D4818"/>
-          </a:solidFill>
-          <a:ln>
-            <a:noFill/>
-          </a:ln>
-        </p:spPr>
-        <p:style>
-          <a:lnRef idx="2">
-            <a:schemeClr val="accent1">
-              <a:shade val="50000"/>
-            </a:schemeClr>
-          </a:lnRef>
-          <a:fillRef idx="1">
-            <a:schemeClr val="accent1"/>
-          </a:fillRef>
-          <a:effectRef idx="0">
-            <a:schemeClr val="accent1"/>
-          </a:effectRef>
-          <a:fontRef idx="minor">
-            <a:schemeClr val="lt1"/>
-          </a:fontRef>
-        </p:style>
-        <p:txBody>
-          <a:bodyPr rtlCol="0" anchor="ctr"/>
-          <a:lstStyle/>
-          <a:p>
-            <a:pPr algn="ctr"/>
-            <a:endParaRPr lang="en-GB"/>
-          </a:p>
-        </p:txBody>
-      </p:sp>
-      <p:sp>
-        <p:nvSpPr>
-          <p:cNvPr id="8" name="Rectangle 7">
-            <a:extLst>
-              <a:ext uri="{FF2B5EF4-FFF2-40B4-BE49-F238E27FC236}">
-                <a16:creationId xmlns:a16="http://schemas.microsoft.com/office/drawing/2014/main" id="{E20BEDCC-2542-4D38-BB32-91880C3E3C09}"/>
-              </a:ext>
-            </a:extLst>
-          </p:cNvPr>
-          <p:cNvSpPr/>
-          <p:nvPr/>
-        </p:nvSpPr>
-        <p:spPr>
-          <a:xfrm>
-            <a:off x="6378356" y="5877272"/>
-            <a:ext cx="1457308" cy="227850"/>
-          </a:xfrm>
-          <a:prstGeom prst="rect">
-            <a:avLst/>
-          </a:prstGeom>
-          <a:solidFill>
-            <a:srgbClr val="5D9732"/>
-          </a:solidFill>
-          <a:ln>
-            <a:noFill/>
-          </a:ln>
-        </p:spPr>
-        <p:style>
-          <a:lnRef idx="2">
-            <a:schemeClr val="accent1">
-              <a:shade val="50000"/>
-            </a:schemeClr>
-          </a:lnRef>
-          <a:fillRef idx="1">
-            <a:schemeClr val="accent1"/>
-          </a:fillRef>
-          <a:effectRef idx="0">
-            <a:schemeClr val="accent1"/>
-          </a:effectRef>
-          <a:fontRef idx="minor">
-            <a:schemeClr val="lt1"/>
-          </a:fontRef>
-        </p:style>
-        <p:txBody>
-          <a:bodyPr rtlCol="0" anchor="ctr"/>
-          <a:lstStyle/>
-          <a:p>
-            <a:pPr algn="ctr"/>
-            <a:r>
-              <a:rPr lang="en-GB" dirty="0"/>
-              <a:t>References</a:t>
-            </a:r>
-          </a:p>
-        </p:txBody>
-      </p:sp>
-      <p:sp>
-        <p:nvSpPr>
-          <p:cNvPr id="7" name="Rectangle 6">
-            <a:extLst>
-              <a:ext uri="{FF2B5EF4-FFF2-40B4-BE49-F238E27FC236}">
-                <a16:creationId xmlns:a16="http://schemas.microsoft.com/office/drawing/2014/main" id="{70896136-20E3-4B39-A483-29B852B41795}"/>
-              </a:ext>
-            </a:extLst>
-          </p:cNvPr>
-          <p:cNvSpPr/>
-          <p:nvPr/>
-        </p:nvSpPr>
-        <p:spPr>
-          <a:xfrm>
-            <a:off x="6551712" y="6100494"/>
-            <a:ext cx="2592288" cy="298468"/>
-          </a:xfrm>
-          <a:prstGeom prst="rect">
-            <a:avLst/>
-          </a:prstGeom>
-          <a:solidFill>
-            <a:srgbClr val="AECB98"/>
-          </a:solidFill>
-          <a:ln>
-            <a:noFill/>
-          </a:ln>
-        </p:spPr>
-        <p:style>
-          <a:lnRef idx="2">
-            <a:schemeClr val="accent3">
-              <a:shade val="50000"/>
-            </a:schemeClr>
-          </a:lnRef>
-          <a:fillRef idx="1">
-            <a:schemeClr val="accent3"/>
-          </a:fillRef>
-          <a:effectRef idx="0">
-            <a:schemeClr val="accent3"/>
-          </a:effectRef>
-          <a:fontRef idx="minor">
-            <a:schemeClr val="lt1"/>
-          </a:fontRef>
-        </p:style>
-        <p:txBody>
-          <a:bodyPr rtlCol="0" anchor="b"/>
-          <a:lstStyle/>
-          <a:p>
-            <a:r>
-              <a:rPr lang="en-GB" sz="800" dirty="0">
-                <a:solidFill>
-                  <a:schemeClr val="tx1"/>
-                </a:solidFill>
-              </a:rPr>
-              <a:t>[1] M. J. Everitt et al. IEEE, ICTON, 10.1109</a:t>
-            </a:r>
-          </a:p>
-          <a:p>
-            <a:r>
-              <a:rPr lang="en-GB" sz="800" dirty="0">
-                <a:solidFill>
-                  <a:schemeClr val="tx1"/>
-                </a:solidFill>
-                <a:latin typeface="-apple-system"/>
-              </a:rPr>
-              <a:t>[2] Kumar et al. Arch </a:t>
-            </a:r>
-            <a:r>
-              <a:rPr lang="en-GB" sz="800" dirty="0" err="1">
-                <a:solidFill>
-                  <a:schemeClr val="tx1"/>
-                </a:solidFill>
-                <a:latin typeface="-apple-system"/>
-              </a:rPr>
-              <a:t>Computat</a:t>
-            </a:r>
-            <a:r>
-              <a:rPr lang="en-GB" sz="800" dirty="0">
-                <a:solidFill>
-                  <a:schemeClr val="tx1"/>
-                </a:solidFill>
-                <a:latin typeface="-apple-system"/>
-              </a:rPr>
-              <a:t> Methods </a:t>
-            </a:r>
-            <a:r>
-              <a:rPr lang="en-GB" sz="800" dirty="0" err="1">
-                <a:solidFill>
-                  <a:schemeClr val="tx1"/>
-                </a:solidFill>
-                <a:latin typeface="-apple-system"/>
-              </a:rPr>
-              <a:t>Eng</a:t>
-            </a:r>
-            <a:r>
-              <a:rPr lang="en-GB" sz="800" dirty="0">
-                <a:solidFill>
-                  <a:schemeClr val="tx1"/>
-                </a:solidFill>
-                <a:latin typeface="-apple-system"/>
-              </a:rPr>
-              <a:t>  </a:t>
-            </a:r>
-            <a:r>
-              <a:rPr lang="en-GB" sz="800" b="1" dirty="0">
-                <a:solidFill>
-                  <a:schemeClr val="tx1"/>
-                </a:solidFill>
-                <a:latin typeface="-apple-system"/>
-              </a:rPr>
-              <a:t>28, </a:t>
-            </a:r>
-            <a:r>
-              <a:rPr lang="en-GB" sz="800" dirty="0">
-                <a:solidFill>
-                  <a:schemeClr val="tx1"/>
-                </a:solidFill>
-                <a:latin typeface="-apple-system"/>
-              </a:rPr>
-              <a:t>10.1007</a:t>
-            </a:r>
-            <a:endParaRPr lang="en-GB" sz="800" dirty="0">
-              <a:solidFill>
-                <a:schemeClr val="tx1"/>
-              </a:solidFill>
-              <a:latin typeface="Alegreya Sans" panose="00000500000000000000" pitchFamily="2" charset="0"/>
-            </a:endParaRPr>
-          </a:p>
-        </p:txBody>
-      </p:sp>
-      <p:sp>
-        <p:nvSpPr>
           <p:cNvPr id="9" name="Rectangle 8">
             <a:extLst>
               <a:ext uri="{FF2B5EF4-FFF2-40B4-BE49-F238E27FC236}">
@@ -6209,8 +5951,8 @@
         </p:nvSpPr>
         <p:spPr>
           <a:xfrm>
-            <a:off x="-9275" y="0"/>
-            <a:ext cx="7677619" cy="841941"/>
+            <a:off x="0" y="0"/>
+            <a:ext cx="7668344" cy="1041833"/>
           </a:xfrm>
           <a:prstGeom prst="rect">
             <a:avLst/>
@@ -6250,6 +5992,322 @@
       </p:sp>
       <p:sp>
         <p:nvSpPr>
+          <p:cNvPr id="14" name="Rectangle 13">
+            <a:extLst>
+              <a:ext uri="{FF2B5EF4-FFF2-40B4-BE49-F238E27FC236}">
+                <a16:creationId xmlns:a16="http://schemas.microsoft.com/office/drawing/2014/main" id="{3555594B-7BBD-4F00-8310-2C6043604CE0}"/>
+              </a:ext>
+            </a:extLst>
+          </p:cNvPr>
+          <p:cNvSpPr/>
+          <p:nvPr/>
+        </p:nvSpPr>
+        <p:spPr>
+          <a:xfrm>
+            <a:off x="0" y="1196752"/>
+            <a:ext cx="1118945" cy="288032"/>
+          </a:xfrm>
+          <a:prstGeom prst="rect">
+            <a:avLst/>
+          </a:prstGeom>
+          <a:solidFill>
+            <a:srgbClr val="5D9732"/>
+          </a:solidFill>
+          <a:ln>
+            <a:noFill/>
+          </a:ln>
+        </p:spPr>
+        <p:style>
+          <a:lnRef idx="2">
+            <a:schemeClr val="accent1">
+              <a:shade val="50000"/>
+            </a:schemeClr>
+          </a:lnRef>
+          <a:fillRef idx="1">
+            <a:schemeClr val="accent1"/>
+          </a:fillRef>
+          <a:effectRef idx="0">
+            <a:schemeClr val="accent1"/>
+          </a:effectRef>
+          <a:fontRef idx="minor">
+            <a:schemeClr val="lt1"/>
+          </a:fontRef>
+        </p:style>
+        <p:txBody>
+          <a:bodyPr rtlCol="0" anchor="ctr"/>
+          <a:lstStyle/>
+          <a:p>
+            <a:pPr algn="ctr"/>
+            <a:r>
+              <a:rPr lang="en-GB" dirty="0">
+                <a:latin typeface="Alegreya Sans" panose="00000500000000000000" pitchFamily="2" charset="0"/>
+              </a:rPr>
+              <a:t>Purpose</a:t>
+            </a:r>
+          </a:p>
+        </p:txBody>
+      </p:sp>
+      <p:grpSp>
+        <p:nvGrpSpPr>
+          <p:cNvPr id="6" name="Group 5">
+            <a:extLst>
+              <a:ext uri="{FF2B5EF4-FFF2-40B4-BE49-F238E27FC236}">
+                <a16:creationId xmlns:a16="http://schemas.microsoft.com/office/drawing/2014/main" id="{331D63DE-DC49-4C95-8565-FC0CDAE36F48}"/>
+              </a:ext>
+            </a:extLst>
+          </p:cNvPr>
+          <p:cNvGrpSpPr/>
+          <p:nvPr/>
+        </p:nvGrpSpPr>
+        <p:grpSpPr>
+          <a:xfrm>
+            <a:off x="6444208" y="5783064"/>
+            <a:ext cx="2699792" cy="526256"/>
+            <a:chOff x="6444208" y="5872706"/>
+            <a:chExt cx="2699792" cy="526256"/>
+          </a:xfrm>
+        </p:grpSpPr>
+        <p:sp>
+          <p:nvSpPr>
+            <p:cNvPr id="10" name="Isosceles Triangle 9">
+              <a:extLst>
+                <a:ext uri="{FF2B5EF4-FFF2-40B4-BE49-F238E27FC236}">
+                  <a16:creationId xmlns:a16="http://schemas.microsoft.com/office/drawing/2014/main" id="{640A5933-342F-4B7D-8532-76289DBEB059}"/>
+                </a:ext>
+              </a:extLst>
+            </p:cNvPr>
+            <p:cNvSpPr/>
+            <p:nvPr/>
+          </p:nvSpPr>
+          <p:spPr>
+            <a:xfrm rot="10800000">
+              <a:off x="6444208" y="6100494"/>
+              <a:ext cx="176149" cy="181566"/>
+            </a:xfrm>
+            <a:prstGeom prst="triangle">
+              <a:avLst>
+                <a:gd name="adj" fmla="val 0"/>
+              </a:avLst>
+            </a:prstGeom>
+            <a:solidFill>
+              <a:srgbClr val="2D4818"/>
+            </a:solidFill>
+            <a:ln>
+              <a:noFill/>
+            </a:ln>
+          </p:spPr>
+          <p:style>
+            <a:lnRef idx="2">
+              <a:schemeClr val="accent1">
+                <a:shade val="50000"/>
+              </a:schemeClr>
+            </a:lnRef>
+            <a:fillRef idx="1">
+              <a:schemeClr val="accent1"/>
+            </a:fillRef>
+            <a:effectRef idx="0">
+              <a:schemeClr val="accent1"/>
+            </a:effectRef>
+            <a:fontRef idx="minor">
+              <a:schemeClr val="lt1"/>
+            </a:fontRef>
+          </p:style>
+          <p:txBody>
+            <a:bodyPr rtlCol="0" anchor="ctr"/>
+            <a:lstStyle/>
+            <a:p>
+              <a:pPr algn="ctr"/>
+              <a:endParaRPr lang="en-GB"/>
+            </a:p>
+          </p:txBody>
+        </p:sp>
+        <p:sp>
+          <p:nvSpPr>
+            <p:cNvPr id="8" name="Rectangle 7">
+              <a:extLst>
+                <a:ext uri="{FF2B5EF4-FFF2-40B4-BE49-F238E27FC236}">
+                  <a16:creationId xmlns:a16="http://schemas.microsoft.com/office/drawing/2014/main" id="{E20BEDCC-2542-4D38-BB32-91880C3E3C09}"/>
+                </a:ext>
+              </a:extLst>
+            </p:cNvPr>
+            <p:cNvSpPr/>
+            <p:nvPr/>
+          </p:nvSpPr>
+          <p:spPr>
+            <a:xfrm>
+              <a:off x="6444208" y="5872706"/>
+              <a:ext cx="1457308" cy="227850"/>
+            </a:xfrm>
+            <a:prstGeom prst="rect">
+              <a:avLst/>
+            </a:prstGeom>
+            <a:solidFill>
+              <a:srgbClr val="5D9732"/>
+            </a:solidFill>
+            <a:ln>
+              <a:noFill/>
+            </a:ln>
+          </p:spPr>
+          <p:style>
+            <a:lnRef idx="2">
+              <a:schemeClr val="accent1">
+                <a:shade val="50000"/>
+              </a:schemeClr>
+            </a:lnRef>
+            <a:fillRef idx="1">
+              <a:schemeClr val="accent1"/>
+            </a:fillRef>
+            <a:effectRef idx="0">
+              <a:schemeClr val="accent1"/>
+            </a:effectRef>
+            <a:fontRef idx="minor">
+              <a:schemeClr val="lt1"/>
+            </a:fontRef>
+          </p:style>
+          <p:txBody>
+            <a:bodyPr rtlCol="0" anchor="ctr"/>
+            <a:lstStyle/>
+            <a:p>
+              <a:pPr algn="ctr"/>
+              <a:r>
+                <a:rPr lang="en-GB" dirty="0"/>
+                <a:t>References</a:t>
+              </a:r>
+            </a:p>
+          </p:txBody>
+        </p:sp>
+        <p:sp>
+          <p:nvSpPr>
+            <p:cNvPr id="7" name="Rectangle 6">
+              <a:extLst>
+                <a:ext uri="{FF2B5EF4-FFF2-40B4-BE49-F238E27FC236}">
+                  <a16:creationId xmlns:a16="http://schemas.microsoft.com/office/drawing/2014/main" id="{70896136-20E3-4B39-A483-29B852B41795}"/>
+                </a:ext>
+              </a:extLst>
+            </p:cNvPr>
+            <p:cNvSpPr/>
+            <p:nvPr/>
+          </p:nvSpPr>
+          <p:spPr>
+            <a:xfrm>
+              <a:off x="6551712" y="6100494"/>
+              <a:ext cx="2592288" cy="298468"/>
+            </a:xfrm>
+            <a:prstGeom prst="rect">
+              <a:avLst/>
+            </a:prstGeom>
+            <a:solidFill>
+              <a:srgbClr val="AECB98"/>
+            </a:solidFill>
+            <a:ln>
+              <a:noFill/>
+            </a:ln>
+          </p:spPr>
+          <p:style>
+            <a:lnRef idx="2">
+              <a:schemeClr val="accent3">
+                <a:shade val="50000"/>
+              </a:schemeClr>
+            </a:lnRef>
+            <a:fillRef idx="1">
+              <a:schemeClr val="accent3"/>
+            </a:fillRef>
+            <a:effectRef idx="0">
+              <a:schemeClr val="accent3"/>
+            </a:effectRef>
+            <a:fontRef idx="minor">
+              <a:schemeClr val="lt1"/>
+            </a:fontRef>
+          </p:style>
+          <p:txBody>
+            <a:bodyPr rtlCol="0" anchor="b"/>
+            <a:lstStyle/>
+            <a:p>
+              <a:r>
+                <a:rPr lang="en-GB" sz="800" dirty="0">
+                  <a:solidFill>
+                    <a:schemeClr val="tx1"/>
+                  </a:solidFill>
+                </a:rPr>
+                <a:t>[1] M. J. Everitt et al. IEEE, ICTON, 10.1109</a:t>
+              </a:r>
+            </a:p>
+            <a:p>
+              <a:r>
+                <a:rPr lang="en-GB" sz="800" dirty="0">
+                  <a:solidFill>
+                    <a:schemeClr val="tx1"/>
+                  </a:solidFill>
+                  <a:latin typeface="-apple-system"/>
+                </a:rPr>
+                <a:t>[2] Kumar et al. Arch </a:t>
+              </a:r>
+              <a:r>
+                <a:rPr lang="en-GB" sz="800" dirty="0" err="1">
+                  <a:solidFill>
+                    <a:schemeClr val="tx1"/>
+                  </a:solidFill>
+                  <a:latin typeface="-apple-system"/>
+                </a:rPr>
+                <a:t>Computat</a:t>
+              </a:r>
+              <a:r>
+                <a:rPr lang="en-GB" sz="800" dirty="0">
+                  <a:solidFill>
+                    <a:schemeClr val="tx1"/>
+                  </a:solidFill>
+                  <a:latin typeface="-apple-system"/>
+                </a:rPr>
+                <a:t> Methods </a:t>
+              </a:r>
+              <a:r>
+                <a:rPr lang="en-GB" sz="800" dirty="0" err="1">
+                  <a:solidFill>
+                    <a:schemeClr val="tx1"/>
+                  </a:solidFill>
+                  <a:latin typeface="-apple-system"/>
+                </a:rPr>
+                <a:t>Eng</a:t>
+              </a:r>
+              <a:r>
+                <a:rPr lang="en-GB" sz="800" dirty="0">
+                  <a:solidFill>
+                    <a:schemeClr val="tx1"/>
+                  </a:solidFill>
+                  <a:latin typeface="-apple-system"/>
+                </a:rPr>
+                <a:t>  </a:t>
+              </a:r>
+              <a:r>
+                <a:rPr lang="en-GB" sz="800" b="1" dirty="0">
+                  <a:solidFill>
+                    <a:schemeClr val="tx1"/>
+                  </a:solidFill>
+                  <a:latin typeface="-apple-system"/>
+                </a:rPr>
+                <a:t>28, </a:t>
+              </a:r>
+              <a:r>
+                <a:rPr lang="en-GB" sz="800" dirty="0">
+                  <a:solidFill>
+                    <a:schemeClr val="tx1"/>
+                  </a:solidFill>
+                  <a:latin typeface="-apple-system"/>
+                </a:rPr>
+                <a:t>10.1007</a:t>
+              </a:r>
+              <a:endParaRPr lang="en-GB" sz="800" dirty="0">
+                <a:solidFill>
+                  <a:schemeClr val="tx1"/>
+                </a:solidFill>
+                <a:latin typeface="Alegreya Sans" panose="00000500000000000000" pitchFamily="2" charset="0"/>
+              </a:endParaRPr>
+            </a:p>
+          </p:txBody>
+        </p:sp>
+      </p:grpSp>
+      <p:sp>
+        <p:nvSpPr>
           <p:cNvPr id="2" name="Title 1"/>
           <p:cNvSpPr>
             <a:spLocks noGrp="1"/>
@@ -6261,7 +6319,7 @@
         <p:spPr>
           <a:xfrm>
             <a:off x="-9275" y="-5229"/>
-            <a:ext cx="7821635" cy="841941"/>
+            <a:ext cx="7821635" cy="1056687"/>
           </a:xfrm>
         </p:spPr>
         <p:txBody>
@@ -6362,7 +6420,7 @@
         </p:spPr>
         <p:txBody>
           <a:bodyPr>
-            <a:normAutofit fontScale="92500"/>
+            <a:normAutofit/>
           </a:bodyPr>
           <a:lstStyle/>
           <a:p>
@@ -6450,8 +6508,8 @@
         </p:nvSpPr>
         <p:spPr>
           <a:xfrm>
-            <a:off x="-15489" y="1051458"/>
-            <a:ext cx="5862682" cy="1692771"/>
+            <a:off x="0" y="1486800"/>
+            <a:ext cx="5684789" cy="1569660"/>
           </a:xfrm>
           <a:prstGeom prst="rect">
             <a:avLst/>
@@ -6463,15 +6521,6 @@
             <a:spAutoFit/>
           </a:bodyPr>
           <a:lstStyle/>
-          <a:p>
-            <a:endParaRPr lang="en-GB" sz="800" dirty="0">
-              <a:solidFill>
-                <a:schemeClr val="bg1"/>
-              </a:solidFill>
-              <a:latin typeface="Alegreya Sans" panose="00000500000000000000" pitchFamily="2" charset="0"/>
-              <a:ea typeface="Malgun Gothic" panose="020B0503020000020004" pitchFamily="34" charset="-127"/>
-            </a:endParaRPr>
-          </a:p>
           <a:p>
             <a:pPr marL="285750" indent="-285750">
               <a:buClr>
@@ -6517,7 +6566,7 @@
                 <a:latin typeface="Alegreya Sans" panose="00000500000000000000" pitchFamily="2" charset="0"/>
                 <a:ea typeface="Malgun Gothic" panose="020B0503020000020004" pitchFamily="34" charset="-127"/>
               </a:rPr>
-              <a:t>Develop a highly skilled, interdisciplinary and in-demand workforce</a:t>
+              <a:t>Develop a highly skilled, interdisciplinary and in-demand workforce.</a:t>
             </a:r>
           </a:p>
         </p:txBody>
@@ -6536,7 +6585,7 @@
         </p:nvSpPr>
         <p:spPr>
           <a:xfrm>
-            <a:off x="16678" y="5003863"/>
+            <a:off x="0" y="5085184"/>
             <a:ext cx="1841440" cy="283687"/>
           </a:xfrm>
           <a:prstGeom prst="rect">
@@ -6571,7 +6620,9 @@
           <a:p>
             <a:pPr algn="ctr"/>
             <a:r>
-              <a:rPr lang="en-GB" dirty="0"/>
+              <a:rPr lang="en-GB" dirty="0">
+                <a:latin typeface="Alegreya Sans" panose="00000500000000000000" pitchFamily="2" charset="0"/>
+              </a:rPr>
               <a:t>Research Themes</a:t>
             </a:r>
           </a:p>
@@ -6591,8 +6642,8 @@
         </p:nvSpPr>
         <p:spPr>
           <a:xfrm>
-            <a:off x="-15489" y="5139189"/>
-            <a:ext cx="3222204" cy="954107"/>
+            <a:off x="-15489" y="5373216"/>
+            <a:ext cx="3222204" cy="830997"/>
           </a:xfrm>
           <a:prstGeom prst="rect">
             <a:avLst/>
@@ -6604,15 +6655,6 @@
             <a:spAutoFit/>
           </a:bodyPr>
           <a:lstStyle/>
-          <a:p>
-            <a:endParaRPr lang="en-GB" sz="800" dirty="0">
-              <a:solidFill>
-                <a:schemeClr val="bg1"/>
-              </a:solidFill>
-              <a:latin typeface="Alegreya Sans" panose="00000500000000000000" pitchFamily="2" charset="0"/>
-              <a:ea typeface="Malgun Gothic" panose="020B0503020000020004" pitchFamily="34" charset="-127"/>
-            </a:endParaRPr>
-          </a:p>
           <a:p>
             <a:pPr marL="285750" indent="-285750">
               <a:buClr>
@@ -6677,8 +6719,8 @@
         </p:nvSpPr>
         <p:spPr>
           <a:xfrm>
-            <a:off x="-3329" y="3135159"/>
-            <a:ext cx="5838362" cy="1661993"/>
+            <a:off x="0" y="3427200"/>
+            <a:ext cx="5684789" cy="1631216"/>
           </a:xfrm>
           <a:prstGeom prst="rect">
             <a:avLst/>
@@ -6706,26 +6748,11 @@
               <a:t>Aligned with the Nation’s £ 150 million investment portfolio in  </a:t>
             </a:r>
             <a:r>
-              <a:rPr lang="en-GB" dirty="0"/>
-              <a:t>novel quantum technologies</a:t>
+              <a:rPr lang="en-GB" sz="1600" dirty="0">
+                <a:latin typeface="Alegreya Sans" panose="00000500000000000000" pitchFamily="2" charset="0"/>
+              </a:rPr>
+              <a:t>novel quantum technologies.</a:t>
             </a:r>
-          </a:p>
-          <a:p>
-            <a:pPr marL="285750" indent="-285750">
-              <a:buClr>
-                <a:srgbClr val="5D9732"/>
-              </a:buClr>
-              <a:buFont typeface="Wingdings" panose="05000000000000000000" pitchFamily="2" charset="2"/>
-              <a:buChar char="Ø"/>
-            </a:pPr>
-            <a:r>
-              <a:rPr lang="en-GB" dirty="0">
-                <a:latin typeface="Alegreya Sans" panose="00000500000000000000" pitchFamily="2" charset="0"/>
-                <a:ea typeface="Malgun Gothic" panose="020B0503020000020004" pitchFamily="34" charset="-127"/>
-              </a:rPr>
-              <a:t>Maintain UK’s leading position in academia and further expand its industrial impact</a:t>
-            </a:r>
-            <a:endParaRPr lang="en-GB" dirty="0"/>
           </a:p>
           <a:p>
             <a:pPr marL="285750" indent="-285750">
@@ -6740,7 +6767,26 @@
                 <a:latin typeface="Alegreya Sans" panose="00000500000000000000" pitchFamily="2" charset="0"/>
                 <a:ea typeface="Malgun Gothic" panose="020B0503020000020004" pitchFamily="34" charset="-127"/>
               </a:rPr>
-              <a:t>Quantum cryptography and communication may radically transform business, society and government</a:t>
+              <a:t>Maintain UK’s leading position in academia and further expand its industrial impact.</a:t>
+            </a:r>
+            <a:endParaRPr lang="en-GB" sz="1600" dirty="0">
+              <a:latin typeface="Alegreya Sans" panose="00000500000000000000" pitchFamily="2" charset="0"/>
+            </a:endParaRPr>
+          </a:p>
+          <a:p>
+            <a:pPr marL="285750" indent="-285750">
+              <a:buClr>
+                <a:srgbClr val="5D9732"/>
+              </a:buClr>
+              <a:buFont typeface="Wingdings" panose="05000000000000000000" pitchFamily="2" charset="2"/>
+              <a:buChar char="Ø"/>
+            </a:pPr>
+            <a:r>
+              <a:rPr lang="en-GB" sz="1600" dirty="0">
+                <a:latin typeface="Alegreya Sans" panose="00000500000000000000" pitchFamily="2" charset="0"/>
+                <a:ea typeface="Malgun Gothic" panose="020B0503020000020004" pitchFamily="34" charset="-127"/>
+              </a:rPr>
+              <a:t>Quantum cryptography and communication may radically transform business, society and government.</a:t>
             </a:r>
           </a:p>
         </p:txBody>
@@ -6759,7 +6805,7 @@
         </p:nvSpPr>
         <p:spPr>
           <a:xfrm>
-            <a:off x="14891" y="2854768"/>
+            <a:off x="1716" y="3140968"/>
             <a:ext cx="1124891" cy="288032"/>
           </a:xfrm>
           <a:prstGeom prst="rect">
@@ -6794,7 +6840,9 @@
           <a:p>
             <a:pPr algn="ctr"/>
             <a:r>
-              <a:rPr lang="en-GB" dirty="0"/>
+              <a:rPr lang="en-GB" dirty="0">
+                <a:latin typeface="Alegreya Sans" panose="00000500000000000000" pitchFamily="2" charset="0"/>
+              </a:rPr>
               <a:t>Why ?</a:t>
             </a:r>
           </a:p>
@@ -6815,7 +6863,7 @@
           <p:nvPr>
             <p:extLst>
               <p:ext uri="{D42A27DB-BD31-4B8C-83A1-F6EECF244321}">
-                <p14:modId xmlns:p14="http://schemas.microsoft.com/office/powerpoint/2010/main" val="2287788468"/>
+                <p14:modId xmlns:p14="http://schemas.microsoft.com/office/powerpoint/2010/main" val="2912304005"/>
               </p:ext>
             </p:extLst>
           </p:nvPr>
@@ -6830,6 +6878,59 @@
           </a:graphicData>
         </a:graphic>
       </p:graphicFrame>
+      <p:sp>
+        <p:nvSpPr>
+          <p:cNvPr id="18" name="Rectangle 17">
+            <a:extLst>
+              <a:ext uri="{FF2B5EF4-FFF2-40B4-BE49-F238E27FC236}">
+                <a16:creationId xmlns:a16="http://schemas.microsoft.com/office/drawing/2014/main" id="{0D832764-832B-42B4-8FEF-8544C93A11C4}"/>
+              </a:ext>
+            </a:extLst>
+          </p:cNvPr>
+          <p:cNvSpPr/>
+          <p:nvPr/>
+        </p:nvSpPr>
+        <p:spPr>
+          <a:xfrm>
+            <a:off x="8682176" y="0"/>
+            <a:ext cx="461824" cy="1041833"/>
+          </a:xfrm>
+          <a:prstGeom prst="rect">
+            <a:avLst/>
+          </a:prstGeom>
+          <a:solidFill>
+            <a:srgbClr val="5D9732">
+              <a:alpha val="50000"/>
+            </a:srgbClr>
+          </a:solidFill>
+          <a:ln>
+            <a:noFill/>
+          </a:ln>
+        </p:spPr>
+        <p:style>
+          <a:lnRef idx="2">
+            <a:schemeClr val="accent1">
+              <a:shade val="50000"/>
+            </a:schemeClr>
+          </a:lnRef>
+          <a:fillRef idx="1">
+            <a:schemeClr val="accent1"/>
+          </a:fillRef>
+          <a:effectRef idx="0">
+            <a:schemeClr val="accent1"/>
+          </a:effectRef>
+          <a:fontRef idx="minor">
+            <a:schemeClr val="lt1"/>
+          </a:fontRef>
+        </p:style>
+        <p:txBody>
+          <a:bodyPr rtlCol="0" anchor="ctr"/>
+          <a:lstStyle/>
+          <a:p>
+            <a:endParaRPr lang="en-GB" dirty="0"/>
+          </a:p>
+        </p:txBody>
+      </p:sp>
     </p:spTree>
     <p:extLst>
       <p:ext uri="{BB962C8B-B14F-4D97-AF65-F5344CB8AC3E}">

--- a/One_Slide_Talk.pptx
+++ b/One_Slide_Talk.pptx
@@ -1227,10 +1227,10 @@
   </dgm:ptLst>
   <dgm:cxnLst>
     <dgm:cxn modelId="{0E62FF0C-B0BE-4748-A4F0-98BF8CA534C4}" srcId="{B72A5CE7-5E47-414C-BFD6-B8CC16E6BA74}" destId="{1F29164C-1989-224E-A34C-DF0C5476CA47}" srcOrd="1" destOrd="0" parTransId="{8E9D200D-9C7F-D144-8068-47F2833D9C85}" sibTransId="{6AC5FF75-AEC8-9244-855E-E301CCD36DD4}"/>
-    <dgm:cxn modelId="{26523367-3DD0-8241-8BEB-03D0414466A2}" srcId="{B72A5CE7-5E47-414C-BFD6-B8CC16E6BA74}" destId="{B2EB7CA6-8A21-4A4E-97B1-925D8A5D7332}" srcOrd="0" destOrd="0" parTransId="{176F9D73-3C7C-1744-8081-05F2CC735DC8}" sibTransId="{043E5AD2-CC59-D444-97E8-52CBF1A5FB96}"/>
     <dgm:cxn modelId="{CDB7BE4B-AC3A-1C4B-863E-64D35C4D0948}" type="presOf" srcId="{4E91740D-B570-2A44-B0C1-5C528B15711E}" destId="{20DFBC33-0A39-3846-8CBF-CD6B59D965F2}" srcOrd="0" destOrd="0" presId="urn:microsoft.com/office/officeart/2005/8/layout/radial3"/>
     <dgm:cxn modelId="{8C63CD57-433C-4846-9328-370359DD9F76}" type="presOf" srcId="{0EE257F4-BD99-0D4B-A942-BA1A96EBFD97}" destId="{474F8C82-6048-1F41-A8E3-3C9963428B1A}" srcOrd="0" destOrd="0" presId="urn:microsoft.com/office/officeart/2005/8/layout/radial3"/>
     <dgm:cxn modelId="{370DE058-D5CD-9C4C-85D2-D960E1F63B12}" srcId="{92F416D5-B90A-E243-99EC-73AB80EA8DE5}" destId="{0C3C002F-67F7-964C-80FE-A7A1D02595DA}" srcOrd="2" destOrd="0" parTransId="{7BF11A76-3D42-CA47-A029-D2B3F09796E9}" sibTransId="{96430974-976D-5540-8D64-88A1F9257B40}"/>
+    <dgm:cxn modelId="{26523367-3DD0-8241-8BEB-03D0414466A2}" srcId="{B72A5CE7-5E47-414C-BFD6-B8CC16E6BA74}" destId="{B2EB7CA6-8A21-4A4E-97B1-925D8A5D7332}" srcOrd="0" destOrd="0" parTransId="{176F9D73-3C7C-1744-8081-05F2CC735DC8}" sibTransId="{043E5AD2-CC59-D444-97E8-52CBF1A5FB96}"/>
     <dgm:cxn modelId="{1427707D-2047-324F-A9E7-2D35C12C25DD}" srcId="{B72A5CE7-5E47-414C-BFD6-B8CC16E6BA74}" destId="{4E91740D-B570-2A44-B0C1-5C528B15711E}" srcOrd="3" destOrd="0" parTransId="{778B2102-006F-FD4D-8915-1F2BBF4ABDEF}" sibTransId="{276245A8-D661-8E43-90F9-DAF5A454C1F6}"/>
     <dgm:cxn modelId="{15854499-5723-7D41-A665-32144E1AA525}" type="presOf" srcId="{B2EB7CA6-8A21-4A4E-97B1-925D8A5D7332}" destId="{3453EDD7-9DB7-9F48-89F6-5E63EFD8EB5A}" srcOrd="0" destOrd="0" presId="urn:microsoft.com/office/officeart/2005/8/layout/radial3"/>
     <dgm:cxn modelId="{C63CBCB4-1E3C-1348-B3DB-E37CAFBFEA95}" type="presOf" srcId="{B72A5CE7-5E47-414C-BFD6-B8CC16E6BA74}" destId="{B036DA55-DD15-824A-9D1C-F915F31B4B8F}" srcOrd="0" destOrd="0" presId="urn:microsoft.com/office/officeart/2005/8/layout/radial3"/>
@@ -6414,8 +6414,8 @@
         </p:nvSpPr>
         <p:spPr>
           <a:xfrm>
-            <a:off x="1832165" y="6453335"/>
-            <a:ext cx="5479669" cy="531769"/>
+            <a:off x="1581902" y="6454046"/>
+            <a:ext cx="5980195" cy="531769"/>
           </a:xfrm>
         </p:spPr>
         <p:txBody>
